--- a/Slides/Lesson 7.5 Foldr and Foldl.pptx
+++ b/Slides/Lesson 7.5 Foldr and Foldl.pptx
@@ -2,44 +2,43 @@
 <file path=ppt/presentation.xml><?xml version="1.0" encoding="utf-8"?>
 <p:presentation xmlns:a="http://schemas.openxmlformats.org/drawingml/2006/main" xmlns:r="http://schemas.openxmlformats.org/officeDocument/2006/relationships" xmlns:p="http://schemas.openxmlformats.org/presentationml/2006/main" saveSubsetFonts="1">
   <p:sldMasterIdLst>
-    <p:sldMasterId id="2147483648" r:id="rId1"/>
-    <p:sldMasterId id="2147483660" r:id="rId2"/>
+    <p:sldMasterId id="2147483666" r:id="rId1"/>
   </p:sldMasterIdLst>
   <p:notesMasterIdLst>
-    <p:notesMasterId r:id="rId29"/>
+    <p:notesMasterId r:id="rId28"/>
   </p:notesMasterIdLst>
   <p:sldIdLst>
-    <p:sldId id="257" r:id="rId3"/>
-    <p:sldId id="265" r:id="rId4"/>
-    <p:sldId id="331" r:id="rId5"/>
-    <p:sldId id="332" r:id="rId6"/>
-    <p:sldId id="298" r:id="rId7"/>
-    <p:sldId id="300" r:id="rId8"/>
-    <p:sldId id="333" r:id="rId9"/>
-    <p:sldId id="334" r:id="rId10"/>
-    <p:sldId id="335" r:id="rId11"/>
-    <p:sldId id="336" r:id="rId12"/>
-    <p:sldId id="337" r:id="rId13"/>
-    <p:sldId id="338" r:id="rId14"/>
-    <p:sldId id="342" r:id="rId15"/>
-    <p:sldId id="340" r:id="rId16"/>
-    <p:sldId id="341" r:id="rId17"/>
-    <p:sldId id="312" r:id="rId18"/>
-    <p:sldId id="339" r:id="rId19"/>
-    <p:sldId id="343" r:id="rId20"/>
-    <p:sldId id="344" r:id="rId21"/>
-    <p:sldId id="345" r:id="rId22"/>
-    <p:sldId id="346" r:id="rId23"/>
-    <p:sldId id="324" r:id="rId24"/>
-    <p:sldId id="325" r:id="rId25"/>
-    <p:sldId id="327" r:id="rId26"/>
-    <p:sldId id="328" r:id="rId27"/>
-    <p:sldId id="347" r:id="rId28"/>
+    <p:sldId id="257" r:id="rId2"/>
+    <p:sldId id="265" r:id="rId3"/>
+    <p:sldId id="331" r:id="rId4"/>
+    <p:sldId id="332" r:id="rId5"/>
+    <p:sldId id="298" r:id="rId6"/>
+    <p:sldId id="300" r:id="rId7"/>
+    <p:sldId id="333" r:id="rId8"/>
+    <p:sldId id="334" r:id="rId9"/>
+    <p:sldId id="335" r:id="rId10"/>
+    <p:sldId id="336" r:id="rId11"/>
+    <p:sldId id="337" r:id="rId12"/>
+    <p:sldId id="338" r:id="rId13"/>
+    <p:sldId id="342" r:id="rId14"/>
+    <p:sldId id="340" r:id="rId15"/>
+    <p:sldId id="341" r:id="rId16"/>
+    <p:sldId id="312" r:id="rId17"/>
+    <p:sldId id="339" r:id="rId18"/>
+    <p:sldId id="343" r:id="rId19"/>
+    <p:sldId id="344" r:id="rId20"/>
+    <p:sldId id="345" r:id="rId21"/>
+    <p:sldId id="346" r:id="rId22"/>
+    <p:sldId id="324" r:id="rId23"/>
+    <p:sldId id="325" r:id="rId24"/>
+    <p:sldId id="327" r:id="rId25"/>
+    <p:sldId id="328" r:id="rId26"/>
+    <p:sldId id="347" r:id="rId27"/>
   </p:sldIdLst>
   <p:sldSz cx="9144000" cy="6858000" type="screen4x3"/>
   <p:notesSz cx="6858000" cy="9144000"/>
   <p:custDataLst>
-    <p:tags r:id="rId30"/>
+    <p:tags r:id="rId29"/>
   </p:custDataLst>
   <p:defaultTextStyle>
     <a:defPPr>
@@ -252,7 +251,7 @@
             <a:fld id="{CF8F25F6-E1EF-4065-8525-42EDEBD9BD22}" type="datetimeFigureOut">
               <a:rPr lang="en-US" smtClean="0"/>
               <a:pPr/>
-              <a:t>10/11/2014</a:t>
+              <a:t>9/28/2015</a:t>
             </a:fld>
             <a:endParaRPr lang="en-US"/>
           </a:p>
@@ -789,9 +788,9 @@
           <a:bodyPr/>
           <a:lstStyle/>
           <a:p>
-            <a:fld id="{B9CF3507-236F-4280-91E0-FF9F979ACB6B}" type="datetime1">
+            <a:fld id="{2F1F79F5-7BEC-496A-AFC7-876E38F64D71}" type="datetime1">
               <a:rPr lang="en-US" smtClean="0"/>
-              <a:t>10/11/2014</a:t>
+              <a:t>9/28/2015</a:t>
             </a:fld>
             <a:endParaRPr lang="en-US"/>
           </a:p>
@@ -831,9 +830,8 @@
           <a:bodyPr/>
           <a:lstStyle/>
           <a:p>
-            <a:fld id="{9F4492BD-6A9C-48FC-AC76-0B4FE11194A1}" type="slidenum">
+            <a:fld id="{2AF3B5EA-18B6-4040-9F78-6052AF49C681}" type="slidenum">
               <a:rPr lang="en-US" smtClean="0"/>
-              <a:pPr/>
               <a:t>‹#›</a:t>
             </a:fld>
             <a:endParaRPr lang="en-US"/>
@@ -841,6 +839,11 @@
         </p:txBody>
       </p:sp>
     </p:spTree>
+    <p:extLst>
+      <p:ext uri="{BB962C8B-B14F-4D97-AF65-F5344CB8AC3E}">
+        <p14:creationId xmlns:p14="http://schemas.microsoft.com/office/powerpoint/2010/main" val="2099770434"/>
+      </p:ext>
+    </p:extLst>
   </p:cSld>
   <p:clrMapOvr>
     <a:masterClrMapping/>
@@ -856,6 +859,378 @@
 </file>
 
 <file path=ppt/slideLayouts/slideLayout10.xml><?xml version="1.0" encoding="utf-8"?>
+<p:sldLayout xmlns:a="http://schemas.openxmlformats.org/drawingml/2006/main" xmlns:r="http://schemas.openxmlformats.org/officeDocument/2006/relationships" xmlns:p="http://schemas.openxmlformats.org/presentationml/2006/main" type="blank" preserve="1">
+  <p:cSld name="Blank">
+    <p:spTree>
+      <p:nvGrpSpPr>
+        <p:cNvPr id="1" name=""/>
+        <p:cNvGrpSpPr/>
+        <p:nvPr/>
+      </p:nvGrpSpPr>
+      <p:grpSpPr>
+        <a:xfrm>
+          <a:off x="0" y="0"/>
+          <a:ext cx="0" cy="0"/>
+          <a:chOff x="0" y="0"/>
+          <a:chExt cx="0" cy="0"/>
+        </a:xfrm>
+      </p:grpSpPr>
+      <p:sp>
+        <p:nvSpPr>
+          <p:cNvPr id="2" name="Date Placeholder 1"/>
+          <p:cNvSpPr>
+            <a:spLocks noGrp="1"/>
+          </p:cNvSpPr>
+          <p:nvPr>
+            <p:ph type="dt" sz="half" idx="10"/>
+          </p:nvPr>
+        </p:nvSpPr>
+        <p:spPr/>
+        <p:txBody>
+          <a:bodyPr/>
+          <a:lstStyle/>
+          <a:p>
+            <a:fld id="{0A05703A-7669-4FEA-9056-25299B4D29D4}" type="datetime1">
+              <a:rPr lang="en-US" smtClean="0"/>
+              <a:t>9/28/2015</a:t>
+            </a:fld>
+            <a:endParaRPr lang="en-US"/>
+          </a:p>
+        </p:txBody>
+      </p:sp>
+      <p:sp>
+        <p:nvSpPr>
+          <p:cNvPr id="3" name="Footer Placeholder 2"/>
+          <p:cNvSpPr>
+            <a:spLocks noGrp="1"/>
+          </p:cNvSpPr>
+          <p:nvPr>
+            <p:ph type="ftr" sz="quarter" idx="11"/>
+          </p:nvPr>
+        </p:nvSpPr>
+        <p:spPr/>
+        <p:txBody>
+          <a:bodyPr/>
+          <a:lstStyle/>
+          <a:p>
+            <a:endParaRPr lang="en-US"/>
+          </a:p>
+        </p:txBody>
+      </p:sp>
+      <p:sp>
+        <p:nvSpPr>
+          <p:cNvPr id="4" name="Slide Number Placeholder 3"/>
+          <p:cNvSpPr>
+            <a:spLocks noGrp="1"/>
+          </p:cNvSpPr>
+          <p:nvPr>
+            <p:ph type="sldNum" sz="quarter" idx="12"/>
+          </p:nvPr>
+        </p:nvSpPr>
+        <p:spPr/>
+        <p:txBody>
+          <a:bodyPr/>
+          <a:lstStyle/>
+          <a:p>
+            <a:fld id="{2AF3B5EA-18B6-4040-9F78-6052AF49C681}" type="slidenum">
+              <a:rPr lang="en-US" smtClean="0"/>
+              <a:t>‹#›</a:t>
+            </a:fld>
+            <a:endParaRPr lang="en-US"/>
+          </a:p>
+        </p:txBody>
+      </p:sp>
+    </p:spTree>
+    <p:extLst>
+      <p:ext uri="{BB962C8B-B14F-4D97-AF65-F5344CB8AC3E}">
+        <p14:creationId xmlns:p14="http://schemas.microsoft.com/office/powerpoint/2010/main" val="1017654194"/>
+      </p:ext>
+    </p:extLst>
+  </p:cSld>
+  <p:clrMapOvr>
+    <a:masterClrMapping/>
+  </p:clrMapOvr>
+</p:sldLayout>
+</file>
+
+<file path=ppt/slideLayouts/slideLayout11.xml><?xml version="1.0" encoding="utf-8"?>
+<p:sldLayout xmlns:a="http://schemas.openxmlformats.org/drawingml/2006/main" xmlns:r="http://schemas.openxmlformats.org/officeDocument/2006/relationships" xmlns:p="http://schemas.openxmlformats.org/presentationml/2006/main" type="objTx" preserve="1">
+  <p:cSld name="Content with Caption">
+    <p:spTree>
+      <p:nvGrpSpPr>
+        <p:cNvPr id="1" name=""/>
+        <p:cNvGrpSpPr/>
+        <p:nvPr/>
+      </p:nvGrpSpPr>
+      <p:grpSpPr>
+        <a:xfrm>
+          <a:off x="0" y="0"/>
+          <a:ext cx="0" cy="0"/>
+          <a:chOff x="0" y="0"/>
+          <a:chExt cx="0" cy="0"/>
+        </a:xfrm>
+      </p:grpSpPr>
+      <p:sp>
+        <p:nvSpPr>
+          <p:cNvPr id="2" name="Title 1"/>
+          <p:cNvSpPr>
+            <a:spLocks noGrp="1"/>
+          </p:cNvSpPr>
+          <p:nvPr>
+            <p:ph type="title"/>
+          </p:nvPr>
+        </p:nvSpPr>
+        <p:spPr>
+          <a:xfrm>
+            <a:off x="457200" y="273050"/>
+            <a:ext cx="3008313" cy="1162050"/>
+          </a:xfrm>
+        </p:spPr>
+        <p:txBody>
+          <a:bodyPr anchor="b"/>
+          <a:lstStyle>
+            <a:lvl1pPr algn="l">
+              <a:defRPr sz="2000" b="1"/>
+            </a:lvl1pPr>
+          </a:lstStyle>
+          <a:p>
+            <a:r>
+              <a:rPr lang="en-US" smtClean="0"/>
+              <a:t>Click to edit Master title style</a:t>
+            </a:r>
+            <a:endParaRPr lang="en-US"/>
+          </a:p>
+        </p:txBody>
+      </p:sp>
+      <p:sp>
+        <p:nvSpPr>
+          <p:cNvPr id="3" name="Content Placeholder 2"/>
+          <p:cNvSpPr>
+            <a:spLocks noGrp="1"/>
+          </p:cNvSpPr>
+          <p:nvPr>
+            <p:ph idx="1"/>
+          </p:nvPr>
+        </p:nvSpPr>
+        <p:spPr>
+          <a:xfrm>
+            <a:off x="3575050" y="273050"/>
+            <a:ext cx="5111750" cy="5853113"/>
+          </a:xfrm>
+        </p:spPr>
+        <p:txBody>
+          <a:bodyPr/>
+          <a:lstStyle>
+            <a:lvl1pPr>
+              <a:defRPr sz="3200"/>
+            </a:lvl1pPr>
+            <a:lvl2pPr>
+              <a:defRPr sz="2800"/>
+            </a:lvl2pPr>
+            <a:lvl3pPr>
+              <a:defRPr sz="2400"/>
+            </a:lvl3pPr>
+            <a:lvl4pPr>
+              <a:defRPr sz="2000"/>
+            </a:lvl4pPr>
+            <a:lvl5pPr>
+              <a:defRPr sz="2000"/>
+            </a:lvl5pPr>
+            <a:lvl6pPr>
+              <a:defRPr sz="2000"/>
+            </a:lvl6pPr>
+            <a:lvl7pPr>
+              <a:defRPr sz="2000"/>
+            </a:lvl7pPr>
+            <a:lvl8pPr>
+              <a:defRPr sz="2000"/>
+            </a:lvl8pPr>
+            <a:lvl9pPr>
+              <a:defRPr sz="2000"/>
+            </a:lvl9pPr>
+          </a:lstStyle>
+          <a:p>
+            <a:pPr lvl="0"/>
+            <a:r>
+              <a:rPr lang="en-US" smtClean="0"/>
+              <a:t>Click to edit Master text styles</a:t>
+            </a:r>
+          </a:p>
+          <a:p>
+            <a:pPr lvl="1"/>
+            <a:r>
+              <a:rPr lang="en-US" smtClean="0"/>
+              <a:t>Second level</a:t>
+            </a:r>
+          </a:p>
+          <a:p>
+            <a:pPr lvl="2"/>
+            <a:r>
+              <a:rPr lang="en-US" smtClean="0"/>
+              <a:t>Third level</a:t>
+            </a:r>
+          </a:p>
+          <a:p>
+            <a:pPr lvl="3"/>
+            <a:r>
+              <a:rPr lang="en-US" smtClean="0"/>
+              <a:t>Fourth level</a:t>
+            </a:r>
+          </a:p>
+          <a:p>
+            <a:pPr lvl="4"/>
+            <a:r>
+              <a:rPr lang="en-US" smtClean="0"/>
+              <a:t>Fifth level</a:t>
+            </a:r>
+            <a:endParaRPr lang="en-US"/>
+          </a:p>
+        </p:txBody>
+      </p:sp>
+      <p:sp>
+        <p:nvSpPr>
+          <p:cNvPr id="4" name="Text Placeholder 3"/>
+          <p:cNvSpPr>
+            <a:spLocks noGrp="1"/>
+          </p:cNvSpPr>
+          <p:nvPr>
+            <p:ph type="body" sz="half" idx="2"/>
+          </p:nvPr>
+        </p:nvSpPr>
+        <p:spPr>
+          <a:xfrm>
+            <a:off x="457200" y="1435100"/>
+            <a:ext cx="3008313" cy="4691063"/>
+          </a:xfrm>
+        </p:spPr>
+        <p:txBody>
+          <a:bodyPr/>
+          <a:lstStyle>
+            <a:lvl1pPr marL="0" indent="0">
+              <a:buNone/>
+              <a:defRPr sz="1400"/>
+            </a:lvl1pPr>
+            <a:lvl2pPr marL="457200" indent="0">
+              <a:buNone/>
+              <a:defRPr sz="1200"/>
+            </a:lvl2pPr>
+            <a:lvl3pPr marL="914400" indent="0">
+              <a:buNone/>
+              <a:defRPr sz="1000"/>
+            </a:lvl3pPr>
+            <a:lvl4pPr marL="1371600" indent="0">
+              <a:buNone/>
+              <a:defRPr sz="900"/>
+            </a:lvl4pPr>
+            <a:lvl5pPr marL="1828800" indent="0">
+              <a:buNone/>
+              <a:defRPr sz="900"/>
+            </a:lvl5pPr>
+            <a:lvl6pPr marL="2286000" indent="0">
+              <a:buNone/>
+              <a:defRPr sz="900"/>
+            </a:lvl6pPr>
+            <a:lvl7pPr marL="2743200" indent="0">
+              <a:buNone/>
+              <a:defRPr sz="900"/>
+            </a:lvl7pPr>
+            <a:lvl8pPr marL="3200400" indent="0">
+              <a:buNone/>
+              <a:defRPr sz="900"/>
+            </a:lvl8pPr>
+            <a:lvl9pPr marL="3657600" indent="0">
+              <a:buNone/>
+              <a:defRPr sz="900"/>
+            </a:lvl9pPr>
+          </a:lstStyle>
+          <a:p>
+            <a:pPr lvl="0"/>
+            <a:r>
+              <a:rPr lang="en-US" smtClean="0"/>
+              <a:t>Click to edit Master text styles</a:t>
+            </a:r>
+          </a:p>
+        </p:txBody>
+      </p:sp>
+      <p:sp>
+        <p:nvSpPr>
+          <p:cNvPr id="5" name="Date Placeholder 4"/>
+          <p:cNvSpPr>
+            <a:spLocks noGrp="1"/>
+          </p:cNvSpPr>
+          <p:nvPr>
+            <p:ph type="dt" sz="half" idx="10"/>
+          </p:nvPr>
+        </p:nvSpPr>
+        <p:spPr/>
+        <p:txBody>
+          <a:bodyPr/>
+          <a:lstStyle/>
+          <a:p>
+            <a:fld id="{6E5077B5-BB57-49DB-88CA-226A139E5C01}" type="datetime1">
+              <a:rPr lang="en-US" smtClean="0"/>
+              <a:t>9/28/2015</a:t>
+            </a:fld>
+            <a:endParaRPr lang="en-US"/>
+          </a:p>
+        </p:txBody>
+      </p:sp>
+      <p:sp>
+        <p:nvSpPr>
+          <p:cNvPr id="6" name="Footer Placeholder 5"/>
+          <p:cNvSpPr>
+            <a:spLocks noGrp="1"/>
+          </p:cNvSpPr>
+          <p:nvPr>
+            <p:ph type="ftr" sz="quarter" idx="11"/>
+          </p:nvPr>
+        </p:nvSpPr>
+        <p:spPr/>
+        <p:txBody>
+          <a:bodyPr/>
+          <a:lstStyle/>
+          <a:p>
+            <a:endParaRPr lang="en-US"/>
+          </a:p>
+        </p:txBody>
+      </p:sp>
+      <p:sp>
+        <p:nvSpPr>
+          <p:cNvPr id="7" name="Slide Number Placeholder 6"/>
+          <p:cNvSpPr>
+            <a:spLocks noGrp="1"/>
+          </p:cNvSpPr>
+          <p:nvPr>
+            <p:ph type="sldNum" sz="quarter" idx="12"/>
+          </p:nvPr>
+        </p:nvSpPr>
+        <p:spPr/>
+        <p:txBody>
+          <a:bodyPr/>
+          <a:lstStyle/>
+          <a:p>
+            <a:fld id="{2AF3B5EA-18B6-4040-9F78-6052AF49C681}" type="slidenum">
+              <a:rPr lang="en-US" smtClean="0"/>
+              <a:t>‹#›</a:t>
+            </a:fld>
+            <a:endParaRPr lang="en-US"/>
+          </a:p>
+        </p:txBody>
+      </p:sp>
+    </p:spTree>
+    <p:extLst>
+      <p:ext uri="{BB962C8B-B14F-4D97-AF65-F5344CB8AC3E}">
+        <p14:creationId xmlns:p14="http://schemas.microsoft.com/office/powerpoint/2010/main" val="1657428286"/>
+      </p:ext>
+    </p:extLst>
+  </p:cSld>
+  <p:clrMapOvr>
+    <a:masterClrMapping/>
+  </p:clrMapOvr>
+</p:sldLayout>
+</file>
+
+<file path=ppt/slideLayouts/slideLayout12.xml><?xml version="1.0" encoding="utf-8"?>
 <p:sldLayout xmlns:a="http://schemas.openxmlformats.org/drawingml/2006/main" xmlns:r="http://schemas.openxmlformats.org/officeDocument/2006/relationships" xmlns:p="http://schemas.openxmlformats.org/presentationml/2006/main" type="picTx" preserve="1">
   <p:cSld name="Picture with Caption">
     <p:spTree>
@@ -1045,9 +1420,9 @@
           <a:bodyPr/>
           <a:lstStyle/>
           <a:p>
-            <a:fld id="{142CED5D-F3BC-4383-9F0E-00BC6E9AF742}" type="datetime1">
+            <a:fld id="{C48D9447-CBD6-49A1-89FD-8512A8CF8999}" type="datetime1">
               <a:rPr lang="en-US" smtClean="0"/>
-              <a:t>10/11/2014</a:t>
+              <a:t>9/28/2015</a:t>
             </a:fld>
             <a:endParaRPr lang="en-US"/>
           </a:p>
@@ -1087,9 +1462,8 @@
           <a:bodyPr/>
           <a:lstStyle/>
           <a:p>
-            <a:fld id="{9F4492BD-6A9C-48FC-AC76-0B4FE11194A1}" type="slidenum">
+            <a:fld id="{2AF3B5EA-18B6-4040-9F78-6052AF49C681}" type="slidenum">
               <a:rPr lang="en-US" smtClean="0"/>
-              <a:pPr/>
               <a:t>‹#›</a:t>
             </a:fld>
             <a:endParaRPr lang="en-US"/>
@@ -1097,6 +1471,11 @@
         </p:txBody>
       </p:sp>
     </p:spTree>
+    <p:extLst>
+      <p:ext uri="{BB962C8B-B14F-4D97-AF65-F5344CB8AC3E}">
+        <p14:creationId xmlns:p14="http://schemas.microsoft.com/office/powerpoint/2010/main" val="381354306"/>
+      </p:ext>
+    </p:extLst>
   </p:cSld>
   <p:clrMapOvr>
     <a:masterClrMapping/>
@@ -1104,7 +1483,7 @@
 </p:sldLayout>
 </file>
 
-<file path=ppt/slideLayouts/slideLayout11.xml><?xml version="1.0" encoding="utf-8"?>
+<file path=ppt/slideLayouts/slideLayout13.xml><?xml version="1.0" encoding="utf-8"?>
 <p:sldLayout xmlns:a="http://schemas.openxmlformats.org/drawingml/2006/main" xmlns:r="http://schemas.openxmlformats.org/officeDocument/2006/relationships" xmlns:p="http://schemas.openxmlformats.org/presentationml/2006/main" type="vertTx" preserve="1">
   <p:cSld name="Title and Vertical Text">
     <p:spTree>
@@ -1211,9 +1590,9 @@
           <a:bodyPr/>
           <a:lstStyle/>
           <a:p>
-            <a:fld id="{DA4775E7-7382-4FFA-AC4A-358BE80C39FC}" type="datetime1">
+            <a:fld id="{A3639A2A-823D-48B7-9ACE-7FAF42870BA9}" type="datetime1">
               <a:rPr lang="en-US" smtClean="0"/>
-              <a:t>10/11/2014</a:t>
+              <a:t>9/28/2015</a:t>
             </a:fld>
             <a:endParaRPr lang="en-US"/>
           </a:p>
@@ -1253,9 +1632,8 @@
           <a:bodyPr/>
           <a:lstStyle/>
           <a:p>
-            <a:fld id="{9F4492BD-6A9C-48FC-AC76-0B4FE11194A1}" type="slidenum">
+            <a:fld id="{2AF3B5EA-18B6-4040-9F78-6052AF49C681}" type="slidenum">
               <a:rPr lang="en-US" smtClean="0"/>
-              <a:pPr/>
               <a:t>‹#›</a:t>
             </a:fld>
             <a:endParaRPr lang="en-US"/>
@@ -1263,6 +1641,11 @@
         </p:txBody>
       </p:sp>
     </p:spTree>
+    <p:extLst>
+      <p:ext uri="{BB962C8B-B14F-4D97-AF65-F5344CB8AC3E}">
+        <p14:creationId xmlns:p14="http://schemas.microsoft.com/office/powerpoint/2010/main" val="2044967455"/>
+      </p:ext>
+    </p:extLst>
   </p:cSld>
   <p:clrMapOvr>
     <a:masterClrMapping/>
@@ -1270,7 +1653,7 @@
 </p:sldLayout>
 </file>
 
-<file path=ppt/slideLayouts/slideLayout12.xml><?xml version="1.0" encoding="utf-8"?>
+<file path=ppt/slideLayouts/slideLayout14.xml><?xml version="1.0" encoding="utf-8"?>
 <p:sldLayout xmlns:a="http://schemas.openxmlformats.org/drawingml/2006/main" xmlns:r="http://schemas.openxmlformats.org/officeDocument/2006/relationships" xmlns:p="http://schemas.openxmlformats.org/presentationml/2006/main" type="vertTitleAndTx" preserve="1">
   <p:cSld name="Vertical Title and Text">
     <p:spTree>
@@ -1387,9 +1770,9 @@
           <a:bodyPr/>
           <a:lstStyle/>
           <a:p>
-            <a:fld id="{A1C3735B-1D29-42F9-ABE6-FD5B721C32BF}" type="datetime1">
+            <a:fld id="{ED1B6996-82E9-463C-972C-7B56056E426C}" type="datetime1">
               <a:rPr lang="en-US" smtClean="0"/>
-              <a:t>10/11/2014</a:t>
+              <a:t>9/28/2015</a:t>
             </a:fld>
             <a:endParaRPr lang="en-US"/>
           </a:p>
@@ -1429,215 +1812,18 @@
           <a:bodyPr/>
           <a:lstStyle/>
           <a:p>
-            <a:fld id="{9F4492BD-6A9C-48FC-AC76-0B4FE11194A1}" type="slidenum">
+            <a:fld id="{2AF3B5EA-18B6-4040-9F78-6052AF49C681}" type="slidenum">
               <a:rPr lang="en-US" smtClean="0"/>
-              <a:pPr/>
               <a:t>‹#›</a:t>
             </a:fld>
             <a:endParaRPr lang="en-US"/>
-          </a:p>
-        </p:txBody>
-      </p:sp>
-    </p:spTree>
-  </p:cSld>
-  <p:clrMapOvr>
-    <a:masterClrMapping/>
-  </p:clrMapOvr>
-</p:sldLayout>
-</file>
-
-<file path=ppt/slideLayouts/slideLayout13.xml><?xml version="1.0" encoding="utf-8"?>
-<p:sldLayout xmlns:a="http://schemas.openxmlformats.org/drawingml/2006/main" xmlns:r="http://schemas.openxmlformats.org/officeDocument/2006/relationships" xmlns:p="http://schemas.openxmlformats.org/presentationml/2006/main" type="obj">
-  <p:cSld name="Title and Content">
-    <p:spTree>
-      <p:nvGrpSpPr>
-        <p:cNvPr id="1" name=""/>
-        <p:cNvGrpSpPr/>
-        <p:nvPr/>
-      </p:nvGrpSpPr>
-      <p:grpSpPr>
-        <a:xfrm>
-          <a:off x="0" y="0"/>
-          <a:ext cx="0" cy="0"/>
-          <a:chOff x="0" y="0"/>
-          <a:chExt cx="0" cy="0"/>
-        </a:xfrm>
-      </p:grpSpPr>
-      <p:sp>
-        <p:nvSpPr>
-          <p:cNvPr id="2" name="Title 1"/>
-          <p:cNvSpPr>
-            <a:spLocks noGrp="1"/>
-          </p:cNvSpPr>
-          <p:nvPr>
-            <p:ph type="title"/>
-          </p:nvPr>
-        </p:nvSpPr>
-        <p:spPr/>
-        <p:txBody>
-          <a:bodyPr/>
-          <a:lstStyle/>
-          <a:p>
-            <a:r>
-              <a:rPr lang="en-US" smtClean="0"/>
-              <a:t>Click to edit Master title style</a:t>
-            </a:r>
-            <a:endParaRPr lang="en-US"/>
-          </a:p>
-        </p:txBody>
-      </p:sp>
-      <p:sp>
-        <p:nvSpPr>
-          <p:cNvPr id="3" name="Content Placeholder 2"/>
-          <p:cNvSpPr>
-            <a:spLocks noGrp="1"/>
-          </p:cNvSpPr>
-          <p:nvPr>
-            <p:ph idx="1"/>
-          </p:nvPr>
-        </p:nvSpPr>
-        <p:spPr/>
-        <p:txBody>
-          <a:bodyPr/>
-          <a:lstStyle/>
-          <a:p>
-            <a:pPr lvl="0"/>
-            <a:r>
-              <a:rPr lang="en-US" smtClean="0"/>
-              <a:t>Click to edit Master text styles</a:t>
-            </a:r>
-          </a:p>
-          <a:p>
-            <a:pPr lvl="1"/>
-            <a:r>
-              <a:rPr lang="en-US" smtClean="0"/>
-              <a:t>Second level</a:t>
-            </a:r>
-          </a:p>
-          <a:p>
-            <a:pPr lvl="2"/>
-            <a:r>
-              <a:rPr lang="en-US" smtClean="0"/>
-              <a:t>Third level</a:t>
-            </a:r>
-          </a:p>
-          <a:p>
-            <a:pPr lvl="3"/>
-            <a:r>
-              <a:rPr lang="en-US" smtClean="0"/>
-              <a:t>Fourth level</a:t>
-            </a:r>
-          </a:p>
-          <a:p>
-            <a:pPr lvl="4"/>
-            <a:r>
-              <a:rPr lang="en-US" smtClean="0"/>
-              <a:t>Fifth level</a:t>
-            </a:r>
-            <a:endParaRPr lang="en-US"/>
-          </a:p>
-        </p:txBody>
-      </p:sp>
-      <p:sp>
-        <p:nvSpPr>
-          <p:cNvPr id="4" name="Date Placeholder 3"/>
-          <p:cNvSpPr>
-            <a:spLocks noGrp="1"/>
-          </p:cNvSpPr>
-          <p:nvPr>
-            <p:ph type="dt" sz="half" idx="10"/>
-          </p:nvPr>
-        </p:nvSpPr>
-        <p:spPr/>
-        <p:txBody>
-          <a:bodyPr/>
-          <a:lstStyle/>
-          <a:p>
-            <a:fld id="{CDFF381D-719A-44EF-AD8E-2A4692A3AD16}" type="datetime1">
-              <a:rPr lang="en-US" smtClean="0">
-                <a:solidFill>
-                  <a:prstClr val="black">
-                    <a:tint val="75000"/>
-                  </a:prstClr>
-                </a:solidFill>
-              </a:rPr>
-              <a:t>10/11/2014</a:t>
-            </a:fld>
-            <a:endParaRPr lang="en-US">
-              <a:solidFill>
-                <a:prstClr val="black">
-                  <a:tint val="75000"/>
-                </a:prstClr>
-              </a:solidFill>
-            </a:endParaRPr>
-          </a:p>
-        </p:txBody>
-      </p:sp>
-      <p:sp>
-        <p:nvSpPr>
-          <p:cNvPr id="5" name="Footer Placeholder 4"/>
-          <p:cNvSpPr>
-            <a:spLocks noGrp="1"/>
-          </p:cNvSpPr>
-          <p:nvPr>
-            <p:ph type="ftr" sz="quarter" idx="11"/>
-          </p:nvPr>
-        </p:nvSpPr>
-        <p:spPr/>
-        <p:txBody>
-          <a:bodyPr/>
-          <a:lstStyle/>
-          <a:p>
-            <a:endParaRPr lang="en-US">
-              <a:solidFill>
-                <a:prstClr val="black">
-                  <a:tint val="75000"/>
-                </a:prstClr>
-              </a:solidFill>
-            </a:endParaRPr>
-          </a:p>
-        </p:txBody>
-      </p:sp>
-      <p:sp>
-        <p:nvSpPr>
-          <p:cNvPr id="6" name="Slide Number Placeholder 5"/>
-          <p:cNvSpPr>
-            <a:spLocks noGrp="1"/>
-          </p:cNvSpPr>
-          <p:nvPr>
-            <p:ph type="sldNum" sz="quarter" idx="12"/>
-          </p:nvPr>
-        </p:nvSpPr>
-        <p:spPr/>
-        <p:txBody>
-          <a:bodyPr/>
-          <a:lstStyle/>
-          <a:p>
-            <a:fld id="{9F4492BD-6A9C-48FC-AC76-0B4FE11194A1}" type="slidenum">
-              <a:rPr lang="en-US" smtClean="0">
-                <a:solidFill>
-                  <a:prstClr val="black">
-                    <a:tint val="75000"/>
-                  </a:prstClr>
-                </a:solidFill>
-              </a:rPr>
-              <a:pPr/>
-              <a:t>‹#›</a:t>
-            </a:fld>
-            <a:endParaRPr lang="en-US">
-              <a:solidFill>
-                <a:prstClr val="black">
-                  <a:tint val="75000"/>
-                </a:prstClr>
-              </a:solidFill>
-            </a:endParaRPr>
           </a:p>
         </p:txBody>
       </p:sp>
     </p:spTree>
     <p:extLst>
       <p:ext uri="{BB962C8B-B14F-4D97-AF65-F5344CB8AC3E}">
-        <p14:creationId xmlns:p14="http://schemas.microsoft.com/office/powerpoint/2010/main" val="2393250876"/>
+        <p14:creationId xmlns:p14="http://schemas.microsoft.com/office/powerpoint/2010/main" val="2917562415"/>
       </p:ext>
     </p:extLst>
   </p:cSld>
@@ -1681,16 +1867,22 @@
             <p:ph type="title"/>
           </p:nvPr>
         </p:nvSpPr>
-        <p:spPr/>
+        <p:spPr>
+          <a:ln w="28575">
+            <a:solidFill>
+              <a:schemeClr val="accent1"/>
+            </a:solidFill>
+          </a:ln>
+        </p:spPr>
         <p:txBody>
           <a:bodyPr/>
           <a:lstStyle/>
           <a:p>
             <a:r>
-              <a:rPr lang="en-US" smtClean="0"/>
+              <a:rPr lang="en-US" dirty="0" smtClean="0"/>
               <a:t>Click to edit Master title style</a:t>
             </a:r>
-            <a:endParaRPr lang="en-US"/>
+            <a:endParaRPr lang="en-US" dirty="0"/>
           </a:p>
         </p:txBody>
       </p:sp>
@@ -1761,9 +1953,9 @@
           <a:bodyPr/>
           <a:lstStyle/>
           <a:p>
-            <a:fld id="{4B2E0C4C-416B-4350-ABA6-93D00D9E350E}" type="datetime1">
+            <a:fld id="{E22ED4DA-448D-4BB1-B935-CC112220207B}" type="datetime1">
               <a:rPr lang="en-US" smtClean="0"/>
-              <a:t>10/11/2014</a:t>
+              <a:t>9/28/2015</a:t>
             </a:fld>
             <a:endParaRPr lang="en-US"/>
           </a:p>
@@ -1803,9 +1995,8 @@
           <a:bodyPr/>
           <a:lstStyle/>
           <a:p>
-            <a:fld id="{9F4492BD-6A9C-48FC-AC76-0B4FE11194A1}" type="slidenum">
+            <a:fld id="{2AF3B5EA-18B6-4040-9F78-6052AF49C681}" type="slidenum">
               <a:rPr lang="en-US" smtClean="0"/>
-              <a:pPr/>
               <a:t>‹#›</a:t>
             </a:fld>
             <a:endParaRPr lang="en-US"/>
@@ -1813,6 +2004,11 @@
         </p:txBody>
       </p:sp>
     </p:spTree>
+    <p:extLst>
+      <p:ext uri="{BB962C8B-B14F-4D97-AF65-F5344CB8AC3E}">
+        <p14:creationId xmlns:p14="http://schemas.microsoft.com/office/powerpoint/2010/main" val="3559214076"/>
+      </p:ext>
+    </p:extLst>
   </p:cSld>
   <p:clrMapOvr>
     <a:masterClrMapping/>
@@ -1828,6 +2024,272 @@
 </file>
 
 <file path=ppt/slideLayouts/slideLayout3.xml><?xml version="1.0" encoding="utf-8"?>
+<p:sldLayout xmlns:a="http://schemas.openxmlformats.org/drawingml/2006/main" xmlns:r="http://schemas.openxmlformats.org/officeDocument/2006/relationships" xmlns:p="http://schemas.openxmlformats.org/presentationml/2006/main" type="obj" preserve="1">
+  <p:cSld name="Video">
+    <p:spTree>
+      <p:nvGrpSpPr>
+        <p:cNvPr id="1" name=""/>
+        <p:cNvGrpSpPr/>
+        <p:nvPr/>
+      </p:nvGrpSpPr>
+      <p:grpSpPr>
+        <a:xfrm>
+          <a:off x="0" y="0"/>
+          <a:ext cx="0" cy="0"/>
+          <a:chOff x="0" y="0"/>
+          <a:chExt cx="0" cy="0"/>
+        </a:xfrm>
+      </p:grpSpPr>
+      <p:sp>
+        <p:nvSpPr>
+          <p:cNvPr id="2" name="Title 1"/>
+          <p:cNvSpPr>
+            <a:spLocks noGrp="1"/>
+          </p:cNvSpPr>
+          <p:nvPr>
+            <p:ph type="title"/>
+          </p:nvPr>
+        </p:nvSpPr>
+        <p:spPr/>
+        <p:txBody>
+          <a:bodyPr/>
+          <a:lstStyle/>
+          <a:p>
+            <a:r>
+              <a:rPr lang="en-US" smtClean="0"/>
+              <a:t>Click to edit Master title style</a:t>
+            </a:r>
+            <a:endParaRPr lang="en-US"/>
+          </a:p>
+        </p:txBody>
+      </p:sp>
+      <p:sp>
+        <p:nvSpPr>
+          <p:cNvPr id="3" name="Content Placeholder 2"/>
+          <p:cNvSpPr>
+            <a:spLocks noGrp="1"/>
+          </p:cNvSpPr>
+          <p:nvPr>
+            <p:ph idx="1"/>
+          </p:nvPr>
+        </p:nvSpPr>
+        <p:spPr>
+          <a:xfrm>
+            <a:off x="1523999" y="2590798"/>
+            <a:ext cx="6096000" cy="2544763"/>
+          </a:xfrm>
+        </p:spPr>
+        <p:txBody>
+          <a:bodyPr/>
+          <a:lstStyle/>
+          <a:p>
+            <a:pPr lvl="0"/>
+            <a:r>
+              <a:rPr lang="en-US" dirty="0" smtClean="0"/>
+              <a:t>Click to edit Master text styles</a:t>
+            </a:r>
+          </a:p>
+          <a:p>
+            <a:pPr lvl="1"/>
+            <a:r>
+              <a:rPr lang="en-US" dirty="0" smtClean="0"/>
+              <a:t>Second level</a:t>
+            </a:r>
+          </a:p>
+          <a:p>
+            <a:pPr lvl="2"/>
+            <a:r>
+              <a:rPr lang="en-US" dirty="0" smtClean="0"/>
+              <a:t>Third level</a:t>
+            </a:r>
+          </a:p>
+          <a:p>
+            <a:pPr lvl="3"/>
+            <a:r>
+              <a:rPr lang="en-US" dirty="0" smtClean="0"/>
+              <a:t>Fourth level</a:t>
+            </a:r>
+          </a:p>
+          <a:p>
+            <a:pPr lvl="4"/>
+            <a:r>
+              <a:rPr lang="en-US" dirty="0" smtClean="0"/>
+              <a:t>Fifth level</a:t>
+            </a:r>
+            <a:endParaRPr lang="en-US" dirty="0"/>
+          </a:p>
+        </p:txBody>
+      </p:sp>
+      <p:sp>
+        <p:nvSpPr>
+          <p:cNvPr id="4" name="Date Placeholder 3"/>
+          <p:cNvSpPr>
+            <a:spLocks noGrp="1"/>
+          </p:cNvSpPr>
+          <p:nvPr>
+            <p:ph type="dt" sz="half" idx="10"/>
+          </p:nvPr>
+        </p:nvSpPr>
+        <p:spPr/>
+        <p:txBody>
+          <a:bodyPr/>
+          <a:lstStyle/>
+          <a:p>
+            <a:fld id="{E22ED4DA-448D-4BB1-B935-CC112220207B}" type="datetime1">
+              <a:rPr lang="en-US" smtClean="0"/>
+              <a:t>9/28/2015</a:t>
+            </a:fld>
+            <a:endParaRPr lang="en-US"/>
+          </a:p>
+        </p:txBody>
+      </p:sp>
+      <p:sp>
+        <p:nvSpPr>
+          <p:cNvPr id="5" name="Footer Placeholder 4"/>
+          <p:cNvSpPr>
+            <a:spLocks noGrp="1"/>
+          </p:cNvSpPr>
+          <p:nvPr>
+            <p:ph type="ftr" sz="quarter" idx="11"/>
+          </p:nvPr>
+        </p:nvSpPr>
+        <p:spPr/>
+        <p:txBody>
+          <a:bodyPr/>
+          <a:lstStyle/>
+          <a:p>
+            <a:endParaRPr lang="en-US"/>
+          </a:p>
+        </p:txBody>
+      </p:sp>
+      <p:sp>
+        <p:nvSpPr>
+          <p:cNvPr id="6" name="Slide Number Placeholder 5"/>
+          <p:cNvSpPr>
+            <a:spLocks noGrp="1"/>
+          </p:cNvSpPr>
+          <p:nvPr>
+            <p:ph type="sldNum" sz="quarter" idx="12"/>
+          </p:nvPr>
+        </p:nvSpPr>
+        <p:spPr/>
+        <p:txBody>
+          <a:bodyPr/>
+          <a:lstStyle/>
+          <a:p>
+            <a:fld id="{2AF3B5EA-18B6-4040-9F78-6052AF49C681}" type="slidenum">
+              <a:rPr lang="en-US" smtClean="0"/>
+              <a:t>‹#›</a:t>
+            </a:fld>
+            <a:endParaRPr lang="en-US"/>
+          </a:p>
+        </p:txBody>
+      </p:sp>
+      <p:sp>
+        <p:nvSpPr>
+          <p:cNvPr id="7" name="Rectangle 6"/>
+          <p:cNvSpPr/>
+          <p:nvPr userDrawn="1"/>
+        </p:nvSpPr>
+        <p:spPr>
+          <a:xfrm>
+            <a:off x="794551" y="1719223"/>
+            <a:ext cx="7554897" cy="4287915"/>
+          </a:xfrm>
+          <a:prstGeom prst="rect">
+            <a:avLst/>
+          </a:prstGeom>
+          <a:noFill/>
+          <a:ln w="12700">
+            <a:solidFill>
+              <a:schemeClr val="tx1"/>
+            </a:solidFill>
+          </a:ln>
+        </p:spPr>
+        <p:style>
+          <a:lnRef idx="2">
+            <a:schemeClr val="accent1">
+              <a:shade val="50000"/>
+            </a:schemeClr>
+          </a:lnRef>
+          <a:fillRef idx="1">
+            <a:schemeClr val="accent1"/>
+          </a:fillRef>
+          <a:effectRef idx="0">
+            <a:schemeClr val="accent1"/>
+          </a:effectRef>
+          <a:fontRef idx="minor">
+            <a:schemeClr val="lt1"/>
+          </a:fontRef>
+        </p:style>
+        <p:txBody>
+          <a:bodyPr rtlCol="0" anchor="ctr"/>
+          <a:lstStyle/>
+          <a:p>
+            <a:pPr algn="ctr"/>
+            <a:endParaRPr lang="en-US" dirty="0" smtClean="0">
+              <a:solidFill>
+                <a:schemeClr val="tx1"/>
+              </a:solidFill>
+            </a:endParaRPr>
+          </a:p>
+        </p:txBody>
+      </p:sp>
+      <p:sp>
+        <p:nvSpPr>
+          <p:cNvPr id="8" name="TextBox 7"/>
+          <p:cNvSpPr txBox="1"/>
+          <p:nvPr userDrawn="1"/>
+        </p:nvSpPr>
+        <p:spPr>
+          <a:xfrm>
+            <a:off x="5943600" y="1793674"/>
+            <a:ext cx="2286000" cy="646331"/>
+          </a:xfrm>
+          <a:prstGeom prst="rect">
+            <a:avLst/>
+          </a:prstGeom>
+          <a:noFill/>
+        </p:spPr>
+        <p:txBody>
+          <a:bodyPr wrap="square" rtlCol="0">
+            <a:spAutoFit/>
+          </a:bodyPr>
+          <a:lstStyle/>
+          <a:p>
+            <a:r>
+              <a:rPr lang="en-US" dirty="0" smtClean="0"/>
+              <a:t>Resize video to this</a:t>
+            </a:r>
+            <a:r>
+              <a:rPr lang="en-US" baseline="0" dirty="0" smtClean="0"/>
+              <a:t> box.</a:t>
+            </a:r>
+            <a:endParaRPr lang="en-US" dirty="0"/>
+          </a:p>
+        </p:txBody>
+      </p:sp>
+    </p:spTree>
+    <p:extLst>
+      <p:ext uri="{BB962C8B-B14F-4D97-AF65-F5344CB8AC3E}">
+        <p14:creationId xmlns:p14="http://schemas.microsoft.com/office/powerpoint/2010/main" val="693868464"/>
+      </p:ext>
+    </p:extLst>
+  </p:cSld>
+  <p:clrMapOvr>
+    <a:masterClrMapping/>
+  </p:clrMapOvr>
+  <p:timing>
+    <p:tnLst>
+      <p:par>
+        <p:cTn id="1" dur="indefinite" restart="never" nodeType="tmRoot"/>
+      </p:par>
+    </p:tnLst>
+  </p:timing>
+</p:sldLayout>
+</file>
+
+<file path=ppt/slideLayouts/slideLayout4.xml><?xml version="1.0" encoding="utf-8"?>
 <p:sldLayout xmlns:a="http://schemas.openxmlformats.org/drawingml/2006/main" xmlns:r="http://schemas.openxmlformats.org/officeDocument/2006/relationships" xmlns:p="http://schemas.openxmlformats.org/presentationml/2006/main" type="obj" preserve="1">
   <p:cSld name="Code">
     <p:spTree>
@@ -1942,9 +2404,9 @@
           <a:bodyPr/>
           <a:lstStyle/>
           <a:p>
-            <a:fld id="{B702E988-4E96-4CBC-8968-ABC5D1BB5FD2}" type="datetime1">
+            <a:fld id="{FF5D65A6-AB94-4435-B0B7-3743215FA46C}" type="datetime1">
               <a:rPr lang="en-US" smtClean="0"/>
-              <a:t>10/11/2014</a:t>
+              <a:t>9/28/2015</a:t>
             </a:fld>
             <a:endParaRPr lang="en-US"/>
           </a:p>
@@ -1995,7 +2457,7 @@
     </p:spTree>
     <p:extLst>
       <p:ext uri="{BB962C8B-B14F-4D97-AF65-F5344CB8AC3E}">
-        <p14:creationId xmlns:p14="http://schemas.microsoft.com/office/powerpoint/2010/main" val="2276254333"/>
+        <p14:creationId xmlns:p14="http://schemas.microsoft.com/office/powerpoint/2010/main" val="745996745"/>
       </p:ext>
     </p:extLst>
   </p:cSld>
@@ -2012,7 +2474,241 @@
 </p:sldLayout>
 </file>
 
-<file path=ppt/slideLayouts/slideLayout4.xml><?xml version="1.0" encoding="utf-8"?>
+<file path=ppt/slideLayouts/slideLayout5.xml><?xml version="1.0" encoding="utf-8"?>
+<p:sldLayout xmlns:a="http://schemas.openxmlformats.org/drawingml/2006/main" xmlns:r="http://schemas.openxmlformats.org/officeDocument/2006/relationships" xmlns:p="http://schemas.openxmlformats.org/presentationml/2006/main" type="obj" preserve="1">
+  <p:cSld name="Video Clip">
+    <p:spTree>
+      <p:nvGrpSpPr>
+        <p:cNvPr id="1" name=""/>
+        <p:cNvGrpSpPr/>
+        <p:nvPr/>
+      </p:nvGrpSpPr>
+      <p:grpSpPr>
+        <a:xfrm>
+          <a:off x="0" y="0"/>
+          <a:ext cx="0" cy="0"/>
+          <a:chOff x="0" y="0"/>
+          <a:chExt cx="0" cy="0"/>
+        </a:xfrm>
+      </p:grpSpPr>
+      <p:sp>
+        <p:nvSpPr>
+          <p:cNvPr id="2" name="Title 1"/>
+          <p:cNvSpPr>
+            <a:spLocks noGrp="1"/>
+          </p:cNvSpPr>
+          <p:nvPr>
+            <p:ph type="title"/>
+          </p:nvPr>
+        </p:nvSpPr>
+        <p:spPr/>
+        <p:txBody>
+          <a:bodyPr/>
+          <a:lstStyle/>
+          <a:p>
+            <a:r>
+              <a:rPr lang="en-US" smtClean="0"/>
+              <a:t>Click to edit Master title style</a:t>
+            </a:r>
+            <a:endParaRPr lang="en-US"/>
+          </a:p>
+        </p:txBody>
+      </p:sp>
+      <p:sp>
+        <p:nvSpPr>
+          <p:cNvPr id="3" name="Content Placeholder 2"/>
+          <p:cNvSpPr>
+            <a:spLocks noGrp="1"/>
+          </p:cNvSpPr>
+          <p:nvPr>
+            <p:ph idx="1"/>
+          </p:nvPr>
+        </p:nvSpPr>
+        <p:spPr/>
+        <p:txBody>
+          <a:bodyPr/>
+          <a:lstStyle>
+            <a:lvl1pPr marL="0" indent="0">
+              <a:buNone/>
+              <a:defRPr b="1">
+                <a:latin typeface="Consolas" pitchFamily="49" charset="0"/>
+                <a:cs typeface="Consolas" pitchFamily="49" charset="0"/>
+              </a:defRPr>
+            </a:lvl1pPr>
+          </a:lstStyle>
+          <a:p>
+            <a:pPr lvl="0"/>
+            <a:r>
+              <a:rPr lang="en-US" dirty="0" smtClean="0"/>
+              <a:t>Click to edit Master text styles</a:t>
+            </a:r>
+          </a:p>
+          <a:p>
+            <a:pPr lvl="1"/>
+            <a:r>
+              <a:rPr lang="en-US" dirty="0" smtClean="0"/>
+              <a:t>Second level</a:t>
+            </a:r>
+          </a:p>
+          <a:p>
+            <a:pPr lvl="2"/>
+            <a:r>
+              <a:rPr lang="en-US" dirty="0" smtClean="0"/>
+              <a:t>Third level</a:t>
+            </a:r>
+          </a:p>
+          <a:p>
+            <a:pPr lvl="3"/>
+            <a:r>
+              <a:rPr lang="en-US" dirty="0" smtClean="0"/>
+              <a:t>Fourth level</a:t>
+            </a:r>
+          </a:p>
+          <a:p>
+            <a:pPr lvl="4"/>
+            <a:r>
+              <a:rPr lang="en-US" dirty="0" smtClean="0"/>
+              <a:t>Fifth level</a:t>
+            </a:r>
+            <a:endParaRPr lang="en-US" dirty="0"/>
+          </a:p>
+        </p:txBody>
+      </p:sp>
+      <p:sp>
+        <p:nvSpPr>
+          <p:cNvPr id="4" name="Date Placeholder 3"/>
+          <p:cNvSpPr>
+            <a:spLocks noGrp="1"/>
+          </p:cNvSpPr>
+          <p:nvPr>
+            <p:ph type="dt" sz="half" idx="10"/>
+          </p:nvPr>
+        </p:nvSpPr>
+        <p:spPr/>
+        <p:txBody>
+          <a:bodyPr/>
+          <a:lstStyle/>
+          <a:p>
+            <a:fld id="{FF5D65A6-AB94-4435-B0B7-3743215FA46C}" type="datetime1">
+              <a:rPr lang="en-US" smtClean="0"/>
+              <a:t>9/28/2015</a:t>
+            </a:fld>
+            <a:endParaRPr lang="en-US"/>
+          </a:p>
+        </p:txBody>
+      </p:sp>
+      <p:sp>
+        <p:nvSpPr>
+          <p:cNvPr id="5" name="Footer Placeholder 4"/>
+          <p:cNvSpPr>
+            <a:spLocks noGrp="1"/>
+          </p:cNvSpPr>
+          <p:nvPr>
+            <p:ph type="ftr" sz="quarter" idx="11"/>
+          </p:nvPr>
+        </p:nvSpPr>
+        <p:spPr/>
+        <p:txBody>
+          <a:bodyPr/>
+          <a:lstStyle/>
+          <a:p>
+            <a:endParaRPr lang="en-US"/>
+          </a:p>
+        </p:txBody>
+      </p:sp>
+      <p:sp>
+        <p:nvSpPr>
+          <p:cNvPr id="7" name="Rectangle 6"/>
+          <p:cNvSpPr/>
+          <p:nvPr userDrawn="1"/>
+        </p:nvSpPr>
+        <p:spPr>
+          <a:xfrm>
+            <a:off x="609600" y="1676400"/>
+            <a:ext cx="7924800" cy="4343400"/>
+          </a:xfrm>
+          <a:prstGeom prst="rect">
+            <a:avLst/>
+          </a:prstGeom>
+          <a:noFill/>
+          <a:ln/>
+        </p:spPr>
+        <p:style>
+          <a:lnRef idx="2">
+            <a:schemeClr val="dk1"/>
+          </a:lnRef>
+          <a:fillRef idx="1">
+            <a:schemeClr val="lt1"/>
+          </a:fillRef>
+          <a:effectRef idx="0">
+            <a:schemeClr val="dk1"/>
+          </a:effectRef>
+          <a:fontRef idx="minor">
+            <a:schemeClr val="dk1"/>
+          </a:fontRef>
+        </p:style>
+        <p:txBody>
+          <a:bodyPr rot="0" spcFirstLastPara="0" vertOverflow="overflow" horzOverflow="overflow" vert="horz" wrap="square" lIns="91440" tIns="45720" rIns="91440" bIns="45720" numCol="1" spcCol="0" rtlCol="0" fromWordArt="0" anchor="ctr" anchorCtr="0" forceAA="0" compatLnSpc="1">
+            <a:prstTxWarp prst="textNoShape">
+              <a:avLst/>
+            </a:prstTxWarp>
+            <a:noAutofit/>
+          </a:bodyPr>
+          <a:lstStyle/>
+          <a:p>
+            <a:pPr algn="ctr"/>
+            <a:endParaRPr lang="en-US" dirty="0">
+              <a:solidFill>
+                <a:schemeClr val="tx1"/>
+              </a:solidFill>
+            </a:endParaRPr>
+          </a:p>
+        </p:txBody>
+      </p:sp>
+      <p:sp>
+        <p:nvSpPr>
+          <p:cNvPr id="6" name="Slide Number Placeholder 5"/>
+          <p:cNvSpPr>
+            <a:spLocks noGrp="1"/>
+          </p:cNvSpPr>
+          <p:nvPr>
+            <p:ph type="sldNum" sz="quarter" idx="12"/>
+          </p:nvPr>
+        </p:nvSpPr>
+        <p:spPr/>
+        <p:txBody>
+          <a:bodyPr/>
+          <a:lstStyle/>
+          <a:p>
+            <a:fld id="{2AF3B5EA-18B6-4040-9F78-6052AF49C681}" type="slidenum">
+              <a:rPr lang="en-US" smtClean="0"/>
+              <a:t>‹#›</a:t>
+            </a:fld>
+            <a:endParaRPr lang="en-US"/>
+          </a:p>
+        </p:txBody>
+      </p:sp>
+    </p:spTree>
+    <p:extLst>
+      <p:ext uri="{BB962C8B-B14F-4D97-AF65-F5344CB8AC3E}">
+        <p14:creationId xmlns:p14="http://schemas.microsoft.com/office/powerpoint/2010/main" val="2751185229"/>
+      </p:ext>
+    </p:extLst>
+  </p:cSld>
+  <p:clrMapOvr>
+    <a:masterClrMapping/>
+  </p:clrMapOvr>
+  <p:timing>
+    <p:tnLst>
+      <p:par>
+        <p:cTn id="1" dur="indefinite" restart="never" nodeType="tmRoot"/>
+      </p:par>
+    </p:tnLst>
+  </p:timing>
+</p:sldLayout>
+</file>
+
+<file path=ppt/slideLayouts/slideLayout6.xml><?xml version="1.0" encoding="utf-8"?>
 <p:sldLayout xmlns:a="http://schemas.openxmlformats.org/drawingml/2006/main" xmlns:r="http://schemas.openxmlformats.org/officeDocument/2006/relationships" xmlns:p="http://schemas.openxmlformats.org/presentationml/2006/main" type="secHead" preserve="1">
   <p:cSld name="Section Header">
     <p:spTree>
@@ -2195,9 +2891,9 @@
           <a:bodyPr/>
           <a:lstStyle/>
           <a:p>
-            <a:fld id="{A71D5FBB-D0D3-4EB1-B345-D06B534585FE}" type="datetime1">
+            <a:fld id="{7C193DC4-6EF0-48C9-B29C-616106A645E1}" type="datetime1">
               <a:rPr lang="en-US" smtClean="0"/>
-              <a:t>10/11/2014</a:t>
+              <a:t>9/28/2015</a:t>
             </a:fld>
             <a:endParaRPr lang="en-US"/>
           </a:p>
@@ -2237,9 +2933,8 @@
           <a:bodyPr/>
           <a:lstStyle/>
           <a:p>
-            <a:fld id="{9F4492BD-6A9C-48FC-AC76-0B4FE11194A1}" type="slidenum">
+            <a:fld id="{2AF3B5EA-18B6-4040-9F78-6052AF49C681}" type="slidenum">
               <a:rPr lang="en-US" smtClean="0"/>
-              <a:pPr/>
               <a:t>‹#›</a:t>
             </a:fld>
             <a:endParaRPr lang="en-US"/>
@@ -2247,6 +2942,11 @@
         </p:txBody>
       </p:sp>
     </p:spTree>
+    <p:extLst>
+      <p:ext uri="{BB962C8B-B14F-4D97-AF65-F5344CB8AC3E}">
+        <p14:creationId xmlns:p14="http://schemas.microsoft.com/office/powerpoint/2010/main" val="1030105649"/>
+      </p:ext>
+    </p:extLst>
   </p:cSld>
   <p:clrMapOvr>
     <a:masterClrMapping/>
@@ -2254,7 +2954,7 @@
 </p:sldLayout>
 </file>
 
-<file path=ppt/slideLayouts/slideLayout5.xml><?xml version="1.0" encoding="utf-8"?>
+<file path=ppt/slideLayouts/slideLayout7.xml><?xml version="1.0" encoding="utf-8"?>
 <p:sldLayout xmlns:a="http://schemas.openxmlformats.org/drawingml/2006/main" xmlns:r="http://schemas.openxmlformats.org/officeDocument/2006/relationships" xmlns:p="http://schemas.openxmlformats.org/presentationml/2006/main" type="twoObj" preserve="1">
   <p:cSld name="Two Content">
     <p:spTree>
@@ -2479,9 +3179,9 @@
           <a:bodyPr/>
           <a:lstStyle/>
           <a:p>
-            <a:fld id="{C24DDB6C-9B2A-484D-B525-71AD2956DDBB}" type="datetime1">
+            <a:fld id="{5D1846AD-9252-4647-9435-4C2AC365653A}" type="datetime1">
               <a:rPr lang="en-US" smtClean="0"/>
-              <a:t>10/11/2014</a:t>
+              <a:t>9/28/2015</a:t>
             </a:fld>
             <a:endParaRPr lang="en-US"/>
           </a:p>
@@ -2521,9 +3221,8 @@
           <a:bodyPr/>
           <a:lstStyle/>
           <a:p>
-            <a:fld id="{9F4492BD-6A9C-48FC-AC76-0B4FE11194A1}" type="slidenum">
+            <a:fld id="{2AF3B5EA-18B6-4040-9F78-6052AF49C681}" type="slidenum">
               <a:rPr lang="en-US" smtClean="0"/>
-              <a:pPr/>
               <a:t>‹#›</a:t>
             </a:fld>
             <a:endParaRPr lang="en-US"/>
@@ -2531,6 +3230,11 @@
         </p:txBody>
       </p:sp>
     </p:spTree>
+    <p:extLst>
+      <p:ext uri="{BB962C8B-B14F-4D97-AF65-F5344CB8AC3E}">
+        <p14:creationId xmlns:p14="http://schemas.microsoft.com/office/powerpoint/2010/main" val="2061447344"/>
+      </p:ext>
+    </p:extLst>
   </p:cSld>
   <p:clrMapOvr>
     <a:masterClrMapping/>
@@ -2538,7 +3242,7 @@
 </p:sldLayout>
 </file>
 
-<file path=ppt/slideLayouts/slideLayout6.xml><?xml version="1.0" encoding="utf-8"?>
+<file path=ppt/slideLayouts/slideLayout8.xml><?xml version="1.0" encoding="utf-8"?>
 <p:sldLayout xmlns:a="http://schemas.openxmlformats.org/drawingml/2006/main" xmlns:r="http://schemas.openxmlformats.org/officeDocument/2006/relationships" xmlns:p="http://schemas.openxmlformats.org/presentationml/2006/main" type="twoTxTwoObj" preserve="1">
   <p:cSld name="Comparison">
     <p:spTree>
@@ -2897,9 +3601,9 @@
           <a:bodyPr/>
           <a:lstStyle/>
           <a:p>
-            <a:fld id="{B48F4AA3-3B58-4E39-A310-7E170ADB5B95}" type="datetime1">
+            <a:fld id="{CE56DC10-3561-4063-A6AF-C1CC7A41040A}" type="datetime1">
               <a:rPr lang="en-US" smtClean="0"/>
-              <a:t>10/11/2014</a:t>
+              <a:t>9/28/2015</a:t>
             </a:fld>
             <a:endParaRPr lang="en-US"/>
           </a:p>
@@ -2939,9 +3643,8 @@
           <a:bodyPr/>
           <a:lstStyle/>
           <a:p>
-            <a:fld id="{9F4492BD-6A9C-48FC-AC76-0B4FE11194A1}" type="slidenum">
+            <a:fld id="{2AF3B5EA-18B6-4040-9F78-6052AF49C681}" type="slidenum">
               <a:rPr lang="en-US" smtClean="0"/>
-              <a:pPr/>
               <a:t>‹#›</a:t>
             </a:fld>
             <a:endParaRPr lang="en-US"/>
@@ -2949,6 +3652,11 @@
         </p:txBody>
       </p:sp>
     </p:spTree>
+    <p:extLst>
+      <p:ext uri="{BB962C8B-B14F-4D97-AF65-F5344CB8AC3E}">
+        <p14:creationId xmlns:p14="http://schemas.microsoft.com/office/powerpoint/2010/main" val="1231953031"/>
+      </p:ext>
+    </p:extLst>
   </p:cSld>
   <p:clrMapOvr>
     <a:masterClrMapping/>
@@ -2956,7 +3664,7 @@
 </p:sldLayout>
 </file>
 
-<file path=ppt/slideLayouts/slideLayout7.xml><?xml version="1.0" encoding="utf-8"?>
+<file path=ppt/slideLayouts/slideLayout9.xml><?xml version="1.0" encoding="utf-8"?>
 <p:sldLayout xmlns:a="http://schemas.openxmlformats.org/drawingml/2006/main" xmlns:r="http://schemas.openxmlformats.org/officeDocument/2006/relationships" xmlns:p="http://schemas.openxmlformats.org/presentationml/2006/main" type="titleOnly" preserve="1">
   <p:cSld name="Title Only">
     <p:spTree>
@@ -3011,9 +3719,9 @@
           <a:bodyPr/>
           <a:lstStyle/>
           <a:p>
-            <a:fld id="{08A13D1A-F02F-44F8-BE97-EDEEAF84C34D}" type="datetime1">
+            <a:fld id="{2F7B77F5-1464-4F6B-92A8-64FC8A508293}" type="datetime1">
               <a:rPr lang="en-US" smtClean="0"/>
-              <a:t>10/11/2014</a:t>
+              <a:t>9/28/2015</a:t>
             </a:fld>
             <a:endParaRPr lang="en-US"/>
           </a:p>
@@ -3053,9 +3761,8 @@
           <a:bodyPr/>
           <a:lstStyle/>
           <a:p>
-            <a:fld id="{9F4492BD-6A9C-48FC-AC76-0B4FE11194A1}" type="slidenum">
+            <a:fld id="{2AF3B5EA-18B6-4040-9F78-6052AF49C681}" type="slidenum">
               <a:rPr lang="en-US" smtClean="0"/>
-              <a:pPr/>
               <a:t>‹#›</a:t>
             </a:fld>
             <a:endParaRPr lang="en-US"/>
@@ -3063,379 +3770,27 @@
         </p:txBody>
       </p:sp>
     </p:spTree>
+    <p:extLst>
+      <p:ext uri="{BB962C8B-B14F-4D97-AF65-F5344CB8AC3E}">
+        <p14:creationId xmlns:p14="http://schemas.microsoft.com/office/powerpoint/2010/main" val="2286005369"/>
+      </p:ext>
+    </p:extLst>
   </p:cSld>
   <p:clrMapOvr>
     <a:masterClrMapping/>
   </p:clrMapOvr>
-</p:sldLayout>
-</file>
-
-<file path=ppt/slideLayouts/slideLayout8.xml><?xml version="1.0" encoding="utf-8"?>
-<p:sldLayout xmlns:a="http://schemas.openxmlformats.org/drawingml/2006/main" xmlns:r="http://schemas.openxmlformats.org/officeDocument/2006/relationships" xmlns:p="http://schemas.openxmlformats.org/presentationml/2006/main" type="blank" preserve="1">
-  <p:cSld name="Blank">
-    <p:spTree>
-      <p:nvGrpSpPr>
-        <p:cNvPr id="1" name=""/>
-        <p:cNvGrpSpPr/>
-        <p:nvPr/>
-      </p:nvGrpSpPr>
-      <p:grpSpPr>
-        <a:xfrm>
-          <a:off x="0" y="0"/>
-          <a:ext cx="0" cy="0"/>
-          <a:chOff x="0" y="0"/>
-          <a:chExt cx="0" cy="0"/>
-        </a:xfrm>
-      </p:grpSpPr>
-      <p:sp>
-        <p:nvSpPr>
-          <p:cNvPr id="2" name="Date Placeholder 1"/>
-          <p:cNvSpPr>
-            <a:spLocks noGrp="1"/>
-          </p:cNvSpPr>
-          <p:nvPr>
-            <p:ph type="dt" sz="half" idx="10"/>
-          </p:nvPr>
-        </p:nvSpPr>
-        <p:spPr/>
-        <p:txBody>
-          <a:bodyPr/>
-          <a:lstStyle/>
-          <a:p>
-            <a:fld id="{B9E07C27-8144-407A-A689-D81C6288F18F}" type="datetime1">
-              <a:rPr lang="en-US" smtClean="0"/>
-              <a:t>10/11/2014</a:t>
-            </a:fld>
-            <a:endParaRPr lang="en-US"/>
-          </a:p>
-        </p:txBody>
-      </p:sp>
-      <p:sp>
-        <p:nvSpPr>
-          <p:cNvPr id="3" name="Footer Placeholder 2"/>
-          <p:cNvSpPr>
-            <a:spLocks noGrp="1"/>
-          </p:cNvSpPr>
-          <p:nvPr>
-            <p:ph type="ftr" sz="quarter" idx="11"/>
-          </p:nvPr>
-        </p:nvSpPr>
-        <p:spPr/>
-        <p:txBody>
-          <a:bodyPr/>
-          <a:lstStyle/>
-          <a:p>
-            <a:endParaRPr lang="en-US"/>
-          </a:p>
-        </p:txBody>
-      </p:sp>
-      <p:sp>
-        <p:nvSpPr>
-          <p:cNvPr id="4" name="Slide Number Placeholder 3"/>
-          <p:cNvSpPr>
-            <a:spLocks noGrp="1"/>
-          </p:cNvSpPr>
-          <p:nvPr>
-            <p:ph type="sldNum" sz="quarter" idx="12"/>
-          </p:nvPr>
-        </p:nvSpPr>
-        <p:spPr/>
-        <p:txBody>
-          <a:bodyPr/>
-          <a:lstStyle/>
-          <a:p>
-            <a:fld id="{9F4492BD-6A9C-48FC-AC76-0B4FE11194A1}" type="slidenum">
-              <a:rPr lang="en-US" smtClean="0"/>
-              <a:pPr/>
-              <a:t>‹#›</a:t>
-            </a:fld>
-            <a:endParaRPr lang="en-US"/>
-          </a:p>
-        </p:txBody>
-      </p:sp>
-    </p:spTree>
-  </p:cSld>
-  <p:clrMapOvr>
-    <a:masterClrMapping/>
-  </p:clrMapOvr>
-</p:sldLayout>
-</file>
-
-<file path=ppt/slideLayouts/slideLayout9.xml><?xml version="1.0" encoding="utf-8"?>
-<p:sldLayout xmlns:a="http://schemas.openxmlformats.org/drawingml/2006/main" xmlns:r="http://schemas.openxmlformats.org/officeDocument/2006/relationships" xmlns:p="http://schemas.openxmlformats.org/presentationml/2006/main" type="objTx" preserve="1">
-  <p:cSld name="Content with Caption">
-    <p:spTree>
-      <p:nvGrpSpPr>
-        <p:cNvPr id="1" name=""/>
-        <p:cNvGrpSpPr/>
-        <p:nvPr/>
-      </p:nvGrpSpPr>
-      <p:grpSpPr>
-        <a:xfrm>
-          <a:off x="0" y="0"/>
-          <a:ext cx="0" cy="0"/>
-          <a:chOff x="0" y="0"/>
-          <a:chExt cx="0" cy="0"/>
-        </a:xfrm>
-      </p:grpSpPr>
-      <p:sp>
-        <p:nvSpPr>
-          <p:cNvPr id="2" name="Title 1"/>
-          <p:cNvSpPr>
-            <a:spLocks noGrp="1"/>
-          </p:cNvSpPr>
-          <p:nvPr>
-            <p:ph type="title"/>
-          </p:nvPr>
-        </p:nvSpPr>
-        <p:spPr>
-          <a:xfrm>
-            <a:off x="457200" y="273050"/>
-            <a:ext cx="3008313" cy="1162050"/>
-          </a:xfrm>
-        </p:spPr>
-        <p:txBody>
-          <a:bodyPr anchor="b"/>
-          <a:lstStyle>
-            <a:lvl1pPr algn="l">
-              <a:defRPr sz="2000" b="1"/>
-            </a:lvl1pPr>
-          </a:lstStyle>
-          <a:p>
-            <a:r>
-              <a:rPr lang="en-US" smtClean="0"/>
-              <a:t>Click to edit Master title style</a:t>
-            </a:r>
-            <a:endParaRPr lang="en-US"/>
-          </a:p>
-        </p:txBody>
-      </p:sp>
-      <p:sp>
-        <p:nvSpPr>
-          <p:cNvPr id="3" name="Content Placeholder 2"/>
-          <p:cNvSpPr>
-            <a:spLocks noGrp="1"/>
-          </p:cNvSpPr>
-          <p:nvPr>
-            <p:ph idx="1"/>
-          </p:nvPr>
-        </p:nvSpPr>
-        <p:spPr>
-          <a:xfrm>
-            <a:off x="3575050" y="273050"/>
-            <a:ext cx="5111750" cy="5853113"/>
-          </a:xfrm>
-        </p:spPr>
-        <p:txBody>
-          <a:bodyPr/>
-          <a:lstStyle>
-            <a:lvl1pPr>
-              <a:defRPr sz="3200"/>
-            </a:lvl1pPr>
-            <a:lvl2pPr>
-              <a:defRPr sz="2800"/>
-            </a:lvl2pPr>
-            <a:lvl3pPr>
-              <a:defRPr sz="2400"/>
-            </a:lvl3pPr>
-            <a:lvl4pPr>
-              <a:defRPr sz="2000"/>
-            </a:lvl4pPr>
-            <a:lvl5pPr>
-              <a:defRPr sz="2000"/>
-            </a:lvl5pPr>
-            <a:lvl6pPr>
-              <a:defRPr sz="2000"/>
-            </a:lvl6pPr>
-            <a:lvl7pPr>
-              <a:defRPr sz="2000"/>
-            </a:lvl7pPr>
-            <a:lvl8pPr>
-              <a:defRPr sz="2000"/>
-            </a:lvl8pPr>
-            <a:lvl9pPr>
-              <a:defRPr sz="2000"/>
-            </a:lvl9pPr>
-          </a:lstStyle>
-          <a:p>
-            <a:pPr lvl="0"/>
-            <a:r>
-              <a:rPr lang="en-US" smtClean="0"/>
-              <a:t>Click to edit Master text styles</a:t>
-            </a:r>
-          </a:p>
-          <a:p>
-            <a:pPr lvl="1"/>
-            <a:r>
-              <a:rPr lang="en-US" smtClean="0"/>
-              <a:t>Second level</a:t>
-            </a:r>
-          </a:p>
-          <a:p>
-            <a:pPr lvl="2"/>
-            <a:r>
-              <a:rPr lang="en-US" smtClean="0"/>
-              <a:t>Third level</a:t>
-            </a:r>
-          </a:p>
-          <a:p>
-            <a:pPr lvl="3"/>
-            <a:r>
-              <a:rPr lang="en-US" smtClean="0"/>
-              <a:t>Fourth level</a:t>
-            </a:r>
-          </a:p>
-          <a:p>
-            <a:pPr lvl="4"/>
-            <a:r>
-              <a:rPr lang="en-US" smtClean="0"/>
-              <a:t>Fifth level</a:t>
-            </a:r>
-            <a:endParaRPr lang="en-US"/>
-          </a:p>
-        </p:txBody>
-      </p:sp>
-      <p:sp>
-        <p:nvSpPr>
-          <p:cNvPr id="4" name="Text Placeholder 3"/>
-          <p:cNvSpPr>
-            <a:spLocks noGrp="1"/>
-          </p:cNvSpPr>
-          <p:nvPr>
-            <p:ph type="body" sz="half" idx="2"/>
-          </p:nvPr>
-        </p:nvSpPr>
-        <p:spPr>
-          <a:xfrm>
-            <a:off x="457200" y="1435100"/>
-            <a:ext cx="3008313" cy="4691063"/>
-          </a:xfrm>
-        </p:spPr>
-        <p:txBody>
-          <a:bodyPr/>
-          <a:lstStyle>
-            <a:lvl1pPr marL="0" indent="0">
-              <a:buNone/>
-              <a:defRPr sz="1400"/>
-            </a:lvl1pPr>
-            <a:lvl2pPr marL="457200" indent="0">
-              <a:buNone/>
-              <a:defRPr sz="1200"/>
-            </a:lvl2pPr>
-            <a:lvl3pPr marL="914400" indent="0">
-              <a:buNone/>
-              <a:defRPr sz="1000"/>
-            </a:lvl3pPr>
-            <a:lvl4pPr marL="1371600" indent="0">
-              <a:buNone/>
-              <a:defRPr sz="900"/>
-            </a:lvl4pPr>
-            <a:lvl5pPr marL="1828800" indent="0">
-              <a:buNone/>
-              <a:defRPr sz="900"/>
-            </a:lvl5pPr>
-            <a:lvl6pPr marL="2286000" indent="0">
-              <a:buNone/>
-              <a:defRPr sz="900"/>
-            </a:lvl6pPr>
-            <a:lvl7pPr marL="2743200" indent="0">
-              <a:buNone/>
-              <a:defRPr sz="900"/>
-            </a:lvl7pPr>
-            <a:lvl8pPr marL="3200400" indent="0">
-              <a:buNone/>
-              <a:defRPr sz="900"/>
-            </a:lvl8pPr>
-            <a:lvl9pPr marL="3657600" indent="0">
-              <a:buNone/>
-              <a:defRPr sz="900"/>
-            </a:lvl9pPr>
-          </a:lstStyle>
-          <a:p>
-            <a:pPr lvl="0"/>
-            <a:r>
-              <a:rPr lang="en-US" smtClean="0"/>
-              <a:t>Click to edit Master text styles</a:t>
-            </a:r>
-          </a:p>
-        </p:txBody>
-      </p:sp>
-      <p:sp>
-        <p:nvSpPr>
-          <p:cNvPr id="5" name="Date Placeholder 4"/>
-          <p:cNvSpPr>
-            <a:spLocks noGrp="1"/>
-          </p:cNvSpPr>
-          <p:nvPr>
-            <p:ph type="dt" sz="half" idx="10"/>
-          </p:nvPr>
-        </p:nvSpPr>
-        <p:spPr/>
-        <p:txBody>
-          <a:bodyPr/>
-          <a:lstStyle/>
-          <a:p>
-            <a:fld id="{F63DEC57-D5E0-44DA-84B7-23EFA7827104}" type="datetime1">
-              <a:rPr lang="en-US" smtClean="0"/>
-              <a:t>10/11/2014</a:t>
-            </a:fld>
-            <a:endParaRPr lang="en-US"/>
-          </a:p>
-        </p:txBody>
-      </p:sp>
-      <p:sp>
-        <p:nvSpPr>
-          <p:cNvPr id="6" name="Footer Placeholder 5"/>
-          <p:cNvSpPr>
-            <a:spLocks noGrp="1"/>
-          </p:cNvSpPr>
-          <p:nvPr>
-            <p:ph type="ftr" sz="quarter" idx="11"/>
-          </p:nvPr>
-        </p:nvSpPr>
-        <p:spPr/>
-        <p:txBody>
-          <a:bodyPr/>
-          <a:lstStyle/>
-          <a:p>
-            <a:endParaRPr lang="en-US"/>
-          </a:p>
-        </p:txBody>
-      </p:sp>
-      <p:sp>
-        <p:nvSpPr>
-          <p:cNvPr id="7" name="Slide Number Placeholder 6"/>
-          <p:cNvSpPr>
-            <a:spLocks noGrp="1"/>
-          </p:cNvSpPr>
-          <p:nvPr>
-            <p:ph type="sldNum" sz="quarter" idx="12"/>
-          </p:nvPr>
-        </p:nvSpPr>
-        <p:spPr/>
-        <p:txBody>
-          <a:bodyPr/>
-          <a:lstStyle/>
-          <a:p>
-            <a:fld id="{9F4492BD-6A9C-48FC-AC76-0B4FE11194A1}" type="slidenum">
-              <a:rPr lang="en-US" smtClean="0"/>
-              <a:pPr/>
-              <a:t>‹#›</a:t>
-            </a:fld>
-            <a:endParaRPr lang="en-US"/>
-          </a:p>
-        </p:txBody>
-      </p:sp>
-    </p:spTree>
-  </p:cSld>
-  <p:clrMapOvr>
-    <a:masterClrMapping/>
-  </p:clrMapOvr>
+  <p:timing>
+    <p:tnLst>
+      <p:par>
+        <p:cTn id="1" dur="indefinite" restart="never" nodeType="tmRoot"/>
+      </p:par>
+    </p:tnLst>
+  </p:timing>
 </p:sldLayout>
 </file>
 
 <file path=ppt/slideMasters/slideMaster1.xml><?xml version="1.0" encoding="utf-8"?>
-<p:sldMaster xmlns:a="http://schemas.openxmlformats.org/drawingml/2006/main" xmlns:r="http://schemas.openxmlformats.org/officeDocument/2006/relationships" xmlns:p="http://schemas.openxmlformats.org/presentationml/2006/main">
+<p:sldMaster xmlns:a="http://schemas.openxmlformats.org/drawingml/2006/main" xmlns:r="http://schemas.openxmlformats.org/officeDocument/2006/relationships" xmlns:p="http://schemas.openxmlformats.org/presentationml/2006/main" preserve="1">
   <p:cSld>
     <p:bg>
       <p:bgRef idx="1001">
@@ -3475,6 +3830,18 @@
             <a:avLst/>
           </a:prstGeom>
         </p:spPr>
+        <p:style>
+          <a:lnRef idx="2">
+            <a:schemeClr val="accent1"/>
+          </a:lnRef>
+          <a:fillRef idx="1">
+            <a:schemeClr val="lt1"/>
+          </a:fillRef>
+          <a:effectRef idx="0">
+            <a:schemeClr val="accent1"/>
+          </a:effectRef>
+          <a:fontRef idx="none"/>
+        </p:style>
         <p:txBody>
           <a:bodyPr vert="horz" lIns="91440" tIns="45720" rIns="91440" bIns="45720" rtlCol="0" anchor="ctr">
             <a:normAutofit/>
@@ -3584,9 +3951,9 @@
             </a:lvl1pPr>
           </a:lstStyle>
           <a:p>
-            <a:fld id="{D005CEB0-A793-4E1B-9602-2874DDE8C734}" type="datetime1">
+            <a:fld id="{02B3F677-983B-48DB-ADFD-63FE6CBC7FB2}" type="datetime1">
               <a:rPr lang="en-US" smtClean="0"/>
-              <a:t>10/11/2014</a:t>
+              <a:t>9/28/2015</a:t>
             </a:fld>
             <a:endParaRPr lang="en-US"/>
           </a:p>
@@ -3662,570 +4029,37 @@
             </a:lvl1pPr>
           </a:lstStyle>
           <a:p>
-            <a:fld id="{9F4492BD-6A9C-48FC-AC76-0B4FE11194A1}" type="slidenum">
+            <a:fld id="{2AF3B5EA-18B6-4040-9F78-6052AF49C681}" type="slidenum">
               <a:rPr lang="en-US" smtClean="0"/>
-              <a:pPr/>
               <a:t>‹#›</a:t>
             </a:fld>
             <a:endParaRPr lang="en-US"/>
-          </a:p>
-        </p:txBody>
-      </p:sp>
-    </p:spTree>
-  </p:cSld>
-  <p:clrMap bg1="lt1" tx1="dk1" bg2="lt2" tx2="dk2" accent1="accent1" accent2="accent2" accent3="accent3" accent4="accent4" accent5="accent5" accent6="accent6" hlink="hlink" folHlink="folHlink"/>
-  <p:sldLayoutIdLst>
-    <p:sldLayoutId id="2147483649" r:id="rId1"/>
-    <p:sldLayoutId id="2147483650" r:id="rId2"/>
-    <p:sldLayoutId id="2147483665" r:id="rId3"/>
-    <p:sldLayoutId id="2147483651" r:id="rId4"/>
-    <p:sldLayoutId id="2147483652" r:id="rId5"/>
-    <p:sldLayoutId id="2147483653" r:id="rId6"/>
-    <p:sldLayoutId id="2147483654" r:id="rId7"/>
-    <p:sldLayoutId id="2147483655" r:id="rId8"/>
-    <p:sldLayoutId id="2147483656" r:id="rId9"/>
-    <p:sldLayoutId id="2147483657" r:id="rId10"/>
-    <p:sldLayoutId id="2147483658" r:id="rId11"/>
-    <p:sldLayoutId id="2147483659" r:id="rId12"/>
-  </p:sldLayoutIdLst>
-  <p:timing>
-    <p:tnLst>
-      <p:par>
-        <p:cTn id="1" dur="indefinite" restart="never" nodeType="tmRoot"/>
-      </p:par>
-    </p:tnLst>
-  </p:timing>
-  <p:hf hdr="0" ftr="0" dt="0"/>
-  <p:txStyles>
-    <p:titleStyle>
-      <a:lvl1pPr algn="ctr" defTabSz="914400" rtl="0" eaLnBrk="1" latinLnBrk="0" hangingPunct="1">
-        <a:spcBef>
-          <a:spcPct val="0"/>
-        </a:spcBef>
-        <a:buNone/>
-        <a:defRPr sz="4400" kern="1200">
-          <a:solidFill>
-            <a:schemeClr val="tx1"/>
-          </a:solidFill>
-          <a:latin typeface="+mj-lt"/>
-          <a:ea typeface="+mj-ea"/>
-          <a:cs typeface="+mj-cs"/>
-        </a:defRPr>
-      </a:lvl1pPr>
-    </p:titleStyle>
-    <p:bodyStyle>
-      <a:lvl1pPr marL="342900" indent="-342900" algn="l" defTabSz="914400" rtl="0" eaLnBrk="1" latinLnBrk="0" hangingPunct="1">
-        <a:spcBef>
-          <a:spcPct val="20000"/>
-        </a:spcBef>
-        <a:buFont typeface="Arial" pitchFamily="34" charset="0"/>
-        <a:buChar char="•"/>
-        <a:defRPr sz="3200" kern="1200">
-          <a:solidFill>
-            <a:schemeClr val="tx1"/>
-          </a:solidFill>
-          <a:latin typeface="+mn-lt"/>
-          <a:ea typeface="+mn-ea"/>
-          <a:cs typeface="+mn-cs"/>
-        </a:defRPr>
-      </a:lvl1pPr>
-      <a:lvl2pPr marL="742950" indent="-285750" algn="l" defTabSz="914400" rtl="0" eaLnBrk="1" latinLnBrk="0" hangingPunct="1">
-        <a:spcBef>
-          <a:spcPct val="20000"/>
-        </a:spcBef>
-        <a:buFont typeface="Arial" pitchFamily="34" charset="0"/>
-        <a:buChar char="–"/>
-        <a:defRPr sz="2800" kern="1200">
-          <a:solidFill>
-            <a:schemeClr val="tx1"/>
-          </a:solidFill>
-          <a:latin typeface="+mn-lt"/>
-          <a:ea typeface="+mn-ea"/>
-          <a:cs typeface="+mn-cs"/>
-        </a:defRPr>
-      </a:lvl2pPr>
-      <a:lvl3pPr marL="1143000" indent="-228600" algn="l" defTabSz="914400" rtl="0" eaLnBrk="1" latinLnBrk="0" hangingPunct="1">
-        <a:spcBef>
-          <a:spcPct val="20000"/>
-        </a:spcBef>
-        <a:buFont typeface="Arial" pitchFamily="34" charset="0"/>
-        <a:buChar char="•"/>
-        <a:defRPr sz="2400" kern="1200">
-          <a:solidFill>
-            <a:schemeClr val="tx1"/>
-          </a:solidFill>
-          <a:latin typeface="+mn-lt"/>
-          <a:ea typeface="+mn-ea"/>
-          <a:cs typeface="+mn-cs"/>
-        </a:defRPr>
-      </a:lvl3pPr>
-      <a:lvl4pPr marL="1600200" indent="-228600" algn="l" defTabSz="914400" rtl="0" eaLnBrk="1" latinLnBrk="0" hangingPunct="1">
-        <a:spcBef>
-          <a:spcPct val="20000"/>
-        </a:spcBef>
-        <a:buFont typeface="Arial" pitchFamily="34" charset="0"/>
-        <a:buChar char="–"/>
-        <a:defRPr sz="2000" kern="1200">
-          <a:solidFill>
-            <a:schemeClr val="tx1"/>
-          </a:solidFill>
-          <a:latin typeface="+mn-lt"/>
-          <a:ea typeface="+mn-ea"/>
-          <a:cs typeface="+mn-cs"/>
-        </a:defRPr>
-      </a:lvl4pPr>
-      <a:lvl5pPr marL="2057400" indent="-228600" algn="l" defTabSz="914400" rtl="0" eaLnBrk="1" latinLnBrk="0" hangingPunct="1">
-        <a:spcBef>
-          <a:spcPct val="20000"/>
-        </a:spcBef>
-        <a:buFont typeface="Arial" pitchFamily="34" charset="0"/>
-        <a:buChar char="»"/>
-        <a:defRPr sz="2000" kern="1200">
-          <a:solidFill>
-            <a:schemeClr val="tx1"/>
-          </a:solidFill>
-          <a:latin typeface="+mn-lt"/>
-          <a:ea typeface="+mn-ea"/>
-          <a:cs typeface="+mn-cs"/>
-        </a:defRPr>
-      </a:lvl5pPr>
-      <a:lvl6pPr marL="2514600" indent="-228600" algn="l" defTabSz="914400" rtl="0" eaLnBrk="1" latinLnBrk="0" hangingPunct="1">
-        <a:spcBef>
-          <a:spcPct val="20000"/>
-        </a:spcBef>
-        <a:buFont typeface="Arial" pitchFamily="34" charset="0"/>
-        <a:buChar char="•"/>
-        <a:defRPr sz="2000" kern="1200">
-          <a:solidFill>
-            <a:schemeClr val="tx1"/>
-          </a:solidFill>
-          <a:latin typeface="+mn-lt"/>
-          <a:ea typeface="+mn-ea"/>
-          <a:cs typeface="+mn-cs"/>
-        </a:defRPr>
-      </a:lvl6pPr>
-      <a:lvl7pPr marL="2971800" indent="-228600" algn="l" defTabSz="914400" rtl="0" eaLnBrk="1" latinLnBrk="0" hangingPunct="1">
-        <a:spcBef>
-          <a:spcPct val="20000"/>
-        </a:spcBef>
-        <a:buFont typeface="Arial" pitchFamily="34" charset="0"/>
-        <a:buChar char="•"/>
-        <a:defRPr sz="2000" kern="1200">
-          <a:solidFill>
-            <a:schemeClr val="tx1"/>
-          </a:solidFill>
-          <a:latin typeface="+mn-lt"/>
-          <a:ea typeface="+mn-ea"/>
-          <a:cs typeface="+mn-cs"/>
-        </a:defRPr>
-      </a:lvl7pPr>
-      <a:lvl8pPr marL="3429000" indent="-228600" algn="l" defTabSz="914400" rtl="0" eaLnBrk="1" latinLnBrk="0" hangingPunct="1">
-        <a:spcBef>
-          <a:spcPct val="20000"/>
-        </a:spcBef>
-        <a:buFont typeface="Arial" pitchFamily="34" charset="0"/>
-        <a:buChar char="•"/>
-        <a:defRPr sz="2000" kern="1200">
-          <a:solidFill>
-            <a:schemeClr val="tx1"/>
-          </a:solidFill>
-          <a:latin typeface="+mn-lt"/>
-          <a:ea typeface="+mn-ea"/>
-          <a:cs typeface="+mn-cs"/>
-        </a:defRPr>
-      </a:lvl8pPr>
-      <a:lvl9pPr marL="3886200" indent="-228600" algn="l" defTabSz="914400" rtl="0" eaLnBrk="1" latinLnBrk="0" hangingPunct="1">
-        <a:spcBef>
-          <a:spcPct val="20000"/>
-        </a:spcBef>
-        <a:buFont typeface="Arial" pitchFamily="34" charset="0"/>
-        <a:buChar char="•"/>
-        <a:defRPr sz="2000" kern="1200">
-          <a:solidFill>
-            <a:schemeClr val="tx1"/>
-          </a:solidFill>
-          <a:latin typeface="+mn-lt"/>
-          <a:ea typeface="+mn-ea"/>
-          <a:cs typeface="+mn-cs"/>
-        </a:defRPr>
-      </a:lvl9pPr>
-    </p:bodyStyle>
-    <p:otherStyle>
-      <a:defPPr>
-        <a:defRPr lang="en-US"/>
-      </a:defPPr>
-      <a:lvl1pPr marL="0" algn="l" defTabSz="914400" rtl="0" eaLnBrk="1" latinLnBrk="0" hangingPunct="1">
-        <a:defRPr sz="1800" kern="1200">
-          <a:solidFill>
-            <a:schemeClr val="tx1"/>
-          </a:solidFill>
-          <a:latin typeface="+mn-lt"/>
-          <a:ea typeface="+mn-ea"/>
-          <a:cs typeface="+mn-cs"/>
-        </a:defRPr>
-      </a:lvl1pPr>
-      <a:lvl2pPr marL="457200" algn="l" defTabSz="914400" rtl="0" eaLnBrk="1" latinLnBrk="0" hangingPunct="1">
-        <a:defRPr sz="1800" kern="1200">
-          <a:solidFill>
-            <a:schemeClr val="tx1"/>
-          </a:solidFill>
-          <a:latin typeface="+mn-lt"/>
-          <a:ea typeface="+mn-ea"/>
-          <a:cs typeface="+mn-cs"/>
-        </a:defRPr>
-      </a:lvl2pPr>
-      <a:lvl3pPr marL="914400" algn="l" defTabSz="914400" rtl="0" eaLnBrk="1" latinLnBrk="0" hangingPunct="1">
-        <a:defRPr sz="1800" kern="1200">
-          <a:solidFill>
-            <a:schemeClr val="tx1"/>
-          </a:solidFill>
-          <a:latin typeface="+mn-lt"/>
-          <a:ea typeface="+mn-ea"/>
-          <a:cs typeface="+mn-cs"/>
-        </a:defRPr>
-      </a:lvl3pPr>
-      <a:lvl4pPr marL="1371600" algn="l" defTabSz="914400" rtl="0" eaLnBrk="1" latinLnBrk="0" hangingPunct="1">
-        <a:defRPr sz="1800" kern="1200">
-          <a:solidFill>
-            <a:schemeClr val="tx1"/>
-          </a:solidFill>
-          <a:latin typeface="+mn-lt"/>
-          <a:ea typeface="+mn-ea"/>
-          <a:cs typeface="+mn-cs"/>
-        </a:defRPr>
-      </a:lvl4pPr>
-      <a:lvl5pPr marL="1828800" algn="l" defTabSz="914400" rtl="0" eaLnBrk="1" latinLnBrk="0" hangingPunct="1">
-        <a:defRPr sz="1800" kern="1200">
-          <a:solidFill>
-            <a:schemeClr val="tx1"/>
-          </a:solidFill>
-          <a:latin typeface="+mn-lt"/>
-          <a:ea typeface="+mn-ea"/>
-          <a:cs typeface="+mn-cs"/>
-        </a:defRPr>
-      </a:lvl5pPr>
-      <a:lvl6pPr marL="2286000" algn="l" defTabSz="914400" rtl="0" eaLnBrk="1" latinLnBrk="0" hangingPunct="1">
-        <a:defRPr sz="1800" kern="1200">
-          <a:solidFill>
-            <a:schemeClr val="tx1"/>
-          </a:solidFill>
-          <a:latin typeface="+mn-lt"/>
-          <a:ea typeface="+mn-ea"/>
-          <a:cs typeface="+mn-cs"/>
-        </a:defRPr>
-      </a:lvl6pPr>
-      <a:lvl7pPr marL="2743200" algn="l" defTabSz="914400" rtl="0" eaLnBrk="1" latinLnBrk="0" hangingPunct="1">
-        <a:defRPr sz="1800" kern="1200">
-          <a:solidFill>
-            <a:schemeClr val="tx1"/>
-          </a:solidFill>
-          <a:latin typeface="+mn-lt"/>
-          <a:ea typeface="+mn-ea"/>
-          <a:cs typeface="+mn-cs"/>
-        </a:defRPr>
-      </a:lvl7pPr>
-      <a:lvl8pPr marL="3200400" algn="l" defTabSz="914400" rtl="0" eaLnBrk="1" latinLnBrk="0" hangingPunct="1">
-        <a:defRPr sz="1800" kern="1200">
-          <a:solidFill>
-            <a:schemeClr val="tx1"/>
-          </a:solidFill>
-          <a:latin typeface="+mn-lt"/>
-          <a:ea typeface="+mn-ea"/>
-          <a:cs typeface="+mn-cs"/>
-        </a:defRPr>
-      </a:lvl8pPr>
-      <a:lvl9pPr marL="3657600" algn="l" defTabSz="914400" rtl="0" eaLnBrk="1" latinLnBrk="0" hangingPunct="1">
-        <a:defRPr sz="1800" kern="1200">
-          <a:solidFill>
-            <a:schemeClr val="tx1"/>
-          </a:solidFill>
-          <a:latin typeface="+mn-lt"/>
-          <a:ea typeface="+mn-ea"/>
-          <a:cs typeface="+mn-cs"/>
-        </a:defRPr>
-      </a:lvl9pPr>
-    </p:otherStyle>
-  </p:txStyles>
-</p:sldMaster>
-</file>
-
-<file path=ppt/slideMasters/slideMaster2.xml><?xml version="1.0" encoding="utf-8"?>
-<p:sldMaster xmlns:a="http://schemas.openxmlformats.org/drawingml/2006/main" xmlns:r="http://schemas.openxmlformats.org/officeDocument/2006/relationships" xmlns:p="http://schemas.openxmlformats.org/presentationml/2006/main">
-  <p:cSld>
-    <p:bg>
-      <p:bgRef idx="1001">
-        <a:schemeClr val="bg1"/>
-      </p:bgRef>
-    </p:bg>
-    <p:spTree>
-      <p:nvGrpSpPr>
-        <p:cNvPr id="1" name=""/>
-        <p:cNvGrpSpPr/>
-        <p:nvPr/>
-      </p:nvGrpSpPr>
-      <p:grpSpPr>
-        <a:xfrm>
-          <a:off x="0" y="0"/>
-          <a:ext cx="0" cy="0"/>
-          <a:chOff x="0" y="0"/>
-          <a:chExt cx="0" cy="0"/>
-        </a:xfrm>
-      </p:grpSpPr>
-      <p:sp>
-        <p:nvSpPr>
-          <p:cNvPr id="2" name="Title Placeholder 1"/>
-          <p:cNvSpPr>
-            <a:spLocks noGrp="1"/>
-          </p:cNvSpPr>
-          <p:nvPr>
-            <p:ph type="title"/>
-          </p:nvPr>
-        </p:nvSpPr>
-        <p:spPr>
-          <a:xfrm>
-            <a:off x="457200" y="274638"/>
-            <a:ext cx="8229600" cy="1143000"/>
-          </a:xfrm>
-          <a:prstGeom prst="rect">
-            <a:avLst/>
-          </a:prstGeom>
-        </p:spPr>
-        <p:txBody>
-          <a:bodyPr vert="horz" lIns="91440" tIns="45720" rIns="91440" bIns="45720" rtlCol="0" anchor="ctr">
-            <a:normAutofit/>
-          </a:bodyPr>
-          <a:lstStyle/>
-          <a:p>
-            <a:r>
-              <a:rPr lang="en-US" smtClean="0"/>
-              <a:t>Click to edit Master title style</a:t>
-            </a:r>
-            <a:endParaRPr lang="en-US"/>
-          </a:p>
-        </p:txBody>
-      </p:sp>
-      <p:sp>
-        <p:nvSpPr>
-          <p:cNvPr id="3" name="Text Placeholder 2"/>
-          <p:cNvSpPr>
-            <a:spLocks noGrp="1"/>
-          </p:cNvSpPr>
-          <p:nvPr>
-            <p:ph type="body" idx="1"/>
-          </p:nvPr>
-        </p:nvSpPr>
-        <p:spPr>
-          <a:xfrm>
-            <a:off x="457200" y="1600200"/>
-            <a:ext cx="8229600" cy="4525963"/>
-          </a:xfrm>
-          <a:prstGeom prst="rect">
-            <a:avLst/>
-          </a:prstGeom>
-        </p:spPr>
-        <p:txBody>
-          <a:bodyPr vert="horz" lIns="91440" tIns="45720" rIns="91440" bIns="45720" rtlCol="0">
-            <a:normAutofit/>
-          </a:bodyPr>
-          <a:lstStyle/>
-          <a:p>
-            <a:pPr lvl="0"/>
-            <a:r>
-              <a:rPr lang="en-US" smtClean="0"/>
-              <a:t>Click to edit Master text styles</a:t>
-            </a:r>
-          </a:p>
-          <a:p>
-            <a:pPr lvl="1"/>
-            <a:r>
-              <a:rPr lang="en-US" smtClean="0"/>
-              <a:t>Second level</a:t>
-            </a:r>
-          </a:p>
-          <a:p>
-            <a:pPr lvl="2"/>
-            <a:r>
-              <a:rPr lang="en-US" smtClean="0"/>
-              <a:t>Third level</a:t>
-            </a:r>
-          </a:p>
-          <a:p>
-            <a:pPr lvl="3"/>
-            <a:r>
-              <a:rPr lang="en-US" smtClean="0"/>
-              <a:t>Fourth level</a:t>
-            </a:r>
-          </a:p>
-          <a:p>
-            <a:pPr lvl="4"/>
-            <a:r>
-              <a:rPr lang="en-US" smtClean="0"/>
-              <a:t>Fifth level</a:t>
-            </a:r>
-            <a:endParaRPr lang="en-US"/>
-          </a:p>
-        </p:txBody>
-      </p:sp>
-      <p:sp>
-        <p:nvSpPr>
-          <p:cNvPr id="4" name="Date Placeholder 3"/>
-          <p:cNvSpPr>
-            <a:spLocks noGrp="1"/>
-          </p:cNvSpPr>
-          <p:nvPr>
-            <p:ph type="dt" sz="half" idx="2"/>
-          </p:nvPr>
-        </p:nvSpPr>
-        <p:spPr>
-          <a:xfrm>
-            <a:off x="457200" y="6356350"/>
-            <a:ext cx="2133600" cy="365125"/>
-          </a:xfrm>
-          <a:prstGeom prst="rect">
-            <a:avLst/>
-          </a:prstGeom>
-        </p:spPr>
-        <p:txBody>
-          <a:bodyPr vert="horz" lIns="91440" tIns="45720" rIns="91440" bIns="45720" rtlCol="0" anchor="ctr"/>
-          <a:lstStyle>
-            <a:lvl1pPr algn="l">
-              <a:defRPr sz="1200">
-                <a:solidFill>
-                  <a:schemeClr val="tx1">
-                    <a:tint val="75000"/>
-                  </a:schemeClr>
-                </a:solidFill>
-              </a:defRPr>
-            </a:lvl1pPr>
-          </a:lstStyle>
-          <a:p>
-            <a:fld id="{190D7A4F-7AF9-4D52-AEF2-57702223607A}" type="datetime1">
-              <a:rPr lang="en-US" smtClean="0">
-                <a:solidFill>
-                  <a:prstClr val="black">
-                    <a:tint val="75000"/>
-                  </a:prstClr>
-                </a:solidFill>
-              </a:rPr>
-              <a:t>10/11/2014</a:t>
-            </a:fld>
-            <a:endParaRPr lang="en-US">
-              <a:solidFill>
-                <a:prstClr val="black">
-                  <a:tint val="75000"/>
-                </a:prstClr>
-              </a:solidFill>
-            </a:endParaRPr>
-          </a:p>
-        </p:txBody>
-      </p:sp>
-      <p:sp>
-        <p:nvSpPr>
-          <p:cNvPr id="5" name="Footer Placeholder 4"/>
-          <p:cNvSpPr>
-            <a:spLocks noGrp="1"/>
-          </p:cNvSpPr>
-          <p:nvPr>
-            <p:ph type="ftr" sz="quarter" idx="3"/>
-          </p:nvPr>
-        </p:nvSpPr>
-        <p:spPr>
-          <a:xfrm>
-            <a:off x="3124200" y="6356350"/>
-            <a:ext cx="2895600" cy="365125"/>
-          </a:xfrm>
-          <a:prstGeom prst="rect">
-            <a:avLst/>
-          </a:prstGeom>
-        </p:spPr>
-        <p:txBody>
-          <a:bodyPr vert="horz" lIns="91440" tIns="45720" rIns="91440" bIns="45720" rtlCol="0" anchor="ctr"/>
-          <a:lstStyle>
-            <a:lvl1pPr algn="ctr">
-              <a:defRPr sz="1200">
-                <a:solidFill>
-                  <a:schemeClr val="tx1">
-                    <a:tint val="75000"/>
-                  </a:schemeClr>
-                </a:solidFill>
-              </a:defRPr>
-            </a:lvl1pPr>
-          </a:lstStyle>
-          <a:p>
-            <a:endParaRPr lang="en-US">
-              <a:solidFill>
-                <a:prstClr val="black">
-                  <a:tint val="75000"/>
-                </a:prstClr>
-              </a:solidFill>
-            </a:endParaRPr>
-          </a:p>
-        </p:txBody>
-      </p:sp>
-      <p:sp>
-        <p:nvSpPr>
-          <p:cNvPr id="6" name="Slide Number Placeholder 5"/>
-          <p:cNvSpPr>
-            <a:spLocks noGrp="1"/>
-          </p:cNvSpPr>
-          <p:nvPr>
-            <p:ph type="sldNum" sz="quarter" idx="4"/>
-          </p:nvPr>
-        </p:nvSpPr>
-        <p:spPr>
-          <a:xfrm>
-            <a:off x="6553200" y="6356350"/>
-            <a:ext cx="2133600" cy="365125"/>
-          </a:xfrm>
-          <a:prstGeom prst="rect">
-            <a:avLst/>
-          </a:prstGeom>
-        </p:spPr>
-        <p:txBody>
-          <a:bodyPr vert="horz" lIns="91440" tIns="45720" rIns="91440" bIns="45720" rtlCol="0" anchor="ctr"/>
-          <a:lstStyle>
-            <a:lvl1pPr algn="r">
-              <a:defRPr sz="1200">
-                <a:solidFill>
-                  <a:schemeClr val="tx1">
-                    <a:tint val="75000"/>
-                  </a:schemeClr>
-                </a:solidFill>
-              </a:defRPr>
-            </a:lvl1pPr>
-          </a:lstStyle>
-          <a:p>
-            <a:fld id="{9F4492BD-6A9C-48FC-AC76-0B4FE11194A1}" type="slidenum">
-              <a:rPr lang="en-US" smtClean="0">
-                <a:solidFill>
-                  <a:prstClr val="black">
-                    <a:tint val="75000"/>
-                  </a:prstClr>
-                </a:solidFill>
-              </a:rPr>
-              <a:pPr/>
-              <a:t>‹#›</a:t>
-            </a:fld>
-            <a:endParaRPr lang="en-US">
-              <a:solidFill>
-                <a:prstClr val="black">
-                  <a:tint val="75000"/>
-                </a:prstClr>
-              </a:solidFill>
-            </a:endParaRPr>
           </a:p>
         </p:txBody>
       </p:sp>
     </p:spTree>
     <p:extLst>
       <p:ext uri="{BB962C8B-B14F-4D97-AF65-F5344CB8AC3E}">
-        <p14:creationId xmlns:p14="http://schemas.microsoft.com/office/powerpoint/2010/main" val="4236636501"/>
+        <p14:creationId xmlns:p14="http://schemas.microsoft.com/office/powerpoint/2010/main" val="2111270995"/>
       </p:ext>
     </p:extLst>
   </p:cSld>
   <p:clrMap bg1="lt1" tx1="dk1" bg2="lt2" tx2="dk2" accent1="accent1" accent2="accent2" accent3="accent3" accent4="accent4" accent5="accent5" accent6="accent6" hlink="hlink" folHlink="folHlink"/>
   <p:sldLayoutIdLst>
-    <p:sldLayoutId id="2147483661" r:id="rId1"/>
+    <p:sldLayoutId id="2147483667" r:id="rId1"/>
+    <p:sldLayoutId id="2147483668" r:id="rId2"/>
+    <p:sldLayoutId id="2147483669" r:id="rId3"/>
+    <p:sldLayoutId id="2147483670" r:id="rId4"/>
+    <p:sldLayoutId id="2147483671" r:id="rId5"/>
+    <p:sldLayoutId id="2147483672" r:id="rId6"/>
+    <p:sldLayoutId id="2147483673" r:id="rId7"/>
+    <p:sldLayoutId id="2147483674" r:id="rId8"/>
+    <p:sldLayoutId id="2147483675" r:id="rId9"/>
+    <p:sldLayoutId id="2147483676" r:id="rId10"/>
+    <p:sldLayoutId id="2147483677" r:id="rId11"/>
+    <p:sldLayoutId id="2147483678" r:id="rId12"/>
+    <p:sldLayoutId id="2147483679" r:id="rId13"/>
+    <p:sldLayoutId id="2147483680" r:id="rId14"/>
   </p:sldLayoutIdLst>
   <p:timing>
     <p:tnLst>
@@ -4574,6 +4408,30 @@
       </p:sp>
       <p:sp>
         <p:nvSpPr>
+          <p:cNvPr id="11" name="Slide Number Placeholder 10"/>
+          <p:cNvSpPr>
+            <a:spLocks noGrp="1"/>
+          </p:cNvSpPr>
+          <p:nvPr>
+            <p:ph type="sldNum" sz="quarter" idx="12"/>
+          </p:nvPr>
+        </p:nvSpPr>
+        <p:spPr/>
+        <p:txBody>
+          <a:bodyPr/>
+          <a:lstStyle/>
+          <a:p>
+            <a:fld id="{9F4492BD-6A9C-48FC-AC76-0B4FE11194A1}" type="slidenum">
+              <a:rPr lang="en-US" smtClean="0"/>
+              <a:pPr/>
+              <a:t>1</a:t>
+            </a:fld>
+            <a:endParaRPr lang="en-US"/>
+          </a:p>
+        </p:txBody>
+      </p:sp>
+      <p:sp>
+        <p:nvSpPr>
           <p:cNvPr id="4" name="TextBox 3"/>
           <p:cNvSpPr txBox="1"/>
           <p:nvPr>
@@ -4759,30 +4617,6 @@
           </p:txBody>
         </p:sp>
       </p:grpSp>
-      <p:sp>
-        <p:nvSpPr>
-          <p:cNvPr id="11" name="Slide Number Placeholder 10"/>
-          <p:cNvSpPr>
-            <a:spLocks noGrp="1"/>
-          </p:cNvSpPr>
-          <p:nvPr>
-            <p:ph type="sldNum" sz="quarter" idx="12"/>
-          </p:nvPr>
-        </p:nvSpPr>
-        <p:spPr/>
-        <p:txBody>
-          <a:bodyPr/>
-          <a:lstStyle/>
-          <a:p>
-            <a:fld id="{9F4492BD-6A9C-48FC-AC76-0B4FE11194A1}" type="slidenum">
-              <a:rPr lang="en-US" smtClean="0"/>
-              <a:pPr/>
-              <a:t>1</a:t>
-            </a:fld>
-            <a:endParaRPr lang="en-US"/>
-          </a:p>
-        </p:txBody>
-      </p:sp>
     </p:spTree>
   </p:cSld>
   <p:clrMapOvr>
@@ -4835,6 +4669,29 @@
               <a:t>What if the list is non-empty?</a:t>
             </a:r>
             <a:endParaRPr lang="en-US" dirty="0"/>
+          </a:p>
+        </p:txBody>
+      </p:sp>
+      <p:sp>
+        <p:nvSpPr>
+          <p:cNvPr id="2" name="Slide Number Placeholder 1"/>
+          <p:cNvSpPr>
+            <a:spLocks noGrp="1"/>
+          </p:cNvSpPr>
+          <p:nvPr>
+            <p:ph type="sldNum" sz="quarter" idx="12"/>
+          </p:nvPr>
+        </p:nvSpPr>
+        <p:spPr/>
+        <p:txBody>
+          <a:bodyPr/>
+          <a:lstStyle/>
+          <a:p>
+            <a:fld id="{2AF3B5EA-18B6-4040-9F78-6052AF49C681}" type="slidenum">
+              <a:rPr lang="en-US" smtClean="0"/>
+              <a:t>10</a:t>
+            </a:fld>
+            <a:endParaRPr lang="en-US"/>
           </a:p>
         </p:txBody>
       </p:sp>
@@ -7236,29 +7093,6 @@
           </a:p>
         </p:txBody>
       </p:sp>
-      <p:sp>
-        <p:nvSpPr>
-          <p:cNvPr id="2" name="Slide Number Placeholder 1"/>
-          <p:cNvSpPr>
-            <a:spLocks noGrp="1"/>
-          </p:cNvSpPr>
-          <p:nvPr>
-            <p:ph type="sldNum" sz="quarter" idx="12"/>
-          </p:nvPr>
-        </p:nvSpPr>
-        <p:spPr/>
-        <p:txBody>
-          <a:bodyPr/>
-          <a:lstStyle/>
-          <a:p>
-            <a:fld id="{2AF3B5EA-18B6-4040-9F78-6052AF49C681}" type="slidenum">
-              <a:rPr lang="en-US" smtClean="0"/>
-              <a:t>10</a:t>
-            </a:fld>
-            <a:endParaRPr lang="en-US"/>
-          </a:p>
-        </p:txBody>
-      </p:sp>
     </p:spTree>
     <p:extLst>
       <p:ext uri="{BB962C8B-B14F-4D97-AF65-F5344CB8AC3E}">
@@ -7686,12 +7520,7 @@
             <p:ph idx="1"/>
           </p:nvPr>
         </p:nvSpPr>
-        <p:spPr>
-          <a:xfrm>
-            <a:off x="457200" y="1600200"/>
-            <a:ext cx="8229600" cy="4525963"/>
-          </a:xfrm>
-        </p:spPr>
+        <p:spPr/>
         <p:txBody>
           <a:bodyPr/>
           <a:lstStyle/>
@@ -7970,6 +7799,30 @@
           </a:p>
           <a:p>
             <a:endParaRPr lang="en-US" dirty="0"/>
+          </a:p>
+        </p:txBody>
+      </p:sp>
+      <p:sp>
+        <p:nvSpPr>
+          <p:cNvPr id="4" name="Slide Number Placeholder 3"/>
+          <p:cNvSpPr>
+            <a:spLocks noGrp="1"/>
+          </p:cNvSpPr>
+          <p:nvPr>
+            <p:ph type="sldNum" sz="quarter" idx="12"/>
+          </p:nvPr>
+        </p:nvSpPr>
+        <p:spPr/>
+        <p:txBody>
+          <a:bodyPr/>
+          <a:lstStyle/>
+          <a:p>
+            <a:fld id="{9F4492BD-6A9C-48FC-AC76-0B4FE11194A1}" type="slidenum">
+              <a:rPr lang="en-US" smtClean="0"/>
+              <a:pPr/>
+              <a:t>14</a:t>
+            </a:fld>
+            <a:endParaRPr lang="en-US"/>
           </a:p>
         </p:txBody>
       </p:sp>
@@ -9285,43 +9138,26 @@
                 <a:latin typeface="Consolas" panose="020B0609020204030204" pitchFamily="49" charset="0"/>
                 <a:cs typeface="Consolas" panose="020B0609020204030204" pitchFamily="49" charset="0"/>
               </a:rPr>
-              <a:t>ListOf</a:t>
+              <a:t>ListOfX</a:t>
             </a:r>
             <a:r>
               <a:rPr lang="en-US" sz="3200" b="1" dirty="0" smtClean="0">
                 <a:latin typeface="Consolas" panose="020B0609020204030204" pitchFamily="49" charset="0"/>
                 <a:cs typeface="Consolas" panose="020B0609020204030204" pitchFamily="49" charset="0"/>
               </a:rPr>
-              <a:t>&lt;X&gt; -&gt; Y</a:t>
+              <a:t> </a:t>
+            </a:r>
+            <a:r>
+              <a:rPr lang="en-US" sz="3200" b="1" dirty="0" smtClean="0">
+                <a:latin typeface="Consolas" panose="020B0609020204030204" pitchFamily="49" charset="0"/>
+                <a:cs typeface="Consolas" panose="020B0609020204030204" pitchFamily="49" charset="0"/>
+              </a:rPr>
+              <a:t>-&gt; Y</a:t>
             </a:r>
             <a:endParaRPr lang="en-US" sz="3200" b="1" dirty="0">
               <a:latin typeface="Consolas" panose="020B0609020204030204" pitchFamily="49" charset="0"/>
               <a:cs typeface="Consolas" panose="020B0609020204030204" pitchFamily="49" charset="0"/>
             </a:endParaRPr>
-          </a:p>
-        </p:txBody>
-      </p:sp>
-      <p:sp>
-        <p:nvSpPr>
-          <p:cNvPr id="4" name="Slide Number Placeholder 3"/>
-          <p:cNvSpPr>
-            <a:spLocks noGrp="1"/>
-          </p:cNvSpPr>
-          <p:nvPr>
-            <p:ph type="sldNum" sz="quarter" idx="12"/>
-          </p:nvPr>
-        </p:nvSpPr>
-        <p:spPr/>
-        <p:txBody>
-          <a:bodyPr/>
-          <a:lstStyle/>
-          <a:p>
-            <a:fld id="{9F4492BD-6A9C-48FC-AC76-0B4FE11194A1}" type="slidenum">
-              <a:rPr lang="en-US" smtClean="0"/>
-              <a:pPr/>
-              <a:t>14</a:t>
-            </a:fld>
-            <a:endParaRPr lang="en-US"/>
           </a:p>
         </p:txBody>
       </p:sp>
@@ -9723,6 +9559,42 @@
             <a:endParaRPr lang="en-US" b="1" dirty="0">
               <a:latin typeface="Consolas" pitchFamily="49" charset="0"/>
               <a:cs typeface="Consolas" pitchFamily="49" charset="0"/>
+            </a:endParaRPr>
+          </a:p>
+        </p:txBody>
+      </p:sp>
+      <p:sp>
+        <p:nvSpPr>
+          <p:cNvPr id="4" name="Slide Number Placeholder 3"/>
+          <p:cNvSpPr>
+            <a:spLocks noGrp="1"/>
+          </p:cNvSpPr>
+          <p:nvPr>
+            <p:ph type="sldNum" sz="quarter" idx="12"/>
+          </p:nvPr>
+        </p:nvSpPr>
+        <p:spPr/>
+        <p:txBody>
+          <a:bodyPr/>
+          <a:lstStyle/>
+          <a:p>
+            <a:fld id="{9F4492BD-6A9C-48FC-AC76-0B4FE11194A1}" type="slidenum">
+              <a:rPr lang="en-US" smtClean="0">
+                <a:solidFill>
+                  <a:prstClr val="black">
+                    <a:tint val="75000"/>
+                  </a:prstClr>
+                </a:solidFill>
+              </a:rPr>
+              <a:pPr/>
+              <a:t>16</a:t>
+            </a:fld>
+            <a:endParaRPr lang="en-US">
+              <a:solidFill>
+                <a:prstClr val="black">
+                  <a:tint val="75000"/>
+                </a:prstClr>
+              </a:solidFill>
             </a:endParaRPr>
           </a:p>
         </p:txBody>
@@ -9877,42 +9749,6 @@
           </p:txBody>
         </p:sp>
       </p:grpSp>
-      <p:sp>
-        <p:nvSpPr>
-          <p:cNvPr id="4" name="Slide Number Placeholder 3"/>
-          <p:cNvSpPr>
-            <a:spLocks noGrp="1"/>
-          </p:cNvSpPr>
-          <p:nvPr>
-            <p:ph type="sldNum" sz="quarter" idx="12"/>
-          </p:nvPr>
-        </p:nvSpPr>
-        <p:spPr/>
-        <p:txBody>
-          <a:bodyPr/>
-          <a:lstStyle/>
-          <a:p>
-            <a:fld id="{9F4492BD-6A9C-48FC-AC76-0B4FE11194A1}" type="slidenum">
-              <a:rPr lang="en-US" smtClean="0">
-                <a:solidFill>
-                  <a:prstClr val="black">
-                    <a:tint val="75000"/>
-                  </a:prstClr>
-                </a:solidFill>
-              </a:rPr>
-              <a:pPr/>
-              <a:t>16</a:t>
-            </a:fld>
-            <a:endParaRPr lang="en-US">
-              <a:solidFill>
-                <a:prstClr val="black">
-                  <a:tint val="75000"/>
-                </a:prstClr>
-              </a:solidFill>
-            </a:endParaRPr>
-          </a:p>
-        </p:txBody>
-      </p:sp>
     </p:spTree>
     <p:extLst>
       <p:ext uri="{BB962C8B-B14F-4D97-AF65-F5344CB8AC3E}">
@@ -10124,6 +9960,29 @@
       </p:sp>
       <p:sp>
         <p:nvSpPr>
+          <p:cNvPr id="3" name="Slide Number Placeholder 2"/>
+          <p:cNvSpPr>
+            <a:spLocks noGrp="1"/>
+          </p:cNvSpPr>
+          <p:nvPr>
+            <p:ph type="sldNum" sz="quarter" idx="12"/>
+          </p:nvPr>
+        </p:nvSpPr>
+        <p:spPr/>
+        <p:txBody>
+          <a:bodyPr/>
+          <a:lstStyle/>
+          <a:p>
+            <a:fld id="{2AF3B5EA-18B6-4040-9F78-6052AF49C681}" type="slidenum">
+              <a:rPr lang="en-US" smtClean="0"/>
+              <a:t>17</a:t>
+            </a:fld>
+            <a:endParaRPr lang="en-US"/>
+          </a:p>
+        </p:txBody>
+      </p:sp>
+      <p:sp>
+        <p:nvSpPr>
           <p:cNvPr id="5" name="Rectangle 4"/>
           <p:cNvSpPr/>
           <p:nvPr/>
@@ -10196,29 +10055,6 @@
               <a:t>You don't have to use this purpose statement; you can use the one from the book if it is easier for you.</a:t>
             </a:r>
             <a:endParaRPr lang="en-US" dirty="0"/>
-          </a:p>
-        </p:txBody>
-      </p:sp>
-      <p:sp>
-        <p:nvSpPr>
-          <p:cNvPr id="3" name="Slide Number Placeholder 2"/>
-          <p:cNvSpPr>
-            <a:spLocks noGrp="1"/>
-          </p:cNvSpPr>
-          <p:nvPr>
-            <p:ph type="sldNum" sz="quarter" idx="12"/>
-          </p:nvPr>
-        </p:nvSpPr>
-        <p:spPr/>
-        <p:txBody>
-          <a:bodyPr/>
-          <a:lstStyle/>
-          <a:p>
-            <a:fld id="{2AF3B5EA-18B6-4040-9F78-6052AF49C681}" type="slidenum">
-              <a:rPr lang="en-US" smtClean="0"/>
-              <a:t>17</a:t>
-            </a:fld>
-            <a:endParaRPr lang="en-US"/>
           </a:p>
         </p:txBody>
       </p:sp>
@@ -10385,6 +10221,29 @@
       </p:sp>
       <p:sp>
         <p:nvSpPr>
+          <p:cNvPr id="3" name="Slide Number Placeholder 2"/>
+          <p:cNvSpPr>
+            <a:spLocks noGrp="1"/>
+          </p:cNvSpPr>
+          <p:nvPr>
+            <p:ph type="sldNum" sz="quarter" idx="12"/>
+          </p:nvPr>
+        </p:nvSpPr>
+        <p:spPr/>
+        <p:txBody>
+          <a:bodyPr/>
+          <a:lstStyle/>
+          <a:p>
+            <a:fld id="{2AF3B5EA-18B6-4040-9F78-6052AF49C681}" type="slidenum">
+              <a:rPr lang="en-US" smtClean="0"/>
+              <a:t>18</a:t>
+            </a:fld>
+            <a:endParaRPr lang="en-US"/>
+          </a:p>
+        </p:txBody>
+      </p:sp>
+      <p:sp>
+        <p:nvSpPr>
           <p:cNvPr id="5" name="Rectangle 4"/>
           <p:cNvSpPr/>
           <p:nvPr/>
@@ -10437,29 +10296,6 @@
               </a:rPr>
               <a:t>This was guided practice 7.1</a:t>
             </a:r>
-          </a:p>
-        </p:txBody>
-      </p:sp>
-      <p:sp>
-        <p:nvSpPr>
-          <p:cNvPr id="3" name="Slide Number Placeholder 2"/>
-          <p:cNvSpPr>
-            <a:spLocks noGrp="1"/>
-          </p:cNvSpPr>
-          <p:nvPr>
-            <p:ph type="sldNum" sz="quarter" idx="12"/>
-          </p:nvPr>
-        </p:nvSpPr>
-        <p:spPr/>
-        <p:txBody>
-          <a:bodyPr/>
-          <a:lstStyle/>
-          <a:p>
-            <a:fld id="{2AF3B5EA-18B6-4040-9F78-6052AF49C681}" type="slidenum">
-              <a:rPr lang="en-US" smtClean="0"/>
-              <a:t>18</a:t>
-            </a:fld>
-            <a:endParaRPr lang="en-US"/>
           </a:p>
         </p:txBody>
       </p:sp>
@@ -10959,8 +10795,17 @@
           <a:p>
             <a:r>
               <a:rPr lang="en-US" dirty="0" smtClean="0"/>
-              <a:t>Implement using accumulators</a:t>
-            </a:r>
+              <a:t>Implement </a:t>
+            </a:r>
+            <a:r>
+              <a:rPr lang="en-US" dirty="0" err="1" smtClean="0"/>
+              <a:t>foldl</a:t>
+            </a:r>
+            <a:r>
+              <a:rPr lang="en-US" dirty="0" smtClean="0"/>
+              <a:t> using a context variable</a:t>
+            </a:r>
+            <a:endParaRPr lang="en-US" dirty="0" smtClean="0"/>
           </a:p>
           <a:p>
             <a:r>
@@ -11396,6 +11241,29 @@
       </p:sp>
       <p:sp>
         <p:nvSpPr>
+          <p:cNvPr id="6" name="Slide Number Placeholder 5"/>
+          <p:cNvSpPr>
+            <a:spLocks noGrp="1"/>
+          </p:cNvSpPr>
+          <p:nvPr>
+            <p:ph type="sldNum" sz="quarter" idx="12"/>
+          </p:nvPr>
+        </p:nvSpPr>
+        <p:spPr/>
+        <p:txBody>
+          <a:bodyPr/>
+          <a:lstStyle/>
+          <a:p>
+            <a:fld id="{2AF3B5EA-18B6-4040-9F78-6052AF49C681}" type="slidenum">
+              <a:rPr lang="en-US" smtClean="0"/>
+              <a:t>20</a:t>
+            </a:fld>
+            <a:endParaRPr lang="en-US"/>
+          </a:p>
+        </p:txBody>
+      </p:sp>
+      <p:sp>
+        <p:nvSpPr>
           <p:cNvPr id="4" name="Rectangle 3"/>
           <p:cNvSpPr/>
           <p:nvPr/>
@@ -11554,29 +11422,6 @@
           </a:fontRef>
         </p:style>
       </p:cxnSp>
-      <p:sp>
-        <p:nvSpPr>
-          <p:cNvPr id="6" name="Slide Number Placeholder 5"/>
-          <p:cNvSpPr>
-            <a:spLocks noGrp="1"/>
-          </p:cNvSpPr>
-          <p:nvPr>
-            <p:ph type="sldNum" sz="quarter" idx="12"/>
-          </p:nvPr>
-        </p:nvSpPr>
-        <p:spPr/>
-        <p:txBody>
-          <a:bodyPr/>
-          <a:lstStyle/>
-          <a:p>
-            <a:fld id="{2AF3B5EA-18B6-4040-9F78-6052AF49C681}" type="slidenum">
-              <a:rPr lang="en-US" smtClean="0"/>
-              <a:t>20</a:t>
-            </a:fld>
-            <a:endParaRPr lang="en-US"/>
-          </a:p>
-        </p:txBody>
-      </p:sp>
     </p:spTree>
     <p:extLst>
       <p:ext uri="{BB962C8B-B14F-4D97-AF65-F5344CB8AC3E}">
@@ -11798,6 +11643,29 @@
       </p:sp>
       <p:sp>
         <p:nvSpPr>
+          <p:cNvPr id="5" name="Slide Number Placeholder 4"/>
+          <p:cNvSpPr>
+            <a:spLocks noGrp="1"/>
+          </p:cNvSpPr>
+          <p:nvPr>
+            <p:ph type="sldNum" sz="quarter" idx="12"/>
+          </p:nvPr>
+        </p:nvSpPr>
+        <p:spPr/>
+        <p:txBody>
+          <a:bodyPr/>
+          <a:lstStyle/>
+          <a:p>
+            <a:fld id="{2AF3B5EA-18B6-4040-9F78-6052AF49C681}" type="slidenum">
+              <a:rPr lang="en-US" smtClean="0"/>
+              <a:t>21</a:t>
+            </a:fld>
+            <a:endParaRPr lang="en-US"/>
+          </a:p>
+        </p:txBody>
+      </p:sp>
+      <p:sp>
+        <p:nvSpPr>
           <p:cNvPr id="4" name="Rectangle 3"/>
           <p:cNvSpPr/>
           <p:nvPr/>
@@ -11897,29 +11765,6 @@
           </a:fontRef>
         </p:style>
       </p:cxnSp>
-      <p:sp>
-        <p:nvSpPr>
-          <p:cNvPr id="5" name="Slide Number Placeholder 4"/>
-          <p:cNvSpPr>
-            <a:spLocks noGrp="1"/>
-          </p:cNvSpPr>
-          <p:nvPr>
-            <p:ph type="sldNum" sz="quarter" idx="12"/>
-          </p:nvPr>
-        </p:nvSpPr>
-        <p:spPr/>
-        <p:txBody>
-          <a:bodyPr/>
-          <a:lstStyle/>
-          <a:p>
-            <a:fld id="{2AF3B5EA-18B6-4040-9F78-6052AF49C681}" type="slidenum">
-              <a:rPr lang="en-US" smtClean="0"/>
-              <a:t>21</a:t>
-            </a:fld>
-            <a:endParaRPr lang="en-US"/>
-          </a:p>
-        </p:txBody>
-      </p:sp>
     </p:spTree>
     <p:extLst>
       <p:ext uri="{BB962C8B-B14F-4D97-AF65-F5344CB8AC3E}">
@@ -12112,14 +11957,7 @@
                 <a:latin typeface="Consolas" pitchFamily="49" charset="0"/>
                 <a:cs typeface="Consolas" pitchFamily="49" charset="0"/>
               </a:rPr>
-              <a:t>-&gt; </a:t>
-            </a:r>
-            <a:r>
-              <a:rPr lang="en-US" sz="2800" b="1" dirty="0" smtClean="0">
-                <a:latin typeface="Consolas" pitchFamily="49" charset="0"/>
-                <a:cs typeface="Consolas" pitchFamily="49" charset="0"/>
-              </a:rPr>
-              <a:t>State</a:t>
+              <a:t>-&gt; State</a:t>
             </a:r>
           </a:p>
           <a:p>
@@ -12656,6 +12494,42 @@
       </p:sp>
       <p:sp>
         <p:nvSpPr>
+          <p:cNvPr id="4" name="Slide Number Placeholder 3"/>
+          <p:cNvSpPr>
+            <a:spLocks noGrp="1"/>
+          </p:cNvSpPr>
+          <p:nvPr>
+            <p:ph type="sldNum" sz="quarter" idx="12"/>
+          </p:nvPr>
+        </p:nvSpPr>
+        <p:spPr/>
+        <p:txBody>
+          <a:bodyPr/>
+          <a:lstStyle/>
+          <a:p>
+            <a:fld id="{9F4492BD-6A9C-48FC-AC76-0B4FE11194A1}" type="slidenum">
+              <a:rPr lang="en-US" smtClean="0">
+                <a:solidFill>
+                  <a:prstClr val="black">
+                    <a:tint val="75000"/>
+                  </a:prstClr>
+                </a:solidFill>
+              </a:rPr>
+              <a:pPr/>
+              <a:t>24</a:t>
+            </a:fld>
+            <a:endParaRPr lang="en-US">
+              <a:solidFill>
+                <a:prstClr val="black">
+                  <a:tint val="75000"/>
+                </a:prstClr>
+              </a:solidFill>
+            </a:endParaRPr>
+          </a:p>
+        </p:txBody>
+      </p:sp>
+      <p:sp>
+        <p:nvSpPr>
           <p:cNvPr id="7" name="Rectangle 6"/>
           <p:cNvSpPr/>
           <p:nvPr/>
@@ -12746,42 +12620,6 @@
           </a:fontRef>
         </p:style>
       </p:cxnSp>
-      <p:sp>
-        <p:nvSpPr>
-          <p:cNvPr id="4" name="Slide Number Placeholder 3"/>
-          <p:cNvSpPr>
-            <a:spLocks noGrp="1"/>
-          </p:cNvSpPr>
-          <p:nvPr>
-            <p:ph type="sldNum" sz="quarter" idx="12"/>
-          </p:nvPr>
-        </p:nvSpPr>
-        <p:spPr/>
-        <p:txBody>
-          <a:bodyPr/>
-          <a:lstStyle/>
-          <a:p>
-            <a:fld id="{9F4492BD-6A9C-48FC-AC76-0B4FE11194A1}" type="slidenum">
-              <a:rPr lang="en-US" smtClean="0">
-                <a:solidFill>
-                  <a:prstClr val="black">
-                    <a:tint val="75000"/>
-                  </a:prstClr>
-                </a:solidFill>
-              </a:rPr>
-              <a:pPr/>
-              <a:t>24</a:t>
-            </a:fld>
-            <a:endParaRPr lang="en-US">
-              <a:solidFill>
-                <a:prstClr val="black">
-                  <a:tint val="75000"/>
-                </a:prstClr>
-              </a:solidFill>
-            </a:endParaRPr>
-          </a:p>
-        </p:txBody>
-      </p:sp>
     </p:spTree>
     <p:extLst>
       <p:ext uri="{BB962C8B-B14F-4D97-AF65-F5344CB8AC3E}">
@@ -13351,6 +13189,30 @@
               <a:t>Foldr: the general picture</a:t>
             </a:r>
             <a:endParaRPr lang="en-US" dirty="0"/>
+          </a:p>
+        </p:txBody>
+      </p:sp>
+      <p:sp>
+        <p:nvSpPr>
+          <p:cNvPr id="3" name="Slide Number Placeholder 2"/>
+          <p:cNvSpPr>
+            <a:spLocks noGrp="1"/>
+          </p:cNvSpPr>
+          <p:nvPr>
+            <p:ph type="sldNum" sz="quarter" idx="12"/>
+          </p:nvPr>
+        </p:nvSpPr>
+        <p:spPr/>
+        <p:txBody>
+          <a:bodyPr/>
+          <a:lstStyle/>
+          <a:p>
+            <a:fld id="{9F4492BD-6A9C-48FC-AC76-0B4FE11194A1}" type="slidenum">
+              <a:rPr lang="en-US" smtClean="0"/>
+              <a:pPr/>
+              <a:t>4</a:t>
+            </a:fld>
+            <a:endParaRPr lang="en-US"/>
           </a:p>
         </p:txBody>
       </p:sp>
@@ -14668,30 +14530,6 @@
           </a:p>
         </p:txBody>
       </p:sp>
-      <p:sp>
-        <p:nvSpPr>
-          <p:cNvPr id="3" name="Slide Number Placeholder 2"/>
-          <p:cNvSpPr>
-            <a:spLocks noGrp="1"/>
-          </p:cNvSpPr>
-          <p:nvPr>
-            <p:ph type="sldNum" sz="quarter" idx="12"/>
-          </p:nvPr>
-        </p:nvSpPr>
-        <p:spPr/>
-        <p:txBody>
-          <a:bodyPr/>
-          <a:lstStyle/>
-          <a:p>
-            <a:fld id="{9F4492BD-6A9C-48FC-AC76-0B4FE11194A1}" type="slidenum">
-              <a:rPr lang="en-US" smtClean="0"/>
-              <a:pPr/>
-              <a:t>4</a:t>
-            </a:fld>
-            <a:endParaRPr lang="en-US"/>
-          </a:p>
-        </p:txBody>
-      </p:sp>
     </p:spTree>
     <p:extLst>
       <p:ext uri="{BB962C8B-B14F-4D97-AF65-F5344CB8AC3E}">
@@ -14817,14 +14655,14 @@
                 <a:latin typeface="Consolas" pitchFamily="49" charset="0"/>
                 <a:cs typeface="Consolas" pitchFamily="49" charset="0"/>
               </a:rPr>
-              <a:t>ListOf</a:t>
+              <a:t>ListOfX</a:t>
             </a:r>
             <a:r>
               <a:rPr lang="en-US" sz="3400" b="1" dirty="0" smtClean="0">
                 <a:latin typeface="Consolas" pitchFamily="49" charset="0"/>
                 <a:cs typeface="Consolas" pitchFamily="49" charset="0"/>
               </a:rPr>
-              <a:t>&lt;X&gt; -&gt; Y </a:t>
+              <a:t> -&gt; Y </a:t>
             </a:r>
           </a:p>
           <a:p>
@@ -15012,6 +14850,30 @@
               </a:rPr>
               <a:t> – a)))</a:t>
             </a:r>
+          </a:p>
+        </p:txBody>
+      </p:sp>
+      <p:sp>
+        <p:nvSpPr>
+          <p:cNvPr id="4" name="Slide Number Placeholder 3"/>
+          <p:cNvSpPr>
+            <a:spLocks noGrp="1"/>
+          </p:cNvSpPr>
+          <p:nvPr>
+            <p:ph type="sldNum" sz="quarter" idx="12"/>
+          </p:nvPr>
+        </p:nvSpPr>
+        <p:spPr/>
+        <p:txBody>
+          <a:bodyPr/>
+          <a:lstStyle/>
+          <a:p>
+            <a:fld id="{9F4492BD-6A9C-48FC-AC76-0B4FE11194A1}" type="slidenum">
+              <a:rPr lang="en-US" smtClean="0"/>
+              <a:pPr/>
+              <a:t>5</a:t>
+            </a:fld>
+            <a:endParaRPr lang="en-US"/>
           </a:p>
         </p:txBody>
       </p:sp>
@@ -15137,30 +14999,6 @@
                 <a:schemeClr val="tx1"/>
               </a:solidFill>
             </a:endParaRPr>
-          </a:p>
-        </p:txBody>
-      </p:sp>
-      <p:sp>
-        <p:nvSpPr>
-          <p:cNvPr id="4" name="Slide Number Placeholder 3"/>
-          <p:cNvSpPr>
-            <a:spLocks noGrp="1"/>
-          </p:cNvSpPr>
-          <p:nvPr>
-            <p:ph type="sldNum" sz="quarter" idx="12"/>
-          </p:nvPr>
-        </p:nvSpPr>
-        <p:spPr/>
-        <p:txBody>
-          <a:bodyPr/>
-          <a:lstStyle/>
-          <a:p>
-            <a:fld id="{9F4492BD-6A9C-48FC-AC76-0B4FE11194A1}" type="slidenum">
-              <a:rPr lang="en-US" smtClean="0"/>
-              <a:pPr/>
-              <a:t>5</a:t>
-            </a:fld>
-            <a:endParaRPr lang="en-US"/>
           </a:p>
         </p:txBody>
       </p:sp>
@@ -15318,6 +15156,30 @@
       </p:sp>
       <p:sp>
         <p:nvSpPr>
+          <p:cNvPr id="6" name="Slide Number Placeholder 5"/>
+          <p:cNvSpPr>
+            <a:spLocks noGrp="1"/>
+          </p:cNvSpPr>
+          <p:nvPr>
+            <p:ph type="sldNum" sz="quarter" idx="12"/>
+          </p:nvPr>
+        </p:nvSpPr>
+        <p:spPr/>
+        <p:txBody>
+          <a:bodyPr/>
+          <a:lstStyle/>
+          <a:p>
+            <a:fld id="{9F4492BD-6A9C-48FC-AC76-0B4FE11194A1}" type="slidenum">
+              <a:rPr lang="en-US" smtClean="0"/>
+              <a:pPr/>
+              <a:t>6</a:t>
+            </a:fld>
+            <a:endParaRPr lang="en-US"/>
+          </a:p>
+        </p:txBody>
+      </p:sp>
+      <p:sp>
+        <p:nvSpPr>
           <p:cNvPr id="4" name="Rectangle 3"/>
           <p:cNvSpPr/>
           <p:nvPr/>
@@ -15362,12 +15224,20 @@
           <a:lstStyle/>
           <a:p>
             <a:r>
+              <a:rPr lang="en-US" b="1" dirty="0" smtClean="0">
+                <a:solidFill>
+                  <a:schemeClr val="tx1"/>
+                </a:solidFill>
+              </a:rPr>
+              <a:t>foldr</a:t>
+            </a:r>
+            <a:r>
               <a:rPr lang="en-US" dirty="0" smtClean="0">
                 <a:solidFill>
                   <a:schemeClr val="tx1"/>
                 </a:solidFill>
               </a:rPr>
-              <a:t>foldr associates its operator to the right</a:t>
+              <a:t> associates its operator to the right</a:t>
             </a:r>
           </a:p>
         </p:txBody>
@@ -15418,7 +15288,7 @@
           <a:lstStyle/>
           <a:p>
             <a:r>
-              <a:rPr lang="en-US" dirty="0" err="1" smtClean="0">
+              <a:rPr lang="en-US" b="1" dirty="0" err="1" smtClean="0">
                 <a:solidFill>
                   <a:schemeClr val="tx1"/>
                 </a:solidFill>
@@ -15433,30 +15303,6 @@
               </a:rPr>
               <a:t> will associate its operator to the left</a:t>
             </a:r>
-          </a:p>
-        </p:txBody>
-      </p:sp>
-      <p:sp>
-        <p:nvSpPr>
-          <p:cNvPr id="6" name="Slide Number Placeholder 5"/>
-          <p:cNvSpPr>
-            <a:spLocks noGrp="1"/>
-          </p:cNvSpPr>
-          <p:nvPr>
-            <p:ph type="sldNum" sz="quarter" idx="12"/>
-          </p:nvPr>
-        </p:nvSpPr>
-        <p:spPr/>
-        <p:txBody>
-          <a:bodyPr/>
-          <a:lstStyle/>
-          <a:p>
-            <a:fld id="{9F4492BD-6A9C-48FC-AC76-0B4FE11194A1}" type="slidenum">
-              <a:rPr lang="en-US" smtClean="0"/>
-              <a:pPr/>
-              <a:t>6</a:t>
-            </a:fld>
-            <a:endParaRPr lang="en-US"/>
           </a:p>
         </p:txBody>
       </p:sp>
@@ -15514,6 +15360,30 @@
               <a:t>For this computation, the pipeline goes the other way</a:t>
             </a:r>
             <a:endParaRPr lang="en-US" dirty="0"/>
+          </a:p>
+        </p:txBody>
+      </p:sp>
+      <p:sp>
+        <p:nvSpPr>
+          <p:cNvPr id="4" name="Slide Number Placeholder 3"/>
+          <p:cNvSpPr>
+            <a:spLocks noGrp="1"/>
+          </p:cNvSpPr>
+          <p:nvPr>
+            <p:ph type="sldNum" sz="quarter" idx="12"/>
+          </p:nvPr>
+        </p:nvSpPr>
+        <p:spPr/>
+        <p:txBody>
+          <a:bodyPr/>
+          <a:lstStyle/>
+          <a:p>
+            <a:fld id="{9F4492BD-6A9C-48FC-AC76-0B4FE11194A1}" type="slidenum">
+              <a:rPr lang="en-US" smtClean="0"/>
+              <a:pPr/>
+              <a:t>7</a:t>
+            </a:fld>
+            <a:endParaRPr lang="en-US"/>
           </a:p>
         </p:txBody>
       </p:sp>
@@ -16807,30 +16677,6 @@
           </p:style>
         </p:cxnSp>
       </p:grpSp>
-      <p:sp>
-        <p:nvSpPr>
-          <p:cNvPr id="4" name="Slide Number Placeholder 3"/>
-          <p:cNvSpPr>
-            <a:spLocks noGrp="1"/>
-          </p:cNvSpPr>
-          <p:nvPr>
-            <p:ph type="sldNum" sz="quarter" idx="12"/>
-          </p:nvPr>
-        </p:nvSpPr>
-        <p:spPr/>
-        <p:txBody>
-          <a:bodyPr/>
-          <a:lstStyle/>
-          <a:p>
-            <a:fld id="{9F4492BD-6A9C-48FC-AC76-0B4FE11194A1}" type="slidenum">
-              <a:rPr lang="en-US" smtClean="0"/>
-              <a:pPr/>
-              <a:t>7</a:t>
-            </a:fld>
-            <a:endParaRPr lang="en-US"/>
-          </a:p>
-        </p:txBody>
-      </p:sp>
     </p:spTree>
     <p:extLst>
       <p:ext uri="{BB962C8B-B14F-4D97-AF65-F5344CB8AC3E}">
@@ -17062,6 +16908,29 @@
       </p:sp>
       <p:sp>
         <p:nvSpPr>
+          <p:cNvPr id="3" name="Slide Number Placeholder 2"/>
+          <p:cNvSpPr>
+            <a:spLocks noGrp="1"/>
+          </p:cNvSpPr>
+          <p:nvPr>
+            <p:ph type="sldNum" sz="quarter" idx="12"/>
+          </p:nvPr>
+        </p:nvSpPr>
+        <p:spPr/>
+        <p:txBody>
+          <a:bodyPr/>
+          <a:lstStyle/>
+          <a:p>
+            <a:fld id="{2AF3B5EA-18B6-4040-9F78-6052AF49C681}" type="slidenum">
+              <a:rPr lang="en-US" smtClean="0"/>
+              <a:t>8</a:t>
+            </a:fld>
+            <a:endParaRPr lang="en-US"/>
+          </a:p>
+        </p:txBody>
+      </p:sp>
+      <p:sp>
+        <p:nvSpPr>
           <p:cNvPr id="7" name="Rectangle 6"/>
           <p:cNvSpPr/>
           <p:nvPr/>
@@ -17155,29 +17024,6 @@
           </a:fontRef>
         </p:style>
       </p:cxnSp>
-      <p:sp>
-        <p:nvSpPr>
-          <p:cNvPr id="3" name="Slide Number Placeholder 2"/>
-          <p:cNvSpPr>
-            <a:spLocks noGrp="1"/>
-          </p:cNvSpPr>
-          <p:nvPr>
-            <p:ph type="sldNum" sz="quarter" idx="12"/>
-          </p:nvPr>
-        </p:nvSpPr>
-        <p:spPr/>
-        <p:txBody>
-          <a:bodyPr/>
-          <a:lstStyle/>
-          <a:p>
-            <a:fld id="{2AF3B5EA-18B6-4040-9F78-6052AF49C681}" type="slidenum">
-              <a:rPr lang="en-US" smtClean="0"/>
-              <a:t>8</a:t>
-            </a:fld>
-            <a:endParaRPr lang="en-US"/>
-          </a:p>
-        </p:txBody>
-      </p:sp>
     </p:spTree>
     <p:extLst>
       <p:ext uri="{BB962C8B-B14F-4D97-AF65-F5344CB8AC3E}">
@@ -17304,6 +17150,30 @@
               <a:latin typeface="Consolas" panose="020B0609020204030204" pitchFamily="49" charset="0"/>
               <a:cs typeface="Consolas" panose="020B0609020204030204" pitchFamily="49" charset="0"/>
             </a:endParaRPr>
+          </a:p>
+        </p:txBody>
+      </p:sp>
+      <p:sp>
+        <p:nvSpPr>
+          <p:cNvPr id="38" name="Slide Number Placeholder 37"/>
+          <p:cNvSpPr>
+            <a:spLocks noGrp="1"/>
+          </p:cNvSpPr>
+          <p:nvPr>
+            <p:ph type="sldNum" sz="quarter" idx="12"/>
+          </p:nvPr>
+        </p:nvSpPr>
+        <p:spPr/>
+        <p:txBody>
+          <a:bodyPr/>
+          <a:lstStyle/>
+          <a:p>
+            <a:fld id="{9F4492BD-6A9C-48FC-AC76-0B4FE11194A1}" type="slidenum">
+              <a:rPr lang="en-US" smtClean="0"/>
+              <a:pPr/>
+              <a:t>9</a:t>
+            </a:fld>
+            <a:endParaRPr lang="en-US"/>
           </a:p>
         </p:txBody>
       </p:sp>
@@ -18583,30 +18453,6 @@
           </p:style>
         </p:cxnSp>
       </p:grpSp>
-      <p:sp>
-        <p:nvSpPr>
-          <p:cNvPr id="38" name="Slide Number Placeholder 37"/>
-          <p:cNvSpPr>
-            <a:spLocks noGrp="1"/>
-          </p:cNvSpPr>
-          <p:nvPr>
-            <p:ph type="sldNum" sz="quarter" idx="12"/>
-          </p:nvPr>
-        </p:nvSpPr>
-        <p:spPr/>
-        <p:txBody>
-          <a:bodyPr/>
-          <a:lstStyle/>
-          <a:p>
-            <a:fld id="{9F4492BD-6A9C-48FC-AC76-0B4FE11194A1}" type="slidenum">
-              <a:rPr lang="en-US" smtClean="0"/>
-              <a:pPr/>
-              <a:t>9</a:t>
-            </a:fld>
-            <a:endParaRPr lang="en-US"/>
-          </a:p>
-        </p:txBody>
-      </p:sp>
     </p:spTree>
     <p:extLst>
       <p:ext uri="{BB962C8B-B14F-4D97-AF65-F5344CB8AC3E}">
@@ -18640,7 +18486,7 @@
 </file>
 
 <file path=ppt/theme/theme1.xml><?xml version="1.0" encoding="utf-8"?>
-<a:theme xmlns:a="http://schemas.openxmlformats.org/drawingml/2006/main" name="Office Theme">
+<a:theme xmlns:a="http://schemas.openxmlformats.org/drawingml/2006/main" name="1_Office Theme">
   <a:themeElements>
     <a:clrScheme name="Office">
       <a:dk1>
@@ -18714,6 +18560,7 @@
         <a:font script="Mong" typeface="Mongolian Baiti"/>
         <a:font script="Viet" typeface="Times New Roman"/>
         <a:font script="Uigh" typeface="Microsoft Uighur"/>
+        <a:font script="Geor" typeface="Sylfaen"/>
       </a:majorFont>
       <a:minorFont>
         <a:latin typeface="Calibri"/>
@@ -18748,6 +18595,7 @@
         <a:font script="Mong" typeface="Mongolian Baiti"/>
         <a:font script="Viet" typeface="Arial"/>
         <a:font script="Uigh" typeface="Microsoft Uighur"/>
+        <a:font script="Geor" typeface="Sylfaen"/>
       </a:minorFont>
     </a:fontScheme>
     <a:fmtScheme name="Office">
@@ -18936,7 +18784,7 @@
       </a:bodyPr>
       <a:lstStyle>
         <a:defPPr>
-          <a:defRPr dirty="0" smtClean="0">
+          <a:defRPr dirty="0">
             <a:solidFill>
               <a:schemeClr val="tx1"/>
             </a:solidFill>
@@ -18958,388 +18806,12 @@
         </a:fontRef>
       </a:style>
     </a:spDef>
-    <a:lnDef>
-      <a:spPr>
-        <a:ln w="12700">
-          <a:solidFill>
-            <a:schemeClr val="tx1"/>
-          </a:solidFill>
-          <a:tailEnd type="stealth" w="lg" len="lg"/>
-        </a:ln>
-      </a:spPr>
-      <a:bodyPr/>
-      <a:lstStyle/>
-      <a:style>
-        <a:lnRef idx="1">
-          <a:schemeClr val="accent1"/>
-        </a:lnRef>
-        <a:fillRef idx="0">
-          <a:schemeClr val="accent1"/>
-        </a:fillRef>
-        <a:effectRef idx="0">
-          <a:schemeClr val="accent1"/>
-        </a:effectRef>
-        <a:fontRef idx="minor">
-          <a:schemeClr val="tx1"/>
-        </a:fontRef>
-      </a:style>
-    </a:lnDef>
   </a:objectDefaults>
   <a:extraClrSchemeLst/>
 </a:theme>
 </file>
 
 <file path=ppt/theme/theme2.xml><?xml version="1.0" encoding="utf-8"?>
-<a:theme xmlns:a="http://schemas.openxmlformats.org/drawingml/2006/main" name="14_Office Theme">
-  <a:themeElements>
-    <a:clrScheme name="Office">
-      <a:dk1>
-        <a:sysClr val="windowText" lastClr="000000"/>
-      </a:dk1>
-      <a:lt1>
-        <a:sysClr val="window" lastClr="FFFFFF"/>
-      </a:lt1>
-      <a:dk2>
-        <a:srgbClr val="1F497D"/>
-      </a:dk2>
-      <a:lt2>
-        <a:srgbClr val="EEECE1"/>
-      </a:lt2>
-      <a:accent1>
-        <a:srgbClr val="4F81BD"/>
-      </a:accent1>
-      <a:accent2>
-        <a:srgbClr val="C0504D"/>
-      </a:accent2>
-      <a:accent3>
-        <a:srgbClr val="9BBB59"/>
-      </a:accent3>
-      <a:accent4>
-        <a:srgbClr val="8064A2"/>
-      </a:accent4>
-      <a:accent5>
-        <a:srgbClr val="4BACC6"/>
-      </a:accent5>
-      <a:accent6>
-        <a:srgbClr val="F79646"/>
-      </a:accent6>
-      <a:hlink>
-        <a:srgbClr val="0000FF"/>
-      </a:hlink>
-      <a:folHlink>
-        <a:srgbClr val="800080"/>
-      </a:folHlink>
-    </a:clrScheme>
-    <a:fontScheme name="Office">
-      <a:majorFont>
-        <a:latin typeface="Calibri"/>
-        <a:ea typeface=""/>
-        <a:cs typeface=""/>
-        <a:font script="Jpan" typeface="ＭＳ Ｐゴシック"/>
-        <a:font script="Hang" typeface="맑은 고딕"/>
-        <a:font script="Hans" typeface="宋体"/>
-        <a:font script="Hant" typeface="新細明體"/>
-        <a:font script="Arab" typeface="Times New Roman"/>
-        <a:font script="Hebr" typeface="Times New Roman"/>
-        <a:font script="Thai" typeface="Angsana New"/>
-        <a:font script="Ethi" typeface="Nyala"/>
-        <a:font script="Beng" typeface="Vrinda"/>
-        <a:font script="Gujr" typeface="Shruti"/>
-        <a:font script="Khmr" typeface="MoolBoran"/>
-        <a:font script="Knda" typeface="Tunga"/>
-        <a:font script="Guru" typeface="Raavi"/>
-        <a:font script="Cans" typeface="Euphemia"/>
-        <a:font script="Cher" typeface="Plantagenet Cherokee"/>
-        <a:font script="Yiii" typeface="Microsoft Yi Baiti"/>
-        <a:font script="Tibt" typeface="Microsoft Himalaya"/>
-        <a:font script="Thaa" typeface="MV Boli"/>
-        <a:font script="Deva" typeface="Mangal"/>
-        <a:font script="Telu" typeface="Gautami"/>
-        <a:font script="Taml" typeface="Latha"/>
-        <a:font script="Syrc" typeface="Estrangelo Edessa"/>
-        <a:font script="Orya" typeface="Kalinga"/>
-        <a:font script="Mlym" typeface="Kartika"/>
-        <a:font script="Laoo" typeface="DokChampa"/>
-        <a:font script="Sinh" typeface="Iskoola Pota"/>
-        <a:font script="Mong" typeface="Mongolian Baiti"/>
-        <a:font script="Viet" typeface="Times New Roman"/>
-        <a:font script="Uigh" typeface="Microsoft Uighur"/>
-      </a:majorFont>
-      <a:minorFont>
-        <a:latin typeface="Calibri"/>
-        <a:ea typeface=""/>
-        <a:cs typeface=""/>
-        <a:font script="Jpan" typeface="ＭＳ Ｐゴシック"/>
-        <a:font script="Hang" typeface="맑은 고딕"/>
-        <a:font script="Hans" typeface="宋体"/>
-        <a:font script="Hant" typeface="新細明體"/>
-        <a:font script="Arab" typeface="Arial"/>
-        <a:font script="Hebr" typeface="Arial"/>
-        <a:font script="Thai" typeface="Cordia New"/>
-        <a:font script="Ethi" typeface="Nyala"/>
-        <a:font script="Beng" typeface="Vrinda"/>
-        <a:font script="Gujr" typeface="Shruti"/>
-        <a:font script="Khmr" typeface="DaunPenh"/>
-        <a:font script="Knda" typeface="Tunga"/>
-        <a:font script="Guru" typeface="Raavi"/>
-        <a:font script="Cans" typeface="Euphemia"/>
-        <a:font script="Cher" typeface="Plantagenet Cherokee"/>
-        <a:font script="Yiii" typeface="Microsoft Yi Baiti"/>
-        <a:font script="Tibt" typeface="Microsoft Himalaya"/>
-        <a:font script="Thaa" typeface="MV Boli"/>
-        <a:font script="Deva" typeface="Mangal"/>
-        <a:font script="Telu" typeface="Gautami"/>
-        <a:font script="Taml" typeface="Latha"/>
-        <a:font script="Syrc" typeface="Estrangelo Edessa"/>
-        <a:font script="Orya" typeface="Kalinga"/>
-        <a:font script="Mlym" typeface="Kartika"/>
-        <a:font script="Laoo" typeface="DokChampa"/>
-        <a:font script="Sinh" typeface="Iskoola Pota"/>
-        <a:font script="Mong" typeface="Mongolian Baiti"/>
-        <a:font script="Viet" typeface="Arial"/>
-        <a:font script="Uigh" typeface="Microsoft Uighur"/>
-      </a:minorFont>
-    </a:fontScheme>
-    <a:fmtScheme name="Office">
-      <a:fillStyleLst>
-        <a:solidFill>
-          <a:schemeClr val="phClr"/>
-        </a:solidFill>
-        <a:gradFill rotWithShape="1">
-          <a:gsLst>
-            <a:gs pos="0">
-              <a:schemeClr val="phClr">
-                <a:tint val="50000"/>
-                <a:satMod val="300000"/>
-              </a:schemeClr>
-            </a:gs>
-            <a:gs pos="35000">
-              <a:schemeClr val="phClr">
-                <a:tint val="37000"/>
-                <a:satMod val="300000"/>
-              </a:schemeClr>
-            </a:gs>
-            <a:gs pos="100000">
-              <a:schemeClr val="phClr">
-                <a:tint val="15000"/>
-                <a:satMod val="350000"/>
-              </a:schemeClr>
-            </a:gs>
-          </a:gsLst>
-          <a:lin ang="16200000" scaled="1"/>
-        </a:gradFill>
-        <a:gradFill rotWithShape="1">
-          <a:gsLst>
-            <a:gs pos="0">
-              <a:schemeClr val="phClr">
-                <a:shade val="51000"/>
-                <a:satMod val="130000"/>
-              </a:schemeClr>
-            </a:gs>
-            <a:gs pos="80000">
-              <a:schemeClr val="phClr">
-                <a:shade val="93000"/>
-                <a:satMod val="130000"/>
-              </a:schemeClr>
-            </a:gs>
-            <a:gs pos="100000">
-              <a:schemeClr val="phClr">
-                <a:shade val="94000"/>
-                <a:satMod val="135000"/>
-              </a:schemeClr>
-            </a:gs>
-          </a:gsLst>
-          <a:lin ang="16200000" scaled="0"/>
-        </a:gradFill>
-      </a:fillStyleLst>
-      <a:lnStyleLst>
-        <a:ln w="9525" cap="flat" cmpd="sng" algn="ctr">
-          <a:solidFill>
-            <a:schemeClr val="phClr">
-              <a:shade val="95000"/>
-              <a:satMod val="105000"/>
-            </a:schemeClr>
-          </a:solidFill>
-          <a:prstDash val="solid"/>
-        </a:ln>
-        <a:ln w="25400" cap="flat" cmpd="sng" algn="ctr">
-          <a:solidFill>
-            <a:schemeClr val="phClr"/>
-          </a:solidFill>
-          <a:prstDash val="solid"/>
-        </a:ln>
-        <a:ln w="38100" cap="flat" cmpd="sng" algn="ctr">
-          <a:solidFill>
-            <a:schemeClr val="phClr"/>
-          </a:solidFill>
-          <a:prstDash val="solid"/>
-        </a:ln>
-      </a:lnStyleLst>
-      <a:effectStyleLst>
-        <a:effectStyle>
-          <a:effectLst>
-            <a:outerShdw blurRad="40000" dist="20000" dir="5400000" rotWithShape="0">
-              <a:srgbClr val="000000">
-                <a:alpha val="38000"/>
-              </a:srgbClr>
-            </a:outerShdw>
-          </a:effectLst>
-        </a:effectStyle>
-        <a:effectStyle>
-          <a:effectLst>
-            <a:outerShdw blurRad="40000" dist="23000" dir="5400000" rotWithShape="0">
-              <a:srgbClr val="000000">
-                <a:alpha val="35000"/>
-              </a:srgbClr>
-            </a:outerShdw>
-          </a:effectLst>
-        </a:effectStyle>
-        <a:effectStyle>
-          <a:effectLst>
-            <a:outerShdw blurRad="40000" dist="23000" dir="5400000" rotWithShape="0">
-              <a:srgbClr val="000000">
-                <a:alpha val="35000"/>
-              </a:srgbClr>
-            </a:outerShdw>
-          </a:effectLst>
-          <a:scene3d>
-            <a:camera prst="orthographicFront">
-              <a:rot lat="0" lon="0" rev="0"/>
-            </a:camera>
-            <a:lightRig rig="threePt" dir="t">
-              <a:rot lat="0" lon="0" rev="1200000"/>
-            </a:lightRig>
-          </a:scene3d>
-          <a:sp3d>
-            <a:bevelT w="63500" h="25400"/>
-          </a:sp3d>
-        </a:effectStyle>
-      </a:effectStyleLst>
-      <a:bgFillStyleLst>
-        <a:solidFill>
-          <a:schemeClr val="phClr"/>
-        </a:solidFill>
-        <a:gradFill rotWithShape="1">
-          <a:gsLst>
-            <a:gs pos="0">
-              <a:schemeClr val="phClr">
-                <a:tint val="40000"/>
-                <a:satMod val="350000"/>
-              </a:schemeClr>
-            </a:gs>
-            <a:gs pos="40000">
-              <a:schemeClr val="phClr">
-                <a:tint val="45000"/>
-                <a:shade val="99000"/>
-                <a:satMod val="350000"/>
-              </a:schemeClr>
-            </a:gs>
-            <a:gs pos="100000">
-              <a:schemeClr val="phClr">
-                <a:shade val="20000"/>
-                <a:satMod val="255000"/>
-              </a:schemeClr>
-            </a:gs>
-          </a:gsLst>
-          <a:path path="circle">
-            <a:fillToRect l="50000" t="-80000" r="50000" b="180000"/>
-          </a:path>
-        </a:gradFill>
-        <a:gradFill rotWithShape="1">
-          <a:gsLst>
-            <a:gs pos="0">
-              <a:schemeClr val="phClr">
-                <a:tint val="80000"/>
-                <a:satMod val="300000"/>
-              </a:schemeClr>
-            </a:gs>
-            <a:gs pos="100000">
-              <a:schemeClr val="phClr">
-                <a:shade val="30000"/>
-                <a:satMod val="200000"/>
-              </a:schemeClr>
-            </a:gs>
-          </a:gsLst>
-          <a:path path="circle">
-            <a:fillToRect l="50000" t="50000" r="50000" b="50000"/>
-          </a:path>
-        </a:gradFill>
-      </a:bgFillStyleLst>
-    </a:fmtScheme>
-  </a:themeElements>
-  <a:objectDefaults>
-    <a:spDef>
-      <a:spPr>
-        <a:solidFill>
-          <a:schemeClr val="accent3">
-            <a:lumMod val="40000"/>
-            <a:lumOff val="60000"/>
-          </a:schemeClr>
-        </a:solidFill>
-        <a:ln/>
-      </a:spPr>
-      <a:bodyPr rot="0" spcFirstLastPara="0" vertOverflow="overflow" horzOverflow="overflow" vert="horz" wrap="square" lIns="91440" tIns="45720" rIns="91440" bIns="45720" numCol="1" spcCol="0" rtlCol="0" fromWordArt="0" anchor="ctr" anchorCtr="0" forceAA="0" compatLnSpc="1">
-        <a:prstTxWarp prst="textNoShape">
-          <a:avLst/>
-        </a:prstTxWarp>
-        <a:noAutofit/>
-      </a:bodyPr>
-      <a:lstStyle>
-        <a:defPPr algn="ctr">
-          <a:defRPr dirty="0" err="1" smtClean="0">
-            <a:solidFill>
-              <a:schemeClr val="tx1"/>
-            </a:solidFill>
-          </a:defRPr>
-        </a:defPPr>
-      </a:lstStyle>
-      <a:style>
-        <a:lnRef idx="2">
-          <a:schemeClr val="accent1"/>
-        </a:lnRef>
-        <a:fillRef idx="1">
-          <a:schemeClr val="lt1"/>
-        </a:fillRef>
-        <a:effectRef idx="0">
-          <a:schemeClr val="accent1"/>
-        </a:effectRef>
-        <a:fontRef idx="minor">
-          <a:schemeClr val="dk1"/>
-        </a:fontRef>
-      </a:style>
-    </a:spDef>
-    <a:lnDef>
-      <a:spPr>
-        <a:ln w="12700">
-          <a:solidFill>
-            <a:schemeClr val="tx1"/>
-          </a:solidFill>
-          <a:tailEnd type="stealth" w="lg" len="lg"/>
-        </a:ln>
-      </a:spPr>
-      <a:bodyPr/>
-      <a:lstStyle/>
-      <a:style>
-        <a:lnRef idx="1">
-          <a:schemeClr val="accent1"/>
-        </a:lnRef>
-        <a:fillRef idx="0">
-          <a:schemeClr val="accent1"/>
-        </a:fillRef>
-        <a:effectRef idx="0">
-          <a:schemeClr val="accent1"/>
-        </a:effectRef>
-        <a:fontRef idx="minor">
-          <a:schemeClr val="tx1"/>
-        </a:fontRef>
-      </a:style>
-    </a:lnDef>
-  </a:objectDefaults>
-  <a:extraClrSchemeLst/>
-</a:theme>
-</file>
-
-<file path=ppt/theme/theme3.xml><?xml version="1.0" encoding="utf-8"?>
 <a:theme xmlns:a="http://schemas.openxmlformats.org/drawingml/2006/main" name="Office Theme">
   <a:themeElements>
     <a:clrScheme name="Office">

--- a/Slides/Lesson 7.5 Foldr and Foldl.pptx
+++ b/Slides/Lesson 7.5 Foldr and Foldl.pptx
@@ -251,7 +251,7 @@
             <a:fld id="{CF8F25F6-E1EF-4065-8525-42EDEBD9BD22}" type="datetimeFigureOut">
               <a:rPr lang="en-US" smtClean="0"/>
               <a:pPr/>
-              <a:t>9/28/2015</a:t>
+              <a:t>10/25/2015</a:t>
             </a:fld>
             <a:endParaRPr lang="en-US"/>
           </a:p>
@@ -790,7 +790,7 @@
           <a:p>
             <a:fld id="{2F1F79F5-7BEC-496A-AFC7-876E38F64D71}" type="datetime1">
               <a:rPr lang="en-US" smtClean="0"/>
-              <a:t>9/28/2015</a:t>
+              <a:t>10/25/2015</a:t>
             </a:fld>
             <a:endParaRPr lang="en-US"/>
           </a:p>
@@ -892,7 +892,7 @@
           <a:p>
             <a:fld id="{0A05703A-7669-4FEA-9056-25299B4D29D4}" type="datetime1">
               <a:rPr lang="en-US" smtClean="0"/>
-              <a:t>9/28/2015</a:t>
+              <a:t>10/25/2015</a:t>
             </a:fld>
             <a:endParaRPr lang="en-US"/>
           </a:p>
@@ -1169,7 +1169,7 @@
           <a:p>
             <a:fld id="{6E5077B5-BB57-49DB-88CA-226A139E5C01}" type="datetime1">
               <a:rPr lang="en-US" smtClean="0"/>
-              <a:t>9/28/2015</a:t>
+              <a:t>10/25/2015</a:t>
             </a:fld>
             <a:endParaRPr lang="en-US"/>
           </a:p>
@@ -1422,7 +1422,7 @@
           <a:p>
             <a:fld id="{C48D9447-CBD6-49A1-89FD-8512A8CF8999}" type="datetime1">
               <a:rPr lang="en-US" smtClean="0"/>
-              <a:t>9/28/2015</a:t>
+              <a:t>10/25/2015</a:t>
             </a:fld>
             <a:endParaRPr lang="en-US"/>
           </a:p>
@@ -1592,7 +1592,7 @@
           <a:p>
             <a:fld id="{A3639A2A-823D-48B7-9ACE-7FAF42870BA9}" type="datetime1">
               <a:rPr lang="en-US" smtClean="0"/>
-              <a:t>9/28/2015</a:t>
+              <a:t>10/25/2015</a:t>
             </a:fld>
             <a:endParaRPr lang="en-US"/>
           </a:p>
@@ -1772,7 +1772,7 @@
           <a:p>
             <a:fld id="{ED1B6996-82E9-463C-972C-7B56056E426C}" type="datetime1">
               <a:rPr lang="en-US" smtClean="0"/>
-              <a:t>9/28/2015</a:t>
+              <a:t>10/25/2015</a:t>
             </a:fld>
             <a:endParaRPr lang="en-US"/>
           </a:p>
@@ -1955,7 +1955,7 @@
           <a:p>
             <a:fld id="{E22ED4DA-448D-4BB1-B935-CC112220207B}" type="datetime1">
               <a:rPr lang="en-US" smtClean="0"/>
-              <a:t>9/28/2015</a:t>
+              <a:t>10/25/2015</a:t>
             </a:fld>
             <a:endParaRPr lang="en-US"/>
           </a:p>
@@ -2137,7 +2137,7 @@
           <a:p>
             <a:fld id="{E22ED4DA-448D-4BB1-B935-CC112220207B}" type="datetime1">
               <a:rPr lang="en-US" smtClean="0"/>
-              <a:t>9/28/2015</a:t>
+              <a:t>10/25/2015</a:t>
             </a:fld>
             <a:endParaRPr lang="en-US"/>
           </a:p>
@@ -2406,7 +2406,7 @@
           <a:p>
             <a:fld id="{FF5D65A6-AB94-4435-B0B7-3743215FA46C}" type="datetime1">
               <a:rPr lang="en-US" smtClean="0"/>
-              <a:t>9/28/2015</a:t>
+              <a:t>10/25/2015</a:t>
             </a:fld>
             <a:endParaRPr lang="en-US"/>
           </a:p>
@@ -2591,7 +2591,7 @@
           <a:p>
             <a:fld id="{FF5D65A6-AB94-4435-B0B7-3743215FA46C}" type="datetime1">
               <a:rPr lang="en-US" smtClean="0"/>
-              <a:t>9/28/2015</a:t>
+              <a:t>10/25/2015</a:t>
             </a:fld>
             <a:endParaRPr lang="en-US"/>
           </a:p>
@@ -2893,7 +2893,7 @@
           <a:p>
             <a:fld id="{7C193DC4-6EF0-48C9-B29C-616106A645E1}" type="datetime1">
               <a:rPr lang="en-US" smtClean="0"/>
-              <a:t>9/28/2015</a:t>
+              <a:t>10/25/2015</a:t>
             </a:fld>
             <a:endParaRPr lang="en-US"/>
           </a:p>
@@ -3181,7 +3181,7 @@
           <a:p>
             <a:fld id="{5D1846AD-9252-4647-9435-4C2AC365653A}" type="datetime1">
               <a:rPr lang="en-US" smtClean="0"/>
-              <a:t>9/28/2015</a:t>
+              <a:t>10/25/2015</a:t>
             </a:fld>
             <a:endParaRPr lang="en-US"/>
           </a:p>
@@ -3603,7 +3603,7 @@
           <a:p>
             <a:fld id="{CE56DC10-3561-4063-A6AF-C1CC7A41040A}" type="datetime1">
               <a:rPr lang="en-US" smtClean="0"/>
-              <a:t>9/28/2015</a:t>
+              <a:t>10/25/2015</a:t>
             </a:fld>
             <a:endParaRPr lang="en-US"/>
           </a:p>
@@ -3721,7 +3721,7 @@
           <a:p>
             <a:fld id="{2F7B77F5-1464-4F6B-92A8-64FC8A508293}" type="datetime1">
               <a:rPr lang="en-US" smtClean="0"/>
-              <a:t>9/28/2015</a:t>
+              <a:t>10/25/2015</a:t>
             </a:fld>
             <a:endParaRPr lang="en-US"/>
           </a:p>
@@ -3953,7 +3953,7 @@
           <a:p>
             <a:fld id="{02B3F677-983B-48DB-ADFD-63FE6CBC7FB2}" type="datetime1">
               <a:rPr lang="en-US" smtClean="0"/>
-              <a:t>9/28/2015</a:t>
+              <a:t>10/25/2015</a:t>
             </a:fld>
             <a:endParaRPr lang="en-US"/>
           </a:p>
@@ -9145,14 +9145,7 @@
                 <a:latin typeface="Consolas" panose="020B0609020204030204" pitchFamily="49" charset="0"/>
                 <a:cs typeface="Consolas" panose="020B0609020204030204" pitchFamily="49" charset="0"/>
               </a:rPr>
-              <a:t> </a:t>
-            </a:r>
-            <a:r>
-              <a:rPr lang="en-US" sz="3200" b="1" dirty="0" smtClean="0">
-                <a:latin typeface="Consolas" panose="020B0609020204030204" pitchFamily="49" charset="0"/>
-                <a:cs typeface="Consolas" panose="020B0609020204030204" pitchFamily="49" charset="0"/>
-              </a:rPr>
-              <a:t>-&gt; Y</a:t>
+              <a:t> -&gt; Y</a:t>
             </a:r>
             <a:endParaRPr lang="en-US" sz="3200" b="1" dirty="0">
               <a:latin typeface="Consolas" panose="020B0609020204030204" pitchFamily="49" charset="0"/>
@@ -9274,18 +9267,18 @@
               <a:t>: (X Y -&gt; Y) Y </a:t>
             </a:r>
             <a:r>
-              <a:rPr lang="en-US" sz="2800" b="1" dirty="0" err="1">
+              <a:rPr lang="en-US" sz="2800" b="1" dirty="0" err="1" smtClean="0">
                 <a:latin typeface="Consolas" pitchFamily="49" charset="0"/>
                 <a:cs typeface="Consolas" pitchFamily="49" charset="0"/>
               </a:rPr>
-              <a:t>ListOf</a:t>
+              <a:t>ListOfX</a:t>
             </a:r>
             <a:r>
               <a:rPr lang="en-US" sz="2800" b="1" dirty="0">
                 <a:latin typeface="Consolas" pitchFamily="49" charset="0"/>
                 <a:cs typeface="Consolas" pitchFamily="49" charset="0"/>
               </a:rPr>
-              <a:t>&lt;X&gt; -&gt; Y </a:t>
+              <a:t> -&gt; Y </a:t>
             </a:r>
           </a:p>
           <a:p>
@@ -10442,13 +10435,10 @@
               <a:t>;; diff-inner : Number </a:t>
             </a:r>
             <a:r>
-              <a:rPr lang="en-US" sz="1700" dirty="0" err="1"/>
-              <a:t>ListOf</a:t>
-            </a:r>
-            <a:r>
-              <a:rPr lang="en-US" sz="1700" dirty="0"/>
-              <a:t>&lt;Number&gt;</a:t>
-            </a:r>
+              <a:rPr lang="en-US" sz="1700" dirty="0" err="1" smtClean="0"/>
+              <a:t>ListOfNumber</a:t>
+            </a:r>
+            <a:endParaRPr lang="en-US" sz="1700" dirty="0"/>
           </a:p>
           <a:p>
             <a:pPr>
@@ -10805,7 +10795,6 @@
               <a:rPr lang="en-US" dirty="0" smtClean="0"/>
               <a:t> using a context variable</a:t>
             </a:r>
-            <a:endParaRPr lang="en-US" dirty="0" smtClean="0"/>
           </a:p>
           <a:p>
             <a:r>
@@ -10958,13 +10947,10 @@
               <a:t>;; diff-inner : Number </a:t>
             </a:r>
             <a:r>
-              <a:rPr lang="en-US" sz="1800" dirty="0" err="1"/>
-              <a:t>ListOf</a:t>
-            </a:r>
-            <a:r>
-              <a:rPr lang="en-US" sz="1800" dirty="0"/>
-              <a:t>&lt;Number&gt;</a:t>
-            </a:r>
+              <a:rPr lang="en-US" sz="1800" dirty="0" err="1" smtClean="0"/>
+              <a:t>ListOfNumber</a:t>
+            </a:r>
+            <a:endParaRPr lang="en-US" sz="1800" dirty="0"/>
           </a:p>
           <a:p>
             <a:r>

--- a/Slides/Lesson 7.5 Foldr and Foldl.pptx
+++ b/Slides/Lesson 7.5 Foldr and Foldl.pptx
@@ -251,7 +251,7 @@
             <a:fld id="{CF8F25F6-E1EF-4065-8525-42EDEBD9BD22}" type="datetimeFigureOut">
               <a:rPr lang="en-US" smtClean="0"/>
               <a:pPr/>
-              <a:t>10/25/2015</a:t>
+              <a:t>10/15/2016</a:t>
             </a:fld>
             <a:endParaRPr lang="en-US"/>
           </a:p>
@@ -317,38 +317,37 @@
           <a:p>
             <a:pPr lvl="0"/>
             <a:r>
-              <a:rPr lang="en-US" smtClean="0"/>
+              <a:rPr lang="en-US"/>
               <a:t>Click to edit Master text styles</a:t>
             </a:r>
           </a:p>
           <a:p>
             <a:pPr lvl="1"/>
             <a:r>
-              <a:rPr lang="en-US" smtClean="0"/>
+              <a:rPr lang="en-US"/>
               <a:t>Second level</a:t>
             </a:r>
           </a:p>
           <a:p>
             <a:pPr lvl="2"/>
             <a:r>
-              <a:rPr lang="en-US" smtClean="0"/>
+              <a:rPr lang="en-US"/>
               <a:t>Third level</a:t>
             </a:r>
           </a:p>
           <a:p>
             <a:pPr lvl="3"/>
             <a:r>
-              <a:rPr lang="en-US" smtClean="0"/>
+              <a:rPr lang="en-US"/>
               <a:t>Fourth level</a:t>
             </a:r>
           </a:p>
           <a:p>
             <a:pPr lvl="4"/>
             <a:r>
-              <a:rPr lang="en-US" smtClean="0"/>
+              <a:rPr lang="en-US"/>
               <a:t>Fifth level</a:t>
             </a:r>
-            <a:endParaRPr lang="en-US"/>
           </a:p>
         </p:txBody>
       </p:sp>
@@ -568,7 +567,7 @@
           </a:bodyPr>
           <a:lstStyle/>
           <a:p>
-            <a:endParaRPr lang="en-US" dirty="0" smtClean="0"/>
+            <a:endParaRPr lang="en-US" dirty="0"/>
           </a:p>
         </p:txBody>
       </p:sp>
@@ -647,10 +646,9 @@
           <a:lstStyle/>
           <a:p>
             <a:r>
-              <a:rPr lang="en-US" smtClean="0"/>
+              <a:rPr lang="en-US"/>
               <a:t>Click to edit Master title style</a:t>
             </a:r>
-            <a:endParaRPr lang="en-US"/>
           </a:p>
         </p:txBody>
       </p:sp>
@@ -766,10 +764,9 @@
           </a:lstStyle>
           <a:p>
             <a:r>
-              <a:rPr lang="en-US" smtClean="0"/>
+              <a:rPr lang="en-US"/>
               <a:t>Click to edit Master subtitle style</a:t>
             </a:r>
-            <a:endParaRPr lang="en-US"/>
           </a:p>
         </p:txBody>
       </p:sp>
@@ -790,7 +787,7 @@
           <a:p>
             <a:fld id="{2F1F79F5-7BEC-496A-AFC7-876E38F64D71}" type="datetime1">
               <a:rPr lang="en-US" smtClean="0"/>
-              <a:t>10/25/2015</a:t>
+              <a:t>10/15/2016</a:t>
             </a:fld>
             <a:endParaRPr lang="en-US"/>
           </a:p>
@@ -848,13 +845,6 @@
   <p:clrMapOvr>
     <a:masterClrMapping/>
   </p:clrMapOvr>
-  <p:timing>
-    <p:tnLst>
-      <p:par>
-        <p:cTn id="1" dur="indefinite" restart="never" nodeType="tmRoot"/>
-      </p:par>
-    </p:tnLst>
-  </p:timing>
 </p:sldLayout>
 </file>
 
@@ -892,7 +882,7 @@
           <a:p>
             <a:fld id="{0A05703A-7669-4FEA-9056-25299B4D29D4}" type="datetime1">
               <a:rPr lang="en-US" smtClean="0"/>
-              <a:t>10/25/2015</a:t>
+              <a:t>10/15/2016</a:t>
             </a:fld>
             <a:endParaRPr lang="en-US"/>
           </a:p>
@@ -995,10 +985,9 @@
           </a:lstStyle>
           <a:p>
             <a:r>
-              <a:rPr lang="en-US" smtClean="0"/>
+              <a:rPr lang="en-US"/>
               <a:t>Click to edit Master title style</a:t>
             </a:r>
-            <a:endParaRPr lang="en-US"/>
           </a:p>
         </p:txBody>
       </p:sp>
@@ -1052,38 +1041,37 @@
           <a:p>
             <a:pPr lvl="0"/>
             <a:r>
-              <a:rPr lang="en-US" smtClean="0"/>
+              <a:rPr lang="en-US"/>
               <a:t>Click to edit Master text styles</a:t>
             </a:r>
           </a:p>
           <a:p>
             <a:pPr lvl="1"/>
             <a:r>
-              <a:rPr lang="en-US" smtClean="0"/>
+              <a:rPr lang="en-US"/>
               <a:t>Second level</a:t>
             </a:r>
           </a:p>
           <a:p>
             <a:pPr lvl="2"/>
             <a:r>
-              <a:rPr lang="en-US" smtClean="0"/>
+              <a:rPr lang="en-US"/>
               <a:t>Third level</a:t>
             </a:r>
           </a:p>
           <a:p>
             <a:pPr lvl="3"/>
             <a:r>
-              <a:rPr lang="en-US" smtClean="0"/>
+              <a:rPr lang="en-US"/>
               <a:t>Fourth level</a:t>
             </a:r>
           </a:p>
           <a:p>
             <a:pPr lvl="4"/>
             <a:r>
-              <a:rPr lang="en-US" smtClean="0"/>
+              <a:rPr lang="en-US"/>
               <a:t>Fifth level</a:t>
             </a:r>
-            <a:endParaRPr lang="en-US"/>
           </a:p>
         </p:txBody>
       </p:sp>
@@ -1146,7 +1134,7 @@
           <a:p>
             <a:pPr lvl="0"/>
             <a:r>
-              <a:rPr lang="en-US" smtClean="0"/>
+              <a:rPr lang="en-US"/>
               <a:t>Click to edit Master text styles</a:t>
             </a:r>
           </a:p>
@@ -1169,7 +1157,7 @@
           <a:p>
             <a:fld id="{6E5077B5-BB57-49DB-88CA-226A139E5C01}" type="datetime1">
               <a:rPr lang="en-US" smtClean="0"/>
-              <a:t>10/25/2015</a:t>
+              <a:t>10/15/2016</a:t>
             </a:fld>
             <a:endParaRPr lang="en-US"/>
           </a:p>
@@ -1272,10 +1260,9 @@
           </a:lstStyle>
           <a:p>
             <a:r>
-              <a:rPr lang="en-US" smtClean="0"/>
+              <a:rPr lang="en-US"/>
               <a:t>Click to edit Master title style</a:t>
             </a:r>
-            <a:endParaRPr lang="en-US"/>
           </a:p>
         </p:txBody>
       </p:sp>
@@ -1399,7 +1386,7 @@
           <a:p>
             <a:pPr lvl="0"/>
             <a:r>
-              <a:rPr lang="en-US" smtClean="0"/>
+              <a:rPr lang="en-US"/>
               <a:t>Click to edit Master text styles</a:t>
             </a:r>
           </a:p>
@@ -1422,7 +1409,7 @@
           <a:p>
             <a:fld id="{C48D9447-CBD6-49A1-89FD-8512A8CF8999}" type="datetime1">
               <a:rPr lang="en-US" smtClean="0"/>
-              <a:t>10/25/2015</a:t>
+              <a:t>10/15/2016</a:t>
             </a:fld>
             <a:endParaRPr lang="en-US"/>
           </a:p>
@@ -1516,10 +1503,9 @@
           <a:lstStyle/>
           <a:p>
             <a:r>
-              <a:rPr lang="en-US" smtClean="0"/>
+              <a:rPr lang="en-US"/>
               <a:t>Click to edit Master title style</a:t>
             </a:r>
-            <a:endParaRPr lang="en-US"/>
           </a:p>
         </p:txBody>
       </p:sp>
@@ -1540,38 +1526,37 @@
           <a:p>
             <a:pPr lvl="0"/>
             <a:r>
-              <a:rPr lang="en-US" smtClean="0"/>
+              <a:rPr lang="en-US"/>
               <a:t>Click to edit Master text styles</a:t>
             </a:r>
           </a:p>
           <a:p>
             <a:pPr lvl="1"/>
             <a:r>
-              <a:rPr lang="en-US" smtClean="0"/>
+              <a:rPr lang="en-US"/>
               <a:t>Second level</a:t>
             </a:r>
           </a:p>
           <a:p>
             <a:pPr lvl="2"/>
             <a:r>
-              <a:rPr lang="en-US" smtClean="0"/>
+              <a:rPr lang="en-US"/>
               <a:t>Third level</a:t>
             </a:r>
           </a:p>
           <a:p>
             <a:pPr lvl="3"/>
             <a:r>
-              <a:rPr lang="en-US" smtClean="0"/>
+              <a:rPr lang="en-US"/>
               <a:t>Fourth level</a:t>
             </a:r>
           </a:p>
           <a:p>
             <a:pPr lvl="4"/>
             <a:r>
-              <a:rPr lang="en-US" smtClean="0"/>
+              <a:rPr lang="en-US"/>
               <a:t>Fifth level</a:t>
             </a:r>
-            <a:endParaRPr lang="en-US"/>
           </a:p>
         </p:txBody>
       </p:sp>
@@ -1592,7 +1577,7 @@
           <a:p>
             <a:fld id="{A3639A2A-823D-48B7-9ACE-7FAF42870BA9}" type="datetime1">
               <a:rPr lang="en-US" smtClean="0"/>
-              <a:t>10/25/2015</a:t>
+              <a:t>10/15/2016</a:t>
             </a:fld>
             <a:endParaRPr lang="en-US"/>
           </a:p>
@@ -1691,10 +1676,9 @@
           <a:lstStyle/>
           <a:p>
             <a:r>
-              <a:rPr lang="en-US" smtClean="0"/>
+              <a:rPr lang="en-US"/>
               <a:t>Click to edit Master title style</a:t>
             </a:r>
-            <a:endParaRPr lang="en-US"/>
           </a:p>
         </p:txBody>
       </p:sp>
@@ -1720,38 +1704,37 @@
           <a:p>
             <a:pPr lvl="0"/>
             <a:r>
-              <a:rPr lang="en-US" smtClean="0"/>
+              <a:rPr lang="en-US"/>
               <a:t>Click to edit Master text styles</a:t>
             </a:r>
           </a:p>
           <a:p>
             <a:pPr lvl="1"/>
             <a:r>
-              <a:rPr lang="en-US" smtClean="0"/>
+              <a:rPr lang="en-US"/>
               <a:t>Second level</a:t>
             </a:r>
           </a:p>
           <a:p>
             <a:pPr lvl="2"/>
             <a:r>
-              <a:rPr lang="en-US" smtClean="0"/>
+              <a:rPr lang="en-US"/>
               <a:t>Third level</a:t>
             </a:r>
           </a:p>
           <a:p>
             <a:pPr lvl="3"/>
             <a:r>
-              <a:rPr lang="en-US" smtClean="0"/>
+              <a:rPr lang="en-US"/>
               <a:t>Fourth level</a:t>
             </a:r>
           </a:p>
           <a:p>
             <a:pPr lvl="4"/>
             <a:r>
-              <a:rPr lang="en-US" smtClean="0"/>
+              <a:rPr lang="en-US"/>
               <a:t>Fifth level</a:t>
             </a:r>
-            <a:endParaRPr lang="en-US"/>
           </a:p>
         </p:txBody>
       </p:sp>
@@ -1772,7 +1755,7 @@
           <a:p>
             <a:fld id="{ED1B6996-82E9-463C-972C-7B56056E426C}" type="datetime1">
               <a:rPr lang="en-US" smtClean="0"/>
-              <a:t>10/25/2015</a:t>
+              <a:t>10/15/2016</a:t>
             </a:fld>
             <a:endParaRPr lang="en-US"/>
           </a:p>
@@ -1830,13 +1813,6 @@
   <p:clrMapOvr>
     <a:masterClrMapping/>
   </p:clrMapOvr>
-  <p:timing>
-    <p:tnLst>
-      <p:par>
-        <p:cTn id="1" dur="indefinite" restart="never" nodeType="tmRoot"/>
-      </p:par>
-    </p:tnLst>
-  </p:timing>
 </p:sldLayout>
 </file>
 
@@ -1879,10 +1855,9 @@
           <a:lstStyle/>
           <a:p>
             <a:r>
-              <a:rPr lang="en-US" dirty="0" smtClean="0"/>
+              <a:rPr lang="en-US" dirty="0"/>
               <a:t>Click to edit Master title style</a:t>
             </a:r>
-            <a:endParaRPr lang="en-US" dirty="0"/>
           </a:p>
         </p:txBody>
       </p:sp>
@@ -1903,38 +1878,37 @@
           <a:p>
             <a:pPr lvl="0"/>
             <a:r>
-              <a:rPr lang="en-US" smtClean="0"/>
+              <a:rPr lang="en-US"/>
               <a:t>Click to edit Master text styles</a:t>
             </a:r>
           </a:p>
           <a:p>
             <a:pPr lvl="1"/>
             <a:r>
-              <a:rPr lang="en-US" smtClean="0"/>
+              <a:rPr lang="en-US"/>
               <a:t>Second level</a:t>
             </a:r>
           </a:p>
           <a:p>
             <a:pPr lvl="2"/>
             <a:r>
-              <a:rPr lang="en-US" smtClean="0"/>
+              <a:rPr lang="en-US"/>
               <a:t>Third level</a:t>
             </a:r>
           </a:p>
           <a:p>
             <a:pPr lvl="3"/>
             <a:r>
-              <a:rPr lang="en-US" smtClean="0"/>
+              <a:rPr lang="en-US"/>
               <a:t>Fourth level</a:t>
             </a:r>
           </a:p>
           <a:p>
             <a:pPr lvl="4"/>
             <a:r>
-              <a:rPr lang="en-US" smtClean="0"/>
+              <a:rPr lang="en-US"/>
               <a:t>Fifth level</a:t>
             </a:r>
-            <a:endParaRPr lang="en-US"/>
           </a:p>
         </p:txBody>
       </p:sp>
@@ -1955,7 +1929,7 @@
           <a:p>
             <a:fld id="{E22ED4DA-448D-4BB1-B935-CC112220207B}" type="datetime1">
               <a:rPr lang="en-US" smtClean="0"/>
-              <a:t>10/25/2015</a:t>
+              <a:t>10/15/2016</a:t>
             </a:fld>
             <a:endParaRPr lang="en-US"/>
           </a:p>
@@ -2013,13 +1987,6 @@
   <p:clrMapOvr>
     <a:masterClrMapping/>
   </p:clrMapOvr>
-  <p:timing>
-    <p:tnLst>
-      <p:par>
-        <p:cTn id="1" dur="indefinite" restart="never" nodeType="tmRoot"/>
-      </p:par>
-    </p:tnLst>
-  </p:timing>
 </p:sldLayout>
 </file>
 
@@ -2056,10 +2023,9 @@
           <a:lstStyle/>
           <a:p>
             <a:r>
-              <a:rPr lang="en-US" smtClean="0"/>
+              <a:rPr lang="en-US"/>
               <a:t>Click to edit Master title style</a:t>
             </a:r>
-            <a:endParaRPr lang="en-US"/>
           </a:p>
         </p:txBody>
       </p:sp>
@@ -2085,38 +2051,37 @@
           <a:p>
             <a:pPr lvl="0"/>
             <a:r>
-              <a:rPr lang="en-US" dirty="0" smtClean="0"/>
+              <a:rPr lang="en-US" dirty="0"/>
               <a:t>Click to edit Master text styles</a:t>
             </a:r>
           </a:p>
           <a:p>
             <a:pPr lvl="1"/>
             <a:r>
-              <a:rPr lang="en-US" dirty="0" smtClean="0"/>
+              <a:rPr lang="en-US" dirty="0"/>
               <a:t>Second level</a:t>
             </a:r>
           </a:p>
           <a:p>
             <a:pPr lvl="2"/>
             <a:r>
-              <a:rPr lang="en-US" dirty="0" smtClean="0"/>
+              <a:rPr lang="en-US" dirty="0"/>
               <a:t>Third level</a:t>
             </a:r>
           </a:p>
           <a:p>
             <a:pPr lvl="3"/>
             <a:r>
-              <a:rPr lang="en-US" dirty="0" smtClean="0"/>
+              <a:rPr lang="en-US" dirty="0"/>
               <a:t>Fourth level</a:t>
             </a:r>
           </a:p>
           <a:p>
             <a:pPr lvl="4"/>
             <a:r>
-              <a:rPr lang="en-US" dirty="0" smtClean="0"/>
+              <a:rPr lang="en-US" dirty="0"/>
               <a:t>Fifth level</a:t>
             </a:r>
-            <a:endParaRPr lang="en-US" dirty="0"/>
           </a:p>
         </p:txBody>
       </p:sp>
@@ -2137,7 +2102,7 @@
           <a:p>
             <a:fld id="{E22ED4DA-448D-4BB1-B935-CC112220207B}" type="datetime1">
               <a:rPr lang="en-US" smtClean="0"/>
-              <a:t>10/25/2015</a:t>
+              <a:t>10/15/2016</a:t>
             </a:fld>
             <a:endParaRPr lang="en-US"/>
           </a:p>
@@ -2227,7 +2192,7 @@
           <a:lstStyle/>
           <a:p>
             <a:pPr algn="ctr"/>
-            <a:endParaRPr lang="en-US" dirty="0" smtClean="0">
+            <a:endParaRPr lang="en-US" dirty="0">
               <a:solidFill>
                 <a:schemeClr val="tx1"/>
               </a:solidFill>
@@ -2258,11 +2223,11 @@
           <a:lstStyle/>
           <a:p>
             <a:r>
-              <a:rPr lang="en-US" dirty="0" smtClean="0"/>
+              <a:rPr lang="en-US" dirty="0"/>
               <a:t>Resize video to this</a:t>
             </a:r>
             <a:r>
-              <a:rPr lang="en-US" baseline="0" dirty="0" smtClean="0"/>
+              <a:rPr lang="en-US" baseline="0" dirty="0"/>
               <a:t> box.</a:t>
             </a:r>
             <a:endParaRPr lang="en-US" dirty="0"/>
@@ -2279,13 +2244,6 @@
   <p:clrMapOvr>
     <a:masterClrMapping/>
   </p:clrMapOvr>
-  <p:timing>
-    <p:tnLst>
-      <p:par>
-        <p:cTn id="1" dur="indefinite" restart="never" nodeType="tmRoot"/>
-      </p:par>
-    </p:tnLst>
-  </p:timing>
 </p:sldLayout>
 </file>
 
@@ -2322,10 +2280,9 @@
           <a:lstStyle/>
           <a:p>
             <a:r>
-              <a:rPr lang="en-US" smtClean="0"/>
+              <a:rPr lang="en-US"/>
               <a:t>Click to edit Master title style</a:t>
             </a:r>
-            <a:endParaRPr lang="en-US"/>
           </a:p>
         </p:txBody>
       </p:sp>
@@ -2354,38 +2311,37 @@
           <a:p>
             <a:pPr lvl="0"/>
             <a:r>
-              <a:rPr lang="en-US" dirty="0" smtClean="0"/>
+              <a:rPr lang="en-US" dirty="0"/>
               <a:t>Click to edit Master text styles</a:t>
             </a:r>
           </a:p>
           <a:p>
             <a:pPr lvl="1"/>
             <a:r>
-              <a:rPr lang="en-US" dirty="0" smtClean="0"/>
+              <a:rPr lang="en-US" dirty="0"/>
               <a:t>Second level</a:t>
             </a:r>
           </a:p>
           <a:p>
             <a:pPr lvl="2"/>
             <a:r>
-              <a:rPr lang="en-US" dirty="0" smtClean="0"/>
+              <a:rPr lang="en-US" dirty="0"/>
               <a:t>Third level</a:t>
             </a:r>
           </a:p>
           <a:p>
             <a:pPr lvl="3"/>
             <a:r>
-              <a:rPr lang="en-US" dirty="0" smtClean="0"/>
+              <a:rPr lang="en-US" dirty="0"/>
               <a:t>Fourth level</a:t>
             </a:r>
           </a:p>
           <a:p>
             <a:pPr lvl="4"/>
             <a:r>
-              <a:rPr lang="en-US" dirty="0" smtClean="0"/>
+              <a:rPr lang="en-US" dirty="0"/>
               <a:t>Fifth level</a:t>
             </a:r>
-            <a:endParaRPr lang="en-US" dirty="0"/>
           </a:p>
         </p:txBody>
       </p:sp>
@@ -2406,7 +2362,7 @@
           <a:p>
             <a:fld id="{FF5D65A6-AB94-4435-B0B7-3743215FA46C}" type="datetime1">
               <a:rPr lang="en-US" smtClean="0"/>
-              <a:t>10/25/2015</a:t>
+              <a:t>10/15/2016</a:t>
             </a:fld>
             <a:endParaRPr lang="en-US"/>
           </a:p>
@@ -2464,13 +2420,6 @@
   <p:clrMapOvr>
     <a:masterClrMapping/>
   </p:clrMapOvr>
-  <p:timing>
-    <p:tnLst>
-      <p:par>
-        <p:cTn id="1" dur="indefinite" restart="never" nodeType="tmRoot"/>
-      </p:par>
-    </p:tnLst>
-  </p:timing>
 </p:sldLayout>
 </file>
 
@@ -2507,10 +2456,9 @@
           <a:lstStyle/>
           <a:p>
             <a:r>
-              <a:rPr lang="en-US" smtClean="0"/>
+              <a:rPr lang="en-US"/>
               <a:t>Click to edit Master title style</a:t>
             </a:r>
-            <a:endParaRPr lang="en-US"/>
           </a:p>
         </p:txBody>
       </p:sp>
@@ -2539,38 +2487,37 @@
           <a:p>
             <a:pPr lvl="0"/>
             <a:r>
-              <a:rPr lang="en-US" dirty="0" smtClean="0"/>
+              <a:rPr lang="en-US" dirty="0"/>
               <a:t>Click to edit Master text styles</a:t>
             </a:r>
           </a:p>
           <a:p>
             <a:pPr lvl="1"/>
             <a:r>
-              <a:rPr lang="en-US" dirty="0" smtClean="0"/>
+              <a:rPr lang="en-US" dirty="0"/>
               <a:t>Second level</a:t>
             </a:r>
           </a:p>
           <a:p>
             <a:pPr lvl="2"/>
             <a:r>
-              <a:rPr lang="en-US" dirty="0" smtClean="0"/>
+              <a:rPr lang="en-US" dirty="0"/>
               <a:t>Third level</a:t>
             </a:r>
           </a:p>
           <a:p>
             <a:pPr lvl="3"/>
             <a:r>
-              <a:rPr lang="en-US" dirty="0" smtClean="0"/>
+              <a:rPr lang="en-US" dirty="0"/>
               <a:t>Fourth level</a:t>
             </a:r>
           </a:p>
           <a:p>
             <a:pPr lvl="4"/>
             <a:r>
-              <a:rPr lang="en-US" dirty="0" smtClean="0"/>
+              <a:rPr lang="en-US" dirty="0"/>
               <a:t>Fifth level</a:t>
             </a:r>
-            <a:endParaRPr lang="en-US" dirty="0"/>
           </a:p>
         </p:txBody>
       </p:sp>
@@ -2591,7 +2538,7 @@
           <a:p>
             <a:fld id="{FF5D65A6-AB94-4435-B0B7-3743215FA46C}" type="datetime1">
               <a:rPr lang="en-US" smtClean="0"/>
-              <a:t>10/25/2015</a:t>
+              <a:t>10/15/2016</a:t>
             </a:fld>
             <a:endParaRPr lang="en-US"/>
           </a:p>
@@ -2698,13 +2645,6 @@
   <p:clrMapOvr>
     <a:masterClrMapping/>
   </p:clrMapOvr>
-  <p:timing>
-    <p:tnLst>
-      <p:par>
-        <p:cTn id="1" dur="indefinite" restart="never" nodeType="tmRoot"/>
-      </p:par>
-    </p:tnLst>
-  </p:timing>
 </p:sldLayout>
 </file>
 
@@ -2750,10 +2690,9 @@
           </a:lstStyle>
           <a:p>
             <a:r>
-              <a:rPr lang="en-US" smtClean="0"/>
+              <a:rPr lang="en-US"/>
               <a:t>Click to edit Master title style</a:t>
             </a:r>
-            <a:endParaRPr lang="en-US"/>
           </a:p>
         </p:txBody>
       </p:sp>
@@ -2870,7 +2809,7 @@
           <a:p>
             <a:pPr lvl="0"/>
             <a:r>
-              <a:rPr lang="en-US" smtClean="0"/>
+              <a:rPr lang="en-US"/>
               <a:t>Click to edit Master text styles</a:t>
             </a:r>
           </a:p>
@@ -2893,7 +2832,7 @@
           <a:p>
             <a:fld id="{7C193DC4-6EF0-48C9-B29C-616106A645E1}" type="datetime1">
               <a:rPr lang="en-US" smtClean="0"/>
-              <a:t>10/25/2015</a:t>
+              <a:t>10/15/2016</a:t>
             </a:fld>
             <a:endParaRPr lang="en-US"/>
           </a:p>
@@ -2987,10 +2926,9 @@
           <a:lstStyle/>
           <a:p>
             <a:r>
-              <a:rPr lang="en-US" smtClean="0"/>
+              <a:rPr lang="en-US"/>
               <a:t>Click to edit Master title style</a:t>
             </a:r>
-            <a:endParaRPr lang="en-US"/>
           </a:p>
         </p:txBody>
       </p:sp>
@@ -3044,38 +2982,37 @@
           <a:p>
             <a:pPr lvl="0"/>
             <a:r>
-              <a:rPr lang="en-US" smtClean="0"/>
+              <a:rPr lang="en-US"/>
               <a:t>Click to edit Master text styles</a:t>
             </a:r>
           </a:p>
           <a:p>
             <a:pPr lvl="1"/>
             <a:r>
-              <a:rPr lang="en-US" smtClean="0"/>
+              <a:rPr lang="en-US"/>
               <a:t>Second level</a:t>
             </a:r>
           </a:p>
           <a:p>
             <a:pPr lvl="2"/>
             <a:r>
-              <a:rPr lang="en-US" smtClean="0"/>
+              <a:rPr lang="en-US"/>
               <a:t>Third level</a:t>
             </a:r>
           </a:p>
           <a:p>
             <a:pPr lvl="3"/>
             <a:r>
-              <a:rPr lang="en-US" smtClean="0"/>
+              <a:rPr lang="en-US"/>
               <a:t>Fourth level</a:t>
             </a:r>
           </a:p>
           <a:p>
             <a:pPr lvl="4"/>
             <a:r>
-              <a:rPr lang="en-US" smtClean="0"/>
+              <a:rPr lang="en-US"/>
               <a:t>Fifth level</a:t>
             </a:r>
-            <a:endParaRPr lang="en-US"/>
           </a:p>
         </p:txBody>
       </p:sp>
@@ -3129,38 +3066,37 @@
           <a:p>
             <a:pPr lvl="0"/>
             <a:r>
-              <a:rPr lang="en-US" smtClean="0"/>
+              <a:rPr lang="en-US"/>
               <a:t>Click to edit Master text styles</a:t>
             </a:r>
           </a:p>
           <a:p>
             <a:pPr lvl="1"/>
             <a:r>
-              <a:rPr lang="en-US" smtClean="0"/>
+              <a:rPr lang="en-US"/>
               <a:t>Second level</a:t>
             </a:r>
           </a:p>
           <a:p>
             <a:pPr lvl="2"/>
             <a:r>
-              <a:rPr lang="en-US" smtClean="0"/>
+              <a:rPr lang="en-US"/>
               <a:t>Third level</a:t>
             </a:r>
           </a:p>
           <a:p>
             <a:pPr lvl="3"/>
             <a:r>
-              <a:rPr lang="en-US" smtClean="0"/>
+              <a:rPr lang="en-US"/>
               <a:t>Fourth level</a:t>
             </a:r>
           </a:p>
           <a:p>
             <a:pPr lvl="4"/>
             <a:r>
-              <a:rPr lang="en-US" smtClean="0"/>
+              <a:rPr lang="en-US"/>
               <a:t>Fifth level</a:t>
             </a:r>
-            <a:endParaRPr lang="en-US"/>
           </a:p>
         </p:txBody>
       </p:sp>
@@ -3181,7 +3117,7 @@
           <a:p>
             <a:fld id="{5D1846AD-9252-4647-9435-4C2AC365653A}" type="datetime1">
               <a:rPr lang="en-US" smtClean="0"/>
-              <a:t>10/25/2015</a:t>
+              <a:t>10/15/2016</a:t>
             </a:fld>
             <a:endParaRPr lang="en-US"/>
           </a:p>
@@ -3279,10 +3215,9 @@
           </a:lstStyle>
           <a:p>
             <a:r>
-              <a:rPr lang="en-US" smtClean="0"/>
+              <a:rPr lang="en-US"/>
               <a:t>Click to edit Master title style</a:t>
             </a:r>
-            <a:endParaRPr lang="en-US"/>
           </a:p>
         </p:txBody>
       </p:sp>
@@ -3345,7 +3280,7 @@
           <a:p>
             <a:pPr lvl="0"/>
             <a:r>
-              <a:rPr lang="en-US" smtClean="0"/>
+              <a:rPr lang="en-US"/>
               <a:t>Click to edit Master text styles</a:t>
             </a:r>
           </a:p>
@@ -3401,38 +3336,37 @@
           <a:p>
             <a:pPr lvl="0"/>
             <a:r>
-              <a:rPr lang="en-US" smtClean="0"/>
+              <a:rPr lang="en-US"/>
               <a:t>Click to edit Master text styles</a:t>
             </a:r>
           </a:p>
           <a:p>
             <a:pPr lvl="1"/>
             <a:r>
-              <a:rPr lang="en-US" smtClean="0"/>
+              <a:rPr lang="en-US"/>
               <a:t>Second level</a:t>
             </a:r>
           </a:p>
           <a:p>
             <a:pPr lvl="2"/>
             <a:r>
-              <a:rPr lang="en-US" smtClean="0"/>
+              <a:rPr lang="en-US"/>
               <a:t>Third level</a:t>
             </a:r>
           </a:p>
           <a:p>
             <a:pPr lvl="3"/>
             <a:r>
-              <a:rPr lang="en-US" smtClean="0"/>
+              <a:rPr lang="en-US"/>
               <a:t>Fourth level</a:t>
             </a:r>
           </a:p>
           <a:p>
             <a:pPr lvl="4"/>
             <a:r>
-              <a:rPr lang="en-US" smtClean="0"/>
+              <a:rPr lang="en-US"/>
               <a:t>Fifth level</a:t>
             </a:r>
-            <a:endParaRPr lang="en-US"/>
           </a:p>
         </p:txBody>
       </p:sp>
@@ -3495,7 +3429,7 @@
           <a:p>
             <a:pPr lvl="0"/>
             <a:r>
-              <a:rPr lang="en-US" smtClean="0"/>
+              <a:rPr lang="en-US"/>
               <a:t>Click to edit Master text styles</a:t>
             </a:r>
           </a:p>
@@ -3551,38 +3485,37 @@
           <a:p>
             <a:pPr lvl="0"/>
             <a:r>
-              <a:rPr lang="en-US" smtClean="0"/>
+              <a:rPr lang="en-US"/>
               <a:t>Click to edit Master text styles</a:t>
             </a:r>
           </a:p>
           <a:p>
             <a:pPr lvl="1"/>
             <a:r>
-              <a:rPr lang="en-US" smtClean="0"/>
+              <a:rPr lang="en-US"/>
               <a:t>Second level</a:t>
             </a:r>
           </a:p>
           <a:p>
             <a:pPr lvl="2"/>
             <a:r>
-              <a:rPr lang="en-US" smtClean="0"/>
+              <a:rPr lang="en-US"/>
               <a:t>Third level</a:t>
             </a:r>
           </a:p>
           <a:p>
             <a:pPr lvl="3"/>
             <a:r>
-              <a:rPr lang="en-US" smtClean="0"/>
+              <a:rPr lang="en-US"/>
               <a:t>Fourth level</a:t>
             </a:r>
           </a:p>
           <a:p>
             <a:pPr lvl="4"/>
             <a:r>
-              <a:rPr lang="en-US" smtClean="0"/>
+              <a:rPr lang="en-US"/>
               <a:t>Fifth level</a:t>
             </a:r>
-            <a:endParaRPr lang="en-US"/>
           </a:p>
         </p:txBody>
       </p:sp>
@@ -3603,7 +3536,7 @@
           <a:p>
             <a:fld id="{CE56DC10-3561-4063-A6AF-C1CC7A41040A}" type="datetime1">
               <a:rPr lang="en-US" smtClean="0"/>
-              <a:t>10/25/2015</a:t>
+              <a:t>10/15/2016</a:t>
             </a:fld>
             <a:endParaRPr lang="en-US"/>
           </a:p>
@@ -3697,10 +3630,9 @@
           <a:lstStyle/>
           <a:p>
             <a:r>
-              <a:rPr lang="en-US" smtClean="0"/>
+              <a:rPr lang="en-US"/>
               <a:t>Click to edit Master title style</a:t>
             </a:r>
-            <a:endParaRPr lang="en-US"/>
           </a:p>
         </p:txBody>
       </p:sp>
@@ -3721,7 +3653,7 @@
           <a:p>
             <a:fld id="{2F7B77F5-1464-4F6B-92A8-64FC8A508293}" type="datetime1">
               <a:rPr lang="en-US" smtClean="0"/>
-              <a:t>10/25/2015</a:t>
+              <a:t>10/15/2016</a:t>
             </a:fld>
             <a:endParaRPr lang="en-US"/>
           </a:p>
@@ -3779,13 +3711,6 @@
   <p:clrMapOvr>
     <a:masterClrMapping/>
   </p:clrMapOvr>
-  <p:timing>
-    <p:tnLst>
-      <p:par>
-        <p:cTn id="1" dur="indefinite" restart="never" nodeType="tmRoot"/>
-      </p:par>
-    </p:tnLst>
-  </p:timing>
 </p:sldLayout>
 </file>
 
@@ -3849,10 +3774,9 @@
           <a:lstStyle/>
           <a:p>
             <a:r>
-              <a:rPr lang="en-US" smtClean="0"/>
+              <a:rPr lang="en-US"/>
               <a:t>Click to edit Master title style</a:t>
             </a:r>
-            <a:endParaRPr lang="en-US"/>
           </a:p>
         </p:txBody>
       </p:sp>
@@ -3883,38 +3807,37 @@
           <a:p>
             <a:pPr lvl="0"/>
             <a:r>
-              <a:rPr lang="en-US" smtClean="0"/>
+              <a:rPr lang="en-US"/>
               <a:t>Click to edit Master text styles</a:t>
             </a:r>
           </a:p>
           <a:p>
             <a:pPr lvl="1"/>
             <a:r>
-              <a:rPr lang="en-US" smtClean="0"/>
+              <a:rPr lang="en-US"/>
               <a:t>Second level</a:t>
             </a:r>
           </a:p>
           <a:p>
             <a:pPr lvl="2"/>
             <a:r>
-              <a:rPr lang="en-US" smtClean="0"/>
+              <a:rPr lang="en-US"/>
               <a:t>Third level</a:t>
             </a:r>
           </a:p>
           <a:p>
             <a:pPr lvl="3"/>
             <a:r>
-              <a:rPr lang="en-US" smtClean="0"/>
+              <a:rPr lang="en-US"/>
               <a:t>Fourth level</a:t>
             </a:r>
           </a:p>
           <a:p>
             <a:pPr lvl="4"/>
             <a:r>
-              <a:rPr lang="en-US" smtClean="0"/>
+              <a:rPr lang="en-US"/>
               <a:t>Fifth level</a:t>
             </a:r>
-            <a:endParaRPr lang="en-US"/>
           </a:p>
         </p:txBody>
       </p:sp>
@@ -3953,7 +3876,7 @@
           <a:p>
             <a:fld id="{02B3F677-983B-48DB-ADFD-63FE6CBC7FB2}" type="datetime1">
               <a:rPr lang="en-US" smtClean="0"/>
-              <a:t>10/25/2015</a:t>
+              <a:t>10/15/2016</a:t>
             </a:fld>
             <a:endParaRPr lang="en-US"/>
           </a:p>
@@ -4061,13 +3984,6 @@
     <p:sldLayoutId id="2147483679" r:id="rId13"/>
     <p:sldLayoutId id="2147483680" r:id="rId14"/>
   </p:sldLayoutIdLst>
-  <p:timing>
-    <p:tnLst>
-      <p:par>
-        <p:cTn id="1" dur="indefinite" restart="never" nodeType="tmRoot"/>
-      </p:par>
-    </p:tnLst>
-  </p:timing>
   <p:hf hdr="0" ftr="0" dt="0"/>
   <p:txStyles>
     <p:titleStyle>
@@ -4355,15 +4271,15 @@
           <a:lstStyle/>
           <a:p>
             <a:r>
-              <a:rPr lang="en-US" dirty="0" err="1" smtClean="0"/>
+              <a:rPr lang="en-US" dirty="0" err="1"/>
               <a:t>Foldr</a:t>
             </a:r>
             <a:r>
-              <a:rPr lang="en-US" dirty="0" smtClean="0"/>
+              <a:rPr lang="en-US" dirty="0"/>
               <a:t> and </a:t>
             </a:r>
             <a:r>
-              <a:rPr lang="en-US" dirty="0" err="1" smtClean="0"/>
+              <a:rPr lang="en-US" dirty="0" err="1"/>
               <a:t>Foldl</a:t>
             </a:r>
             <a:endParaRPr lang="en-US" dirty="0"/>
@@ -4388,18 +4304,18 @@
           <a:lstStyle/>
           <a:p>
             <a:r>
-              <a:rPr lang="en-US" dirty="0" smtClean="0"/>
+              <a:rPr lang="en-US" dirty="0"/>
               <a:t>CS 5010 Program Design Paradigms “Bootcamp”</a:t>
             </a:r>
           </a:p>
           <a:p>
             <a:r>
-              <a:rPr lang="en-US" dirty="0" smtClean="0"/>
+              <a:rPr lang="en-US" dirty="0"/>
               <a:t>Lesson 7.5</a:t>
             </a:r>
           </a:p>
           <a:p>
-            <a:endParaRPr lang="en-US" dirty="0" smtClean="0"/>
+            <a:endParaRPr lang="en-US" dirty="0"/>
           </a:p>
           <a:p>
             <a:endParaRPr lang="en-US" dirty="0"/>
@@ -4457,29 +4373,29 @@
           <a:lstStyle/>
           <a:p>
             <a:r>
-              <a:rPr lang="en-US" smtClean="0"/>
+              <a:rPr lang="en-US"/>
               <a:t>TexPoint fonts used in EMF. </a:t>
             </a:r>
           </a:p>
           <a:p>
             <a:r>
-              <a:rPr lang="en-US" smtClean="0"/>
+              <a:rPr lang="en-US"/>
               <a:t>Read the TexPoint manual before you delete this box.: </a:t>
             </a:r>
             <a:r>
-              <a:rPr lang="en-US" smtClean="0">
+              <a:rPr lang="en-US">
                 <a:latin typeface="CMMI10"/>
               </a:rPr>
               <a:t>A</a:t>
             </a:r>
             <a:r>
-              <a:rPr lang="en-US" smtClean="0">
+              <a:rPr lang="en-US">
                 <a:latin typeface="CMR10"/>
               </a:rPr>
               <a:t>A</a:t>
             </a:r>
             <a:r>
-              <a:rPr lang="en-US" smtClean="0">
+              <a:rPr lang="en-US">
                 <a:latin typeface="CMSY10ORIG"/>
               </a:rPr>
               <a:t>A</a:t>
@@ -4556,27 +4472,13 @@
             <a:p>
               <a:r>
                 <a:rPr lang="en-US" sz="1000" dirty="0"/>
-                <a:t>© Mitchell Wand, </a:t>
-              </a:r>
-              <a:r>
-                <a:rPr lang="en-US" sz="1000" dirty="0" smtClean="0"/>
-                <a:t>2012-2014</a:t>
+                <a:t>© Mitchell Wand, 2012-2014</a:t>
               </a:r>
             </a:p>
             <a:p>
               <a:r>
-                <a:rPr lang="en-US" sz="1000" dirty="0" smtClean="0"/>
+                <a:rPr lang="en-US" sz="1000" dirty="0"/>
                 <a:t>This work is licensed under a </a:t>
-              </a:r>
-              <a:r>
-                <a:rPr lang="en-US" altLang="en-US" sz="1000" dirty="0" smtClean="0">
-                  <a:solidFill>
-                    <a:srgbClr val="4374B7"/>
-                  </a:solidFill>
-                  <a:latin typeface="Helvetica Neue"/>
-                  <a:hlinkClick r:id="rId5"/>
-                </a:rPr>
-                <a:t>Creative </a:t>
               </a:r>
               <a:r>
                 <a:rPr lang="en-US" altLang="en-US" sz="1000" dirty="0">
@@ -4586,7 +4488,7 @@
                   <a:latin typeface="Helvetica Neue"/>
                   <a:hlinkClick r:id="rId5"/>
                 </a:rPr>
-                <a:t>Commons Attribution-</a:t>
+                <a:t>Creative Commons Attribution-</a:t>
               </a:r>
               <a:r>
                 <a:rPr lang="en-US" altLang="en-US" sz="1000" dirty="0" err="1">
@@ -4609,10 +4511,9 @@
                 <a:t> 4.0 International License</a:t>
               </a:r>
               <a:r>
-                <a:rPr lang="en-US" sz="1000" dirty="0" smtClean="0"/>
+                <a:rPr lang="en-US" sz="1000" dirty="0"/>
                 <a:t>.</a:t>
               </a:r>
-              <a:endParaRPr lang="en-US" sz="1000" dirty="0"/>
             </a:p>
           </p:txBody>
         </p:sp>
@@ -4622,13 +4523,6 @@
   <p:clrMapOvr>
     <a:masterClrMapping/>
   </p:clrMapOvr>
-  <p:timing>
-    <p:tnLst>
-      <p:par>
-        <p:cTn id="1" dur="indefinite" restart="never" nodeType="tmRoot"/>
-      </p:par>
-    </p:tnLst>
-  </p:timing>
 </p:sld>
 </file>
 
@@ -4665,10 +4559,9 @@
           <a:lstStyle/>
           <a:p>
             <a:r>
-              <a:rPr lang="en-US" dirty="0" smtClean="0"/>
+              <a:rPr lang="en-US" dirty="0"/>
               <a:t>What if the list is non-empty?</a:t>
             </a:r>
-            <a:endParaRPr lang="en-US" dirty="0"/>
           </a:p>
         </p:txBody>
       </p:sp>
@@ -4761,16 +4654,12 @@
             <a:p>
               <a:pPr algn="ctr"/>
               <a:r>
-                <a:rPr lang="en-US" sz="3600" b="1" dirty="0" smtClean="0">
+                <a:rPr lang="en-US" sz="3600" b="1" dirty="0">
                   <a:latin typeface="Consolas" pitchFamily="49" charset="0"/>
                   <a:cs typeface="Consolas" pitchFamily="49" charset="0"/>
                 </a:rPr>
                 <a:t>(</a:t>
               </a:r>
-              <a:endParaRPr lang="en-US" sz="3600" b="1" dirty="0">
-                <a:latin typeface="Consolas" pitchFamily="49" charset="0"/>
-                <a:cs typeface="Consolas" pitchFamily="49" charset="0"/>
-              </a:endParaRPr>
             </a:p>
           </p:txBody>
         </p:sp>
@@ -4821,16 +4710,12 @@
             <a:p>
               <a:pPr algn="ctr"/>
               <a:r>
-                <a:rPr lang="en-US" sz="3600" b="1" dirty="0" smtClean="0">
+                <a:rPr lang="en-US" sz="3600" b="1" dirty="0">
                   <a:latin typeface="Consolas" pitchFamily="49" charset="0"/>
                   <a:cs typeface="Consolas" pitchFamily="49" charset="0"/>
                 </a:rPr>
                 <a:t>)</a:t>
               </a:r>
-              <a:endParaRPr lang="en-US" sz="3600" b="1" dirty="0">
-                <a:latin typeface="Consolas" pitchFamily="49" charset="0"/>
-                <a:cs typeface="Consolas" pitchFamily="49" charset="0"/>
-              </a:endParaRPr>
             </a:p>
           </p:txBody>
         </p:sp>
@@ -4895,16 +4780,12 @@
               <a:p>
                 <a:pPr algn="ctr"/>
                 <a:r>
-                  <a:rPr lang="en-US" sz="3600" b="1" dirty="0" smtClean="0">
+                  <a:rPr lang="en-US" sz="3600" b="1" dirty="0">
                     <a:latin typeface="Consolas" pitchFamily="49" charset="0"/>
                     <a:cs typeface="Consolas" pitchFamily="49" charset="0"/>
                   </a:rPr>
                   <a:t>x1</a:t>
                 </a:r>
-                <a:endParaRPr lang="en-US" sz="3600" b="1" dirty="0">
-                  <a:latin typeface="Consolas" pitchFamily="49" charset="0"/>
-                  <a:cs typeface="Consolas" pitchFamily="49" charset="0"/>
-                </a:endParaRPr>
               </a:p>
             </p:txBody>
           </p:sp>
@@ -5067,16 +4948,12 @@
               <a:p>
                 <a:pPr algn="ctr"/>
                 <a:r>
-                  <a:rPr lang="en-US" sz="3600" b="1" dirty="0" smtClean="0">
+                  <a:rPr lang="en-US" sz="3600" b="1" dirty="0">
                     <a:latin typeface="Consolas" pitchFamily="49" charset="0"/>
                     <a:cs typeface="Consolas" pitchFamily="49" charset="0"/>
                   </a:rPr>
                   <a:t>x3</a:t>
                 </a:r>
-                <a:endParaRPr lang="en-US" sz="3600" b="1" dirty="0">
-                  <a:latin typeface="Consolas" pitchFamily="49" charset="0"/>
-                  <a:cs typeface="Consolas" pitchFamily="49" charset="0"/>
-                </a:endParaRPr>
               </a:p>
             </p:txBody>
           </p:sp>
@@ -5239,16 +5116,12 @@
               <a:p>
                 <a:pPr algn="ctr"/>
                 <a:r>
-                  <a:rPr lang="en-US" sz="3600" b="1" dirty="0" smtClean="0">
+                  <a:rPr lang="en-US" sz="3600" b="1" dirty="0">
                     <a:latin typeface="Consolas" pitchFamily="49" charset="0"/>
                     <a:cs typeface="Consolas" pitchFamily="49" charset="0"/>
                   </a:rPr>
                   <a:t>x2</a:t>
                 </a:r>
-                <a:endParaRPr lang="en-US" sz="3600" b="1" dirty="0">
-                  <a:latin typeface="Consolas" pitchFamily="49" charset="0"/>
-                  <a:cs typeface="Consolas" pitchFamily="49" charset="0"/>
-                </a:endParaRPr>
               </a:p>
             </p:txBody>
           </p:sp>
@@ -5411,16 +5284,12 @@
               <a:p>
                 <a:pPr algn="ctr"/>
                 <a:r>
-                  <a:rPr lang="en-US" sz="3600" b="1" dirty="0" smtClean="0">
+                  <a:rPr lang="en-US" sz="3600" b="1" dirty="0">
                     <a:latin typeface="Consolas" pitchFamily="49" charset="0"/>
                     <a:cs typeface="Consolas" pitchFamily="49" charset="0"/>
                   </a:rPr>
                   <a:t>x4</a:t>
                 </a:r>
-                <a:endParaRPr lang="en-US" sz="3600" b="1" dirty="0">
-                  <a:latin typeface="Consolas" pitchFamily="49" charset="0"/>
-                  <a:cs typeface="Consolas" pitchFamily="49" charset="0"/>
-                </a:endParaRPr>
               </a:p>
             </p:txBody>
           </p:sp>
@@ -5583,16 +5452,12 @@
               <a:p>
                 <a:pPr algn="ctr"/>
                 <a:r>
-                  <a:rPr lang="en-US" sz="3600" b="1" dirty="0" smtClean="0">
+                  <a:rPr lang="en-US" sz="3600" b="1" dirty="0">
                     <a:latin typeface="Consolas" pitchFamily="49" charset="0"/>
                     <a:cs typeface="Consolas" pitchFamily="49" charset="0"/>
                   </a:rPr>
                   <a:t>x5</a:t>
                 </a:r>
-                <a:endParaRPr lang="en-US" sz="3600" b="1" dirty="0">
-                  <a:latin typeface="Consolas" pitchFamily="49" charset="0"/>
-                  <a:cs typeface="Consolas" pitchFamily="49" charset="0"/>
-                </a:endParaRPr>
               </a:p>
             </p:txBody>
           </p:sp>
@@ -5741,16 +5606,12 @@
             <a:p>
               <a:pPr algn="ctr"/>
               <a:r>
-                <a:rPr lang="en-US" sz="3600" b="1" dirty="0" smtClean="0">
+                <a:rPr lang="en-US" sz="3600" b="1" dirty="0">
                   <a:latin typeface="Consolas" pitchFamily="49" charset="0"/>
                   <a:cs typeface="Consolas" pitchFamily="49" charset="0"/>
                 </a:rPr>
                 <a:t>a</a:t>
               </a:r>
-              <a:endParaRPr lang="en-US" sz="3600" b="1" dirty="0">
-                <a:latin typeface="Consolas" pitchFamily="49" charset="0"/>
-                <a:cs typeface="Consolas" pitchFamily="49" charset="0"/>
-              </a:endParaRPr>
             </a:p>
           </p:txBody>
         </p:sp>
@@ -6037,16 +5898,12 @@
             <a:p>
               <a:pPr algn="ctr"/>
               <a:r>
-                <a:rPr lang="en-US" sz="3600" b="1" dirty="0" smtClean="0">
+                <a:rPr lang="en-US" sz="3600" b="1" dirty="0">
                   <a:latin typeface="Consolas" pitchFamily="49" charset="0"/>
                   <a:cs typeface="Consolas" pitchFamily="49" charset="0"/>
                 </a:rPr>
                 <a:t>(</a:t>
               </a:r>
-              <a:endParaRPr lang="en-US" sz="3600" b="1" dirty="0">
-                <a:latin typeface="Consolas" pitchFamily="49" charset="0"/>
-                <a:cs typeface="Consolas" pitchFamily="49" charset="0"/>
-              </a:endParaRPr>
             </a:p>
           </p:txBody>
         </p:sp>
@@ -6097,16 +5954,12 @@
             <a:p>
               <a:pPr algn="ctr"/>
               <a:r>
-                <a:rPr lang="en-US" sz="3600" b="1" dirty="0" smtClean="0">
+                <a:rPr lang="en-US" sz="3600" b="1" dirty="0">
                   <a:latin typeface="Consolas" pitchFamily="49" charset="0"/>
                   <a:cs typeface="Consolas" pitchFamily="49" charset="0"/>
                 </a:rPr>
                 <a:t>)</a:t>
               </a:r>
-              <a:endParaRPr lang="en-US" sz="3600" b="1" dirty="0">
-                <a:latin typeface="Consolas" pitchFamily="49" charset="0"/>
-                <a:cs typeface="Consolas" pitchFamily="49" charset="0"/>
-              </a:endParaRPr>
             </a:p>
           </p:txBody>
         </p:sp>
@@ -6171,16 +6024,12 @@
               <a:p>
                 <a:pPr algn="ctr"/>
                 <a:r>
-                  <a:rPr lang="en-US" sz="3600" b="1" dirty="0" smtClean="0">
+                  <a:rPr lang="en-US" sz="3600" b="1" dirty="0">
                     <a:latin typeface="Consolas" pitchFamily="49" charset="0"/>
                     <a:cs typeface="Consolas" pitchFamily="49" charset="0"/>
                   </a:rPr>
                   <a:t>x3</a:t>
                 </a:r>
-                <a:endParaRPr lang="en-US" sz="3600" b="1" dirty="0">
-                  <a:latin typeface="Consolas" pitchFamily="49" charset="0"/>
-                  <a:cs typeface="Consolas" pitchFamily="49" charset="0"/>
-                </a:endParaRPr>
               </a:p>
             </p:txBody>
           </p:sp>
@@ -6343,16 +6192,12 @@
               <a:p>
                 <a:pPr algn="ctr"/>
                 <a:r>
-                  <a:rPr lang="en-US" sz="3600" b="1" dirty="0" smtClean="0">
+                  <a:rPr lang="en-US" sz="3600" b="1" dirty="0">
                     <a:latin typeface="Consolas" pitchFamily="49" charset="0"/>
                     <a:cs typeface="Consolas" pitchFamily="49" charset="0"/>
                   </a:rPr>
                   <a:t>x2</a:t>
                 </a:r>
-                <a:endParaRPr lang="en-US" sz="3600" b="1" dirty="0">
-                  <a:latin typeface="Consolas" pitchFamily="49" charset="0"/>
-                  <a:cs typeface="Consolas" pitchFamily="49" charset="0"/>
-                </a:endParaRPr>
               </a:p>
             </p:txBody>
           </p:sp>
@@ -6515,16 +6360,12 @@
               <a:p>
                 <a:pPr algn="ctr"/>
                 <a:r>
-                  <a:rPr lang="en-US" sz="3600" b="1" dirty="0" smtClean="0">
+                  <a:rPr lang="en-US" sz="3600" b="1" dirty="0">
                     <a:latin typeface="Consolas" pitchFamily="49" charset="0"/>
                     <a:cs typeface="Consolas" pitchFamily="49" charset="0"/>
                   </a:rPr>
                   <a:t>x4</a:t>
                 </a:r>
-                <a:endParaRPr lang="en-US" sz="3600" b="1" dirty="0">
-                  <a:latin typeface="Consolas" pitchFamily="49" charset="0"/>
-                  <a:cs typeface="Consolas" pitchFamily="49" charset="0"/>
-                </a:endParaRPr>
               </a:p>
             </p:txBody>
           </p:sp>
@@ -6687,16 +6528,12 @@
               <a:p>
                 <a:pPr algn="ctr"/>
                 <a:r>
-                  <a:rPr lang="en-US" sz="3600" b="1" dirty="0" smtClean="0">
+                  <a:rPr lang="en-US" sz="3600" b="1" dirty="0">
                     <a:latin typeface="Consolas" pitchFamily="49" charset="0"/>
                     <a:cs typeface="Consolas" pitchFamily="49" charset="0"/>
                   </a:rPr>
                   <a:t>x5</a:t>
                 </a:r>
-                <a:endParaRPr lang="en-US" sz="3600" b="1" dirty="0">
-                  <a:latin typeface="Consolas" pitchFamily="49" charset="0"/>
-                  <a:cs typeface="Consolas" pitchFamily="49" charset="0"/>
-                </a:endParaRPr>
               </a:p>
             </p:txBody>
           </p:sp>
@@ -6845,16 +6682,12 @@
             <a:p>
               <a:pPr algn="ctr"/>
               <a:r>
-                <a:rPr lang="en-US" sz="3600" b="1" dirty="0" smtClean="0">
+                <a:rPr lang="en-US" sz="3600" b="1" dirty="0">
                   <a:latin typeface="Consolas" pitchFamily="49" charset="0"/>
                   <a:cs typeface="Consolas" pitchFamily="49" charset="0"/>
                 </a:rPr>
                 <a:t>(f x1 a)</a:t>
               </a:r>
-              <a:endParaRPr lang="en-US" sz="3600" b="1" dirty="0">
-                <a:latin typeface="Consolas" pitchFamily="49" charset="0"/>
-                <a:cs typeface="Consolas" pitchFamily="49" charset="0"/>
-              </a:endParaRPr>
             </a:p>
           </p:txBody>
         </p:sp>
@@ -7103,13 +6936,6 @@
   <p:clrMapOvr>
     <a:masterClrMapping/>
   </p:clrMapOvr>
-  <p:timing>
-    <p:tnLst>
-      <p:par>
-        <p:cTn id="1" dur="indefinite" restart="never" nodeType="tmRoot"/>
-      </p:par>
-    </p:tnLst>
-  </p:timing>
 </p:sld>
 </file>
 
@@ -7146,10 +6972,9 @@
           <a:lstStyle/>
           <a:p>
             <a:r>
-              <a:rPr lang="en-US" dirty="0" smtClean="0"/>
+              <a:rPr lang="en-US" dirty="0"/>
               <a:t>So for a non-empty list</a:t>
             </a:r>
-            <a:endParaRPr lang="en-US" dirty="0"/>
           </a:p>
         </p:txBody>
       </p:sp>
@@ -7169,52 +6994,47 @@
           <a:lstStyle/>
           <a:p>
             <a:r>
-              <a:rPr lang="en-US" dirty="0" smtClean="0"/>
+              <a:rPr lang="en-US" dirty="0"/>
               <a:t>(</a:t>
             </a:r>
             <a:r>
-              <a:rPr lang="en-US" dirty="0" err="1" smtClean="0"/>
+              <a:rPr lang="en-US" dirty="0" err="1"/>
               <a:t>foldl</a:t>
             </a:r>
             <a:r>
-              <a:rPr lang="en-US" dirty="0" smtClean="0"/>
+              <a:rPr lang="en-US" dirty="0"/>
               <a:t> f a (cons x1 </a:t>
             </a:r>
             <a:r>
-              <a:rPr lang="en-US" dirty="0" err="1" smtClean="0"/>
+              <a:rPr lang="en-US" dirty="0" err="1"/>
               <a:t>lst</a:t>
             </a:r>
             <a:r>
-              <a:rPr lang="en-US" dirty="0" smtClean="0"/>
+              <a:rPr lang="en-US" dirty="0"/>
               <a:t>))</a:t>
             </a:r>
           </a:p>
           <a:p>
             <a:r>
               <a:rPr lang="en-US" dirty="0"/>
-              <a:t> </a:t>
-            </a:r>
-            <a:r>
-              <a:rPr lang="en-US" dirty="0" smtClean="0"/>
-              <a:t> = (</a:t>
-            </a:r>
-            <a:r>
-              <a:rPr lang="en-US" dirty="0" err="1" smtClean="0"/>
+              <a:t>  = (</a:t>
+            </a:r>
+            <a:r>
+              <a:rPr lang="en-US" dirty="0" err="1"/>
               <a:t>foldl</a:t>
             </a:r>
             <a:r>
-              <a:rPr lang="en-US" dirty="0" smtClean="0"/>
+              <a:rPr lang="en-US" dirty="0"/>
               <a:t> f (f x1 a) </a:t>
             </a:r>
             <a:r>
-              <a:rPr lang="en-US" dirty="0" err="1" smtClean="0"/>
+              <a:rPr lang="en-US" dirty="0" err="1"/>
               <a:t>lst</a:t>
             </a:r>
             <a:r>
-              <a:rPr lang="en-US" dirty="0" smtClean="0"/>
+              <a:rPr lang="en-US" dirty="0"/>
               <a:t>)</a:t>
             </a:r>
-            <a:endParaRPr lang="en-US" dirty="0"/>
           </a:p>
         </p:txBody>
       </p:sp>
@@ -7251,13 +7071,6 @@
   <p:clrMapOvr>
     <a:masterClrMapping/>
   </p:clrMapOvr>
-  <p:timing>
-    <p:tnLst>
-      <p:par>
-        <p:cTn id="1" dur="indefinite" restart="never" nodeType="tmRoot"/>
-      </p:par>
-    </p:tnLst>
-  </p:timing>
 </p:sld>
 </file>
 
@@ -7294,10 +7107,9 @@
           <a:lstStyle/>
           <a:p>
             <a:r>
-              <a:rPr lang="en-US" dirty="0" smtClean="0"/>
+              <a:rPr lang="en-US" dirty="0"/>
               <a:t>Putting this together</a:t>
             </a:r>
-            <a:endParaRPr lang="en-US" dirty="0"/>
           </a:p>
         </p:txBody>
       </p:sp>
@@ -7317,113 +7129,92 @@
           <a:lstStyle/>
           <a:p>
             <a:r>
-              <a:rPr lang="en-US" dirty="0" smtClean="0"/>
+              <a:rPr lang="en-US" dirty="0"/>
               <a:t>(define (</a:t>
             </a:r>
             <a:r>
-              <a:rPr lang="en-US" dirty="0" err="1" smtClean="0"/>
+              <a:rPr lang="en-US" dirty="0" err="1"/>
               <a:t>foldl</a:t>
             </a:r>
             <a:r>
-              <a:rPr lang="en-US" dirty="0" smtClean="0"/>
+              <a:rPr lang="en-US" dirty="0"/>
               <a:t> f a </a:t>
             </a:r>
             <a:r>
-              <a:rPr lang="en-US" dirty="0" err="1" smtClean="0"/>
+              <a:rPr lang="en-US" dirty="0" err="1"/>
               <a:t>lst</a:t>
             </a:r>
             <a:r>
-              <a:rPr lang="en-US" dirty="0" smtClean="0"/>
+              <a:rPr lang="en-US" dirty="0"/>
               <a:t>)</a:t>
             </a:r>
           </a:p>
           <a:p>
             <a:r>
               <a:rPr lang="en-US" dirty="0"/>
-              <a:t> </a:t>
-            </a:r>
-            <a:r>
-              <a:rPr lang="en-US" dirty="0" smtClean="0"/>
-              <a:t> (</a:t>
-            </a:r>
-            <a:r>
-              <a:rPr lang="en-US" dirty="0" err="1" smtClean="0"/>
+              <a:t>  (</a:t>
+            </a:r>
+            <a:r>
+              <a:rPr lang="en-US" dirty="0" err="1"/>
               <a:t>cond</a:t>
             </a:r>
-            <a:endParaRPr lang="en-US" dirty="0" smtClean="0"/>
+            <a:endParaRPr lang="en-US" dirty="0"/>
           </a:p>
           <a:p>
             <a:r>
               <a:rPr lang="en-US" dirty="0"/>
-              <a:t> </a:t>
-            </a:r>
-            <a:r>
-              <a:rPr lang="en-US" dirty="0" smtClean="0"/>
-              <a:t>   [(empty? </a:t>
-            </a:r>
-            <a:r>
-              <a:rPr lang="en-US" dirty="0" err="1" smtClean="0"/>
+              <a:t>    [(empty? </a:t>
+            </a:r>
+            <a:r>
+              <a:rPr lang="en-US" dirty="0" err="1"/>
               <a:t>lst</a:t>
             </a:r>
             <a:r>
-              <a:rPr lang="en-US" dirty="0" smtClean="0"/>
+              <a:rPr lang="en-US" dirty="0"/>
               <a:t>) a]</a:t>
             </a:r>
           </a:p>
           <a:p>
             <a:r>
               <a:rPr lang="en-US" dirty="0"/>
-              <a:t> </a:t>
-            </a:r>
-            <a:r>
-              <a:rPr lang="en-US" dirty="0" smtClean="0"/>
-              <a:t>   [else (</a:t>
-            </a:r>
-            <a:r>
-              <a:rPr lang="en-US" dirty="0" err="1" smtClean="0"/>
+              <a:t>    [else (</a:t>
+            </a:r>
+            <a:r>
+              <a:rPr lang="en-US" dirty="0" err="1"/>
               <a:t>foldl</a:t>
             </a:r>
             <a:r>
-              <a:rPr lang="en-US" dirty="0" smtClean="0"/>
+              <a:rPr lang="en-US" dirty="0"/>
               <a:t> f </a:t>
             </a:r>
           </a:p>
           <a:p>
             <a:r>
               <a:rPr lang="en-US" dirty="0"/>
-              <a:t> </a:t>
-            </a:r>
-            <a:r>
-              <a:rPr lang="en-US" dirty="0" smtClean="0"/>
-              <a:t>                (f (first </a:t>
-            </a:r>
-            <a:r>
-              <a:rPr lang="en-US" dirty="0" err="1" smtClean="0"/>
+              <a:t>                 (f (first </a:t>
+            </a:r>
+            <a:r>
+              <a:rPr lang="en-US" dirty="0" err="1"/>
               <a:t>lst</a:t>
             </a:r>
             <a:r>
-              <a:rPr lang="en-US" dirty="0" smtClean="0"/>
+              <a:rPr lang="en-US" dirty="0"/>
               <a:t>) a)</a:t>
             </a:r>
           </a:p>
           <a:p>
             <a:r>
               <a:rPr lang="en-US" dirty="0"/>
-              <a:t> </a:t>
-            </a:r>
-            <a:r>
-              <a:rPr lang="en-US" dirty="0" smtClean="0"/>
-              <a:t>                (rest </a:t>
-            </a:r>
-            <a:r>
-              <a:rPr lang="en-US" dirty="0" err="1" smtClean="0"/>
+              <a:t>                 (rest </a:t>
+            </a:r>
+            <a:r>
+              <a:rPr lang="en-US" dirty="0" err="1"/>
               <a:t>lst</a:t>
             </a:r>
             <a:r>
-              <a:rPr lang="en-US" dirty="0" smtClean="0"/>
+              <a:rPr lang="en-US" dirty="0"/>
               <a:t>))]))</a:t>
             </a:r>
-            <a:endParaRPr lang="en-US" dirty="0"/>
           </a:p>
         </p:txBody>
       </p:sp>
@@ -7460,13 +7251,6 @@
   <p:clrMapOvr>
     <a:masterClrMapping/>
   </p:clrMapOvr>
-  <p:timing>
-    <p:tnLst>
-      <p:par>
-        <p:cTn id="1" dur="indefinite" restart="never" nodeType="tmRoot"/>
-      </p:par>
-    </p:tnLst>
-  </p:timing>
 </p:sld>
 </file>
 
@@ -7503,10 +7287,9 @@
           <a:lstStyle/>
           <a:p>
             <a:r>
-              <a:rPr lang="en-US" dirty="0" smtClean="0"/>
+              <a:rPr lang="en-US" dirty="0"/>
               <a:t>Let's do a computation</a:t>
             </a:r>
-            <a:endParaRPr lang="en-US" dirty="0"/>
           </a:p>
         </p:txBody>
       </p:sp>
@@ -7520,17 +7303,22 @@
             <p:ph idx="1"/>
           </p:nvPr>
         </p:nvSpPr>
-        <p:spPr/>
+        <p:spPr>
+          <a:xfrm>
+            <a:off x="457200" y="1600200"/>
+            <a:ext cx="8507046" cy="4525963"/>
+          </a:xfrm>
+        </p:spPr>
         <p:txBody>
           <a:bodyPr/>
           <a:lstStyle/>
           <a:p>
             <a:r>
-              <a:rPr lang="en-US" dirty="0" smtClean="0"/>
+              <a:rPr lang="en-US" dirty="0"/>
               <a:t>  (</a:t>
             </a:r>
             <a:r>
-              <a:rPr lang="en-US" dirty="0" err="1" smtClean="0">
+              <a:rPr lang="en-US" dirty="0" err="1">
                 <a:solidFill>
                   <a:srgbClr val="FF0000"/>
                 </a:solidFill>
@@ -7538,7 +7326,7 @@
               <a:t>foldl</a:t>
             </a:r>
             <a:r>
-              <a:rPr lang="en-US" dirty="0" smtClean="0">
+              <a:rPr lang="en-US" dirty="0">
                 <a:solidFill>
                   <a:srgbClr val="FF0000"/>
                 </a:solidFill>
@@ -7546,17 +7334,17 @@
               <a:t> </a:t>
             </a:r>
             <a:r>
-              <a:rPr lang="en-US" dirty="0" smtClean="0"/>
+              <a:rPr lang="en-US" dirty="0"/>
               <a:t>- 1 (list 20 10 2))</a:t>
             </a:r>
           </a:p>
           <a:p>
             <a:r>
-              <a:rPr lang="en-US" dirty="0" smtClean="0"/>
+              <a:rPr lang="en-US" dirty="0"/>
               <a:t>= (</a:t>
             </a:r>
             <a:r>
-              <a:rPr lang="en-US" dirty="0" err="1" smtClean="0">
+              <a:rPr lang="en-US" dirty="0" err="1">
                 <a:solidFill>
                   <a:srgbClr val="FF0000"/>
                 </a:solidFill>
@@ -7564,7 +7352,7 @@
               <a:t>foldl</a:t>
             </a:r>
             <a:r>
-              <a:rPr lang="en-US" dirty="0" smtClean="0">
+              <a:rPr lang="en-US" dirty="0">
                 <a:solidFill>
                   <a:srgbClr val="FF0000"/>
                 </a:solidFill>
@@ -7572,11 +7360,11 @@
               <a:t> </a:t>
             </a:r>
             <a:r>
-              <a:rPr lang="en-US" dirty="0" smtClean="0"/>
+              <a:rPr lang="en-US" dirty="0"/>
               <a:t>-</a:t>
             </a:r>
             <a:r>
-              <a:rPr lang="en-US" dirty="0" smtClean="0">
+              <a:rPr lang="en-US" dirty="0">
                 <a:solidFill>
                   <a:srgbClr val="FF0000"/>
                 </a:solidFill>
@@ -7584,21 +7372,21 @@
               <a:t> </a:t>
             </a:r>
             <a:r>
-              <a:rPr lang="en-US" dirty="0" smtClean="0"/>
+              <a:rPr lang="en-US" dirty="0"/>
               <a:t>19 (list 10 2)) </a:t>
             </a:r>
             <a:r>
-              <a:rPr lang="en-US" sz="2400" dirty="0" smtClean="0"/>
+              <a:rPr lang="en-US" sz="2400" dirty="0"/>
               <a:t>;20-1 = 19</a:t>
             </a:r>
           </a:p>
           <a:p>
             <a:r>
-              <a:rPr lang="en-US" dirty="0" smtClean="0"/>
+              <a:rPr lang="en-US" dirty="0"/>
               <a:t>= (</a:t>
             </a:r>
             <a:r>
-              <a:rPr lang="en-US" dirty="0" err="1" smtClean="0">
+              <a:rPr lang="en-US" dirty="0" err="1">
                 <a:solidFill>
                   <a:srgbClr val="FF0000"/>
                 </a:solidFill>
@@ -7606,7 +7394,7 @@
               <a:t>foldl</a:t>
             </a:r>
             <a:r>
-              <a:rPr lang="en-US" dirty="0" smtClean="0">
+              <a:rPr lang="en-US" dirty="0">
                 <a:solidFill>
                   <a:srgbClr val="FF0000"/>
                 </a:solidFill>
@@ -7614,11 +7402,11 @@
               <a:t> </a:t>
             </a:r>
             <a:r>
-              <a:rPr lang="en-US" dirty="0" smtClean="0"/>
+              <a:rPr lang="en-US" dirty="0"/>
               <a:t>-</a:t>
             </a:r>
             <a:r>
-              <a:rPr lang="en-US" dirty="0" smtClean="0">
+              <a:rPr lang="en-US" dirty="0">
                 <a:solidFill>
                   <a:srgbClr val="FF0000"/>
                 </a:solidFill>
@@ -7626,21 +7414,21 @@
               <a:t> </a:t>
             </a:r>
             <a:r>
-              <a:rPr lang="en-US" dirty="0" smtClean="0"/>
-              <a:t>-9 (list 2))   </a:t>
-            </a:r>
-            <a:r>
-              <a:rPr lang="en-US" sz="2400" dirty="0" smtClean="0"/>
+              <a:rPr lang="en-US" dirty="0"/>
+              <a:t>-9 (list 2))    </a:t>
+            </a:r>
+            <a:r>
+              <a:rPr lang="en-US" sz="2400" dirty="0"/>
               <a:t>;10-19 = -9</a:t>
             </a:r>
           </a:p>
           <a:p>
             <a:r>
-              <a:rPr lang="en-US" dirty="0" smtClean="0"/>
+              <a:rPr lang="en-US" dirty="0"/>
               <a:t>= (</a:t>
             </a:r>
             <a:r>
-              <a:rPr lang="en-US" dirty="0" err="1" smtClean="0">
+              <a:rPr lang="en-US" dirty="0" err="1">
                 <a:solidFill>
                   <a:srgbClr val="FF0000"/>
                 </a:solidFill>
@@ -7648,7 +7436,7 @@
               <a:t>foldl</a:t>
             </a:r>
             <a:r>
-              <a:rPr lang="en-US" dirty="0" smtClean="0">
+              <a:rPr lang="en-US" dirty="0">
                 <a:solidFill>
                   <a:srgbClr val="FF0000"/>
                 </a:solidFill>
@@ -7656,11 +7444,11 @@
               <a:t> </a:t>
             </a:r>
             <a:r>
-              <a:rPr lang="en-US" dirty="0" smtClean="0"/>
+              <a:rPr lang="en-US" dirty="0"/>
               <a:t>-</a:t>
             </a:r>
             <a:r>
-              <a:rPr lang="en-US" dirty="0" smtClean="0">
+              <a:rPr lang="en-US" dirty="0">
                 <a:solidFill>
                   <a:srgbClr val="FF0000"/>
                 </a:solidFill>
@@ -7668,20 +7456,19 @@
               <a:t> </a:t>
             </a:r>
             <a:r>
-              <a:rPr lang="en-US" dirty="0" smtClean="0"/>
-              <a:t>11 empty)      </a:t>
-            </a:r>
-            <a:r>
-              <a:rPr lang="en-US" sz="2400" dirty="0" smtClean="0"/>
+              <a:rPr lang="en-US" dirty="0"/>
+              <a:t>11 empty)       </a:t>
+            </a:r>
+            <a:r>
+              <a:rPr lang="en-US" sz="2400" dirty="0"/>
               <a:t>;2-(-9) = 11</a:t>
             </a:r>
           </a:p>
           <a:p>
             <a:r>
-              <a:rPr lang="en-US" dirty="0" smtClean="0"/>
+              <a:rPr lang="en-US" dirty="0"/>
               <a:t>= 11</a:t>
             </a:r>
-            <a:endParaRPr lang="en-US" dirty="0"/>
           </a:p>
         </p:txBody>
       </p:sp>
@@ -7718,13 +7505,6 @@
   <p:clrMapOvr>
     <a:masterClrMapping/>
   </p:clrMapOvr>
-  <p:timing>
-    <p:tnLst>
-      <p:par>
-        <p:cTn id="1" dur="indefinite" restart="never" nodeType="tmRoot"/>
-      </p:par>
-    </p:tnLst>
-  </p:timing>
 </p:sld>
 </file>
 
@@ -7761,10 +7541,9 @@
           <a:lstStyle/>
           <a:p>
             <a:r>
-              <a:rPr lang="en-US" dirty="0" smtClean="0"/>
+              <a:rPr lang="en-US" dirty="0"/>
               <a:t>What's the contract?</a:t>
             </a:r>
-            <a:endParaRPr lang="en-US" dirty="0"/>
           </a:p>
         </p:txBody>
       </p:sp>
@@ -7783,19 +7562,19 @@
           <a:bodyPr/>
           <a:lstStyle/>
           <a:p>
-            <a:endParaRPr lang="en-US" dirty="0" smtClean="0"/>
-          </a:p>
-          <a:p>
-            <a:endParaRPr lang="en-US" dirty="0" smtClean="0"/>
-          </a:p>
-          <a:p>
-            <a:endParaRPr lang="en-US" dirty="0" smtClean="0"/>
-          </a:p>
-          <a:p>
-            <a:endParaRPr lang="en-US" dirty="0" smtClean="0"/>
-          </a:p>
-          <a:p>
-            <a:endParaRPr lang="en-US" dirty="0" smtClean="0"/>
+            <a:endParaRPr lang="en-US" dirty="0"/>
+          </a:p>
+          <a:p>
+            <a:endParaRPr lang="en-US" dirty="0"/>
+          </a:p>
+          <a:p>
+            <a:endParaRPr lang="en-US" dirty="0"/>
+          </a:p>
+          <a:p>
+            <a:endParaRPr lang="en-US" dirty="0"/>
+          </a:p>
+          <a:p>
+            <a:endParaRPr lang="en-US" dirty="0"/>
           </a:p>
           <a:p>
             <a:endParaRPr lang="en-US" dirty="0"/>
@@ -7894,16 +7673,12 @@
             <a:p>
               <a:pPr algn="ctr"/>
               <a:r>
-                <a:rPr lang="en-US" sz="3600" b="1" dirty="0" smtClean="0">
+                <a:rPr lang="en-US" sz="3600" b="1" dirty="0">
                   <a:latin typeface="Consolas" pitchFamily="49" charset="0"/>
                   <a:cs typeface="Consolas" pitchFamily="49" charset="0"/>
                 </a:rPr>
                 <a:t>(</a:t>
               </a:r>
-              <a:endParaRPr lang="en-US" sz="3600" b="1" dirty="0">
-                <a:latin typeface="Consolas" pitchFamily="49" charset="0"/>
-                <a:cs typeface="Consolas" pitchFamily="49" charset="0"/>
-              </a:endParaRPr>
             </a:p>
           </p:txBody>
         </p:sp>
@@ -7954,16 +7729,12 @@
             <a:p>
               <a:pPr algn="ctr"/>
               <a:r>
-                <a:rPr lang="en-US" sz="3600" b="1" dirty="0" smtClean="0">
+                <a:rPr lang="en-US" sz="3600" b="1" dirty="0">
                   <a:latin typeface="Consolas" pitchFamily="49" charset="0"/>
                   <a:cs typeface="Consolas" pitchFamily="49" charset="0"/>
                 </a:rPr>
                 <a:t>)</a:t>
               </a:r>
-              <a:endParaRPr lang="en-US" sz="3600" b="1" dirty="0">
-                <a:latin typeface="Consolas" pitchFamily="49" charset="0"/>
-                <a:cs typeface="Consolas" pitchFamily="49" charset="0"/>
-              </a:endParaRPr>
             </a:p>
           </p:txBody>
         </p:sp>
@@ -8028,16 +7799,12 @@
               <a:p>
                 <a:pPr algn="ctr"/>
                 <a:r>
-                  <a:rPr lang="en-US" sz="3600" b="1" dirty="0" smtClean="0">
+                  <a:rPr lang="en-US" sz="3600" b="1" dirty="0">
                     <a:latin typeface="Consolas" pitchFamily="49" charset="0"/>
                     <a:cs typeface="Consolas" pitchFamily="49" charset="0"/>
                   </a:rPr>
                   <a:t>x1</a:t>
                 </a:r>
-                <a:endParaRPr lang="en-US" sz="3600" b="1" dirty="0">
-                  <a:latin typeface="Consolas" pitchFamily="49" charset="0"/>
-                  <a:cs typeface="Consolas" pitchFamily="49" charset="0"/>
-                </a:endParaRPr>
               </a:p>
             </p:txBody>
           </p:sp>
@@ -8198,16 +7965,12 @@
               <a:p>
                 <a:pPr algn="ctr"/>
                 <a:r>
-                  <a:rPr lang="en-US" sz="3600" b="1" dirty="0" smtClean="0">
+                  <a:rPr lang="en-US" sz="3600" b="1" dirty="0">
                     <a:latin typeface="Consolas" pitchFamily="49" charset="0"/>
                     <a:cs typeface="Consolas" pitchFamily="49" charset="0"/>
                   </a:rPr>
                   <a:t>x3</a:t>
                 </a:r>
-                <a:endParaRPr lang="en-US" sz="3600" b="1" dirty="0">
-                  <a:latin typeface="Consolas" pitchFamily="49" charset="0"/>
-                  <a:cs typeface="Consolas" pitchFamily="49" charset="0"/>
-                </a:endParaRPr>
               </a:p>
             </p:txBody>
           </p:sp>
@@ -8368,16 +8131,12 @@
               <a:p>
                 <a:pPr algn="ctr"/>
                 <a:r>
-                  <a:rPr lang="en-US" sz="3600" b="1" dirty="0" smtClean="0">
+                  <a:rPr lang="en-US" sz="3600" b="1" dirty="0">
                     <a:latin typeface="Consolas" pitchFamily="49" charset="0"/>
                     <a:cs typeface="Consolas" pitchFamily="49" charset="0"/>
                   </a:rPr>
                   <a:t>x2</a:t>
                 </a:r>
-                <a:endParaRPr lang="en-US" sz="3600" b="1" dirty="0">
-                  <a:latin typeface="Consolas" pitchFamily="49" charset="0"/>
-                  <a:cs typeface="Consolas" pitchFamily="49" charset="0"/>
-                </a:endParaRPr>
               </a:p>
             </p:txBody>
           </p:sp>
@@ -8543,16 +8302,12 @@
               <a:p>
                 <a:pPr algn="ctr"/>
                 <a:r>
-                  <a:rPr lang="en-US" sz="3600" b="1" dirty="0" smtClean="0">
+                  <a:rPr lang="en-US" sz="3600" b="1" dirty="0">
                     <a:latin typeface="Consolas" pitchFamily="49" charset="0"/>
                     <a:cs typeface="Consolas" pitchFamily="49" charset="0"/>
                   </a:rPr>
                   <a:t>x4</a:t>
                 </a:r>
-                <a:endParaRPr lang="en-US" sz="3600" b="1" dirty="0">
-                  <a:latin typeface="Consolas" pitchFamily="49" charset="0"/>
-                  <a:cs typeface="Consolas" pitchFamily="49" charset="0"/>
-                </a:endParaRPr>
               </a:p>
             </p:txBody>
           </p:sp>
@@ -8713,16 +8468,12 @@
               <a:p>
                 <a:pPr algn="ctr"/>
                 <a:r>
-                  <a:rPr lang="en-US" sz="3600" b="1" dirty="0" smtClean="0">
+                  <a:rPr lang="en-US" sz="3600" b="1" dirty="0">
                     <a:latin typeface="Consolas" pitchFamily="49" charset="0"/>
                     <a:cs typeface="Consolas" pitchFamily="49" charset="0"/>
                   </a:rPr>
                   <a:t>x5</a:t>
                 </a:r>
-                <a:endParaRPr lang="en-US" sz="3600" b="1" dirty="0">
-                  <a:latin typeface="Consolas" pitchFamily="49" charset="0"/>
-                  <a:cs typeface="Consolas" pitchFamily="49" charset="0"/>
-                </a:endParaRPr>
               </a:p>
             </p:txBody>
           </p:sp>
@@ -8867,16 +8618,12 @@
             <a:p>
               <a:pPr algn="ctr"/>
               <a:r>
-                <a:rPr lang="en-US" sz="3600" b="1" dirty="0" smtClean="0">
+                <a:rPr lang="en-US" sz="3600" b="1" dirty="0">
                   <a:latin typeface="Consolas" pitchFamily="49" charset="0"/>
                   <a:cs typeface="Consolas" pitchFamily="49" charset="0"/>
                 </a:rPr>
                 <a:t>a</a:t>
               </a:r>
-              <a:endParaRPr lang="en-US" sz="3600" b="1" dirty="0">
-                <a:latin typeface="Consolas" pitchFamily="49" charset="0"/>
-                <a:cs typeface="Consolas" pitchFamily="49" charset="0"/>
-              </a:endParaRPr>
             </a:p>
           </p:txBody>
         </p:sp>
@@ -9120,37 +8867,33 @@
           <a:lstStyle/>
           <a:p>
             <a:r>
-              <a:rPr lang="en-US" sz="3200" dirty="0" smtClean="0"/>
+              <a:rPr lang="en-US" sz="3200" dirty="0"/>
               <a:t>This part is like foldr: We can label all the vertical arrows as X's and all the horizontal arrows as Y's, so the contract becomes</a:t>
             </a:r>
           </a:p>
           <a:p>
             <a:pPr algn="ctr"/>
             <a:r>
-              <a:rPr lang="en-US" sz="3200" b="1" dirty="0" smtClean="0">
+              <a:rPr lang="en-US" sz="3200" b="1" dirty="0">
                 <a:latin typeface="Consolas" panose="020B0609020204030204" pitchFamily="49" charset="0"/>
                 <a:cs typeface="Consolas" panose="020B0609020204030204" pitchFamily="49" charset="0"/>
               </a:rPr>
               <a:t>(X Y -&gt; Y) Y </a:t>
             </a:r>
             <a:r>
-              <a:rPr lang="en-US" sz="3200" b="1" dirty="0" err="1" smtClean="0">
+              <a:rPr lang="en-US" sz="3200" b="1" dirty="0" err="1">
                 <a:latin typeface="Consolas" panose="020B0609020204030204" pitchFamily="49" charset="0"/>
                 <a:cs typeface="Consolas" panose="020B0609020204030204" pitchFamily="49" charset="0"/>
               </a:rPr>
               <a:t>ListOfX</a:t>
             </a:r>
             <a:r>
-              <a:rPr lang="en-US" sz="3200" b="1" dirty="0" smtClean="0">
+              <a:rPr lang="en-US" sz="3200" b="1" dirty="0">
                 <a:latin typeface="Consolas" panose="020B0609020204030204" pitchFamily="49" charset="0"/>
                 <a:cs typeface="Consolas" panose="020B0609020204030204" pitchFamily="49" charset="0"/>
               </a:rPr>
               <a:t> -&gt; Y</a:t>
             </a:r>
-            <a:endParaRPr lang="en-US" sz="3200" b="1" dirty="0">
-              <a:latin typeface="Consolas" panose="020B0609020204030204" pitchFamily="49" charset="0"/>
-              <a:cs typeface="Consolas" panose="020B0609020204030204" pitchFamily="49" charset="0"/>
-            </a:endParaRPr>
           </a:p>
         </p:txBody>
       </p:sp>
@@ -9164,13 +8907,6 @@
   <p:clrMapOvr>
     <a:masterClrMapping/>
   </p:clrMapOvr>
-  <p:timing>
-    <p:tnLst>
-      <p:par>
-        <p:cTn id="1" dur="indefinite" restart="never" nodeType="tmRoot"/>
-      </p:par>
-    </p:tnLst>
-  </p:timing>
 </p:sld>
 </file>
 
@@ -9207,10 +8943,9 @@
           <a:lstStyle/>
           <a:p>
             <a:r>
-              <a:rPr lang="en-US" dirty="0" smtClean="0"/>
+              <a:rPr lang="en-US" dirty="0"/>
               <a:t>Purpose Statement (1)</a:t>
             </a:r>
-            <a:endParaRPr lang="en-US" dirty="0"/>
           </a:p>
         </p:txBody>
       </p:sp>
@@ -9230,7 +8965,7 @@
           <a:lstStyle/>
           <a:p>
             <a:r>
-              <a:rPr lang="en-US" dirty="0" smtClean="0"/>
+              <a:rPr lang="en-US" dirty="0"/>
               <a:t>Textbook description:</a:t>
             </a:r>
           </a:p>
@@ -9246,28 +8981,21 @@
               <a:t>;; </a:t>
             </a:r>
             <a:r>
-              <a:rPr lang="en-US" sz="2800" b="1" dirty="0" err="1" smtClean="0">
+              <a:rPr lang="en-US" sz="2800" b="1" dirty="0" err="1">
                 <a:latin typeface="Consolas" pitchFamily="49" charset="0"/>
                 <a:cs typeface="Consolas" pitchFamily="49" charset="0"/>
               </a:rPr>
               <a:t>foldl</a:t>
             </a:r>
             <a:r>
-              <a:rPr lang="en-US" sz="2800" b="1" dirty="0" smtClean="0">
-                <a:latin typeface="Consolas" pitchFamily="49" charset="0"/>
-                <a:cs typeface="Consolas" pitchFamily="49" charset="0"/>
-              </a:rPr>
-              <a:t> </a:t>
-            </a:r>
-            <a:r>
               <a:rPr lang="en-US" sz="2800" b="1" dirty="0">
                 <a:latin typeface="Consolas" pitchFamily="49" charset="0"/>
                 <a:cs typeface="Consolas" pitchFamily="49" charset="0"/>
               </a:rPr>
-              <a:t>: (X Y -&gt; Y) Y </a:t>
-            </a:r>
-            <a:r>
-              <a:rPr lang="en-US" sz="2800" b="1" dirty="0" err="1" smtClean="0">
+              <a:t> : (X Y -&gt; Y) Y </a:t>
+            </a:r>
+            <a:r>
+              <a:rPr lang="en-US" sz="2800" b="1" dirty="0" err="1">
                 <a:latin typeface="Consolas" pitchFamily="49" charset="0"/>
                 <a:cs typeface="Consolas" pitchFamily="49" charset="0"/>
               </a:rPr>
@@ -9293,25 +9021,18 @@
               <a:t>;; (</a:t>
             </a:r>
             <a:r>
-              <a:rPr lang="en-US" sz="2800" b="1" dirty="0" err="1" smtClean="0">
+              <a:rPr lang="en-US" sz="2800" b="1" dirty="0" err="1">
                 <a:latin typeface="Consolas" pitchFamily="49" charset="0"/>
                 <a:cs typeface="Consolas" pitchFamily="49" charset="0"/>
               </a:rPr>
               <a:t>foldl</a:t>
             </a:r>
             <a:r>
-              <a:rPr lang="en-US" sz="2800" b="1" dirty="0" smtClean="0">
-                <a:latin typeface="Consolas" pitchFamily="49" charset="0"/>
-                <a:cs typeface="Consolas" pitchFamily="49" charset="0"/>
-              </a:rPr>
-              <a:t> </a:t>
-            </a:r>
-            <a:r>
               <a:rPr lang="en-US" sz="2800" b="1" dirty="0">
                 <a:latin typeface="Consolas" pitchFamily="49" charset="0"/>
                 <a:cs typeface="Consolas" pitchFamily="49" charset="0"/>
               </a:rPr>
-              <a:t>f base (list x_1 ... </a:t>
+              <a:t> f base (list x_1 ... </a:t>
             </a:r>
             <a:r>
               <a:rPr lang="en-US" sz="2800" b="1" dirty="0" err="1">
@@ -9340,46 +9061,25 @@
               <a:t>;;   = (f </a:t>
             </a:r>
             <a:r>
-              <a:rPr lang="en-US" sz="2800" b="1" dirty="0" err="1" smtClean="0">
+              <a:rPr lang="en-US" sz="2800" b="1" dirty="0" err="1">
                 <a:latin typeface="Consolas" pitchFamily="49" charset="0"/>
                 <a:cs typeface="Consolas" pitchFamily="49" charset="0"/>
               </a:rPr>
               <a:t>x_n</a:t>
             </a:r>
             <a:r>
-              <a:rPr lang="en-US" sz="2800" b="1" dirty="0" smtClean="0">
-                <a:latin typeface="Consolas" pitchFamily="49" charset="0"/>
-                <a:cs typeface="Consolas" pitchFamily="49" charset="0"/>
-              </a:rPr>
-              <a:t> </a:t>
-            </a:r>
-            <a:r>
               <a:rPr lang="en-US" sz="2800" b="1" dirty="0">
                 <a:latin typeface="Consolas" pitchFamily="49" charset="0"/>
                 <a:cs typeface="Consolas" pitchFamily="49" charset="0"/>
               </a:rPr>
-              <a:t>... (f </a:t>
-            </a:r>
-            <a:r>
-              <a:rPr lang="en-US" sz="2800" b="1" dirty="0" smtClean="0">
-                <a:latin typeface="Consolas" pitchFamily="49" charset="0"/>
-                <a:cs typeface="Consolas" pitchFamily="49" charset="0"/>
-              </a:rPr>
-              <a:t>x_1 </a:t>
-            </a:r>
-            <a:r>
-              <a:rPr lang="en-US" sz="2800" b="1" dirty="0">
-                <a:latin typeface="Consolas" pitchFamily="49" charset="0"/>
-                <a:cs typeface="Consolas" pitchFamily="49" charset="0"/>
-              </a:rPr>
-              <a:t>base)) </a:t>
+              <a:t> ... (f x_1 base)) </a:t>
             </a:r>
           </a:p>
           <a:p>
             <a:pPr marL="0" indent="0">
               <a:buNone/>
             </a:pPr>
-            <a:endParaRPr lang="en-US" b="1" dirty="0" smtClean="0">
+            <a:endParaRPr lang="en-US" b="1" dirty="0">
               <a:latin typeface="Consolas" panose="020B0609020204030204" pitchFamily="49" charset="0"/>
               <a:cs typeface="Consolas" panose="020B0609020204030204" pitchFamily="49" charset="0"/>
             </a:endParaRPr>
@@ -9426,13 +9126,6 @@
   <p:clrMapOvr>
     <a:masterClrMapping/>
   </p:clrMapOvr>
-  <p:timing>
-    <p:tnLst>
-      <p:par>
-        <p:cTn id="1" dur="indefinite" restart="never" nodeType="tmRoot"/>
-      </p:par>
-    </p:tnLst>
-  </p:timing>
 </p:sld>
 </file>
 
@@ -9471,10 +9164,9 @@
           <a:lstStyle/>
           <a:p>
             <a:r>
-              <a:rPr lang="en-US" dirty="0" smtClean="0"/>
+              <a:rPr lang="en-US" dirty="0"/>
               <a:t>Can we describe this using an invariant?</a:t>
             </a:r>
-            <a:endParaRPr lang="en-US" dirty="0"/>
           </a:p>
         </p:txBody>
       </p:sp>
@@ -9496,63 +9188,59 @@
           <a:lstStyle/>
           <a:p>
             <a:r>
-              <a:rPr lang="en-US" dirty="0" smtClean="0"/>
+              <a:rPr lang="en-US" dirty="0"/>
               <a:t>To do this, let's think about where we are in the middle of a computation</a:t>
             </a:r>
           </a:p>
           <a:p>
-            <a:endParaRPr lang="en-US" dirty="0" smtClean="0"/>
-          </a:p>
-          <a:p>
-            <a:endParaRPr lang="en-US" dirty="0" smtClean="0"/>
-          </a:p>
-          <a:p>
-            <a:endParaRPr lang="en-US" dirty="0" smtClean="0"/>
-          </a:p>
-          <a:p>
-            <a:endParaRPr lang="en-US" dirty="0" smtClean="0"/>
-          </a:p>
-          <a:p>
             <a:endParaRPr lang="en-US" dirty="0"/>
           </a:p>
           <a:p>
-            <a:r>
-              <a:rPr lang="en-US" dirty="0" smtClean="0"/>
+            <a:endParaRPr lang="en-US" dirty="0"/>
+          </a:p>
+          <a:p>
+            <a:endParaRPr lang="en-US" dirty="0"/>
+          </a:p>
+          <a:p>
+            <a:endParaRPr lang="en-US" dirty="0"/>
+          </a:p>
+          <a:p>
+            <a:endParaRPr lang="en-US" dirty="0"/>
+          </a:p>
+          <a:p>
+            <a:r>
+              <a:rPr lang="en-US" dirty="0"/>
               <a:t>At this point, we've processed x1 and x2, and we are looking at the </a:t>
             </a:r>
             <a:r>
-              <a:rPr lang="en-US" dirty="0" err="1" smtClean="0"/>
+              <a:rPr lang="en-US" dirty="0" err="1"/>
               <a:t>sublist</a:t>
             </a:r>
             <a:r>
-              <a:rPr lang="en-US" dirty="0" smtClean="0"/>
+              <a:rPr lang="en-US" dirty="0"/>
               <a:t> </a:t>
             </a:r>
             <a:r>
-              <a:rPr lang="en-US" b="1" dirty="0" smtClean="0">
+              <a:rPr lang="en-US" b="1" dirty="0">
                 <a:latin typeface="Consolas" pitchFamily="49" charset="0"/>
                 <a:cs typeface="Consolas" pitchFamily="49" charset="0"/>
               </a:rPr>
               <a:t>(x3 ... </a:t>
             </a:r>
             <a:r>
-              <a:rPr lang="en-US" b="1" dirty="0" err="1" smtClean="0">
+              <a:rPr lang="en-US" b="1" dirty="0" err="1">
                 <a:latin typeface="Consolas" pitchFamily="49" charset="0"/>
                 <a:cs typeface="Consolas" pitchFamily="49" charset="0"/>
               </a:rPr>
               <a:t>xn</a:t>
             </a:r>
             <a:r>
-              <a:rPr lang="en-US" b="1" dirty="0" smtClean="0">
+              <a:rPr lang="en-US" b="1" dirty="0">
                 <a:latin typeface="Consolas" pitchFamily="49" charset="0"/>
                 <a:cs typeface="Consolas" pitchFamily="49" charset="0"/>
               </a:rPr>
               <a:t>)</a:t>
             </a:r>
-            <a:endParaRPr lang="en-US" b="1" dirty="0">
-              <a:latin typeface="Consolas" pitchFamily="49" charset="0"/>
-              <a:cs typeface="Consolas" pitchFamily="49" charset="0"/>
-            </a:endParaRPr>
           </a:p>
         </p:txBody>
       </p:sp>
@@ -9629,7 +9317,7 @@
             <a:lstStyle/>
             <a:p>
               <a:r>
-                <a:rPr lang="en-US" sz="3600" b="1" dirty="0" smtClean="0">
+                <a:rPr lang="en-US" sz="3600" b="1" dirty="0">
                   <a:solidFill>
                     <a:prstClr val="black"/>
                   </a:solidFill>
@@ -9639,7 +9327,7 @@
                 <a:t>(((a – x1) – x2) x3 ... – </a:t>
               </a:r>
               <a:r>
-                <a:rPr lang="en-US" sz="3600" b="1" dirty="0" err="1" smtClean="0">
+                <a:rPr lang="en-US" sz="3600" b="1" dirty="0" err="1">
                   <a:solidFill>
                     <a:prstClr val="black"/>
                   </a:solidFill>
@@ -9649,7 +9337,7 @@
                 <a:t>xn</a:t>
               </a:r>
               <a:r>
-                <a:rPr lang="en-US" sz="3600" b="1" dirty="0" smtClean="0">
+                <a:rPr lang="en-US" sz="3600" b="1" dirty="0">
                   <a:solidFill>
                     <a:prstClr val="black"/>
                   </a:solidFill>
@@ -9733,7 +9421,7 @@
             <a:lstStyle/>
             <a:p>
               <a:pPr algn="ctr"/>
-              <a:endParaRPr lang="en-US" sz="2400" dirty="0" smtClean="0">
+              <a:endParaRPr lang="en-US" sz="2400" dirty="0">
                 <a:solidFill>
                   <a:prstClr val="black"/>
                 </a:solidFill>
@@ -9752,13 +9440,6 @@
   <p:clrMapOvr>
     <a:masterClrMapping/>
   </p:clrMapOvr>
-  <p:timing>
-    <p:tnLst>
-      <p:par>
-        <p:cTn id="1" dur="indefinite" restart="never" nodeType="tmRoot"/>
-      </p:par>
-    </p:tnLst>
-  </p:timing>
 </p:sld>
 </file>
 
@@ -9795,10 +9476,9 @@
           <a:lstStyle/>
           <a:p>
             <a:r>
-              <a:rPr lang="en-US" dirty="0" smtClean="0"/>
+              <a:rPr lang="en-US" dirty="0"/>
               <a:t>Purpose Statement using invariant</a:t>
             </a:r>
-            <a:endParaRPr lang="en-US" dirty="0"/>
           </a:p>
         </p:txBody>
       </p:sp>
@@ -9820,26 +9500,26 @@
           <a:lstStyle/>
           <a:p>
             <a:r>
-              <a:rPr lang="en-US" sz="1800" dirty="0" smtClean="0"/>
+              <a:rPr lang="en-US" sz="1800" dirty="0"/>
               <a:t>GIVEN: a function f, a value a, and a </a:t>
             </a:r>
             <a:r>
-              <a:rPr lang="en-US" sz="1800" dirty="0" err="1" smtClean="0"/>
+              <a:rPr lang="en-US" sz="1800" dirty="0" err="1"/>
               <a:t>sublist</a:t>
             </a:r>
             <a:r>
-              <a:rPr lang="en-US" sz="1800" dirty="0" smtClean="0"/>
+              <a:rPr lang="en-US" sz="1800" dirty="0"/>
               <a:t> </a:t>
             </a:r>
             <a:r>
-              <a:rPr lang="en-US" sz="1800" dirty="0" err="1" smtClean="0"/>
+              <a:rPr lang="en-US" sz="1800" dirty="0" err="1"/>
               <a:t>lst</a:t>
             </a:r>
-            <a:endParaRPr lang="en-US" sz="1800" dirty="0" smtClean="0"/>
-          </a:p>
-          <a:p>
-            <a:r>
-              <a:rPr lang="en-US" sz="1800" dirty="0" smtClean="0">
+            <a:endParaRPr lang="en-US" sz="1800" dirty="0"/>
+          </a:p>
+          <a:p>
+            <a:r>
+              <a:rPr lang="en-US" sz="1800" dirty="0">
                 <a:solidFill>
                   <a:schemeClr val="accent3">
                     <a:lumMod val="75000"/>
@@ -9849,7 +9529,7 @@
               <a:t>WHERE: </a:t>
             </a:r>
             <a:r>
-              <a:rPr lang="en-US" sz="1800" dirty="0" err="1" smtClean="0">
+              <a:rPr lang="en-US" sz="1800" dirty="0" err="1">
                 <a:solidFill>
                   <a:schemeClr val="accent3">
                     <a:lumMod val="75000"/>
@@ -9859,7 +9539,7 @@
               <a:t>lst</a:t>
             </a:r>
             <a:r>
-              <a:rPr lang="en-US" sz="1800" dirty="0" smtClean="0">
+              <a:rPr lang="en-US" sz="1800" dirty="0">
                 <a:solidFill>
                   <a:schemeClr val="accent3">
                     <a:lumMod val="75000"/>
@@ -9869,7 +9549,7 @@
               <a:t> is a </a:t>
             </a:r>
             <a:r>
-              <a:rPr lang="en-US" sz="1800" dirty="0" err="1" smtClean="0">
+              <a:rPr lang="en-US" sz="1800" dirty="0" err="1">
                 <a:solidFill>
                   <a:schemeClr val="accent3">
                     <a:lumMod val="75000"/>
@@ -9879,7 +9559,7 @@
               <a:t>sublist</a:t>
             </a:r>
             <a:r>
-              <a:rPr lang="en-US" sz="1800" dirty="0" smtClean="0">
+              <a:rPr lang="en-US" sz="1800" dirty="0">
                 <a:solidFill>
                   <a:schemeClr val="accent3">
                     <a:lumMod val="75000"/>
@@ -9891,7 +9571,7 @@
           </a:p>
           <a:p>
             <a:r>
-              <a:rPr lang="en-US" sz="1800" dirty="0" smtClean="0">
+              <a:rPr lang="en-US" sz="1800" dirty="0">
                 <a:solidFill>
                   <a:schemeClr val="accent3">
                     <a:lumMod val="75000"/>
@@ -9903,7 +9583,7 @@
           </a:p>
           <a:p>
             <a:r>
-              <a:rPr lang="en-US" sz="1800" dirty="0" smtClean="0">
+              <a:rPr lang="en-US" sz="1800" dirty="0">
                 <a:solidFill>
                   <a:schemeClr val="accent3">
                     <a:lumMod val="75000"/>
@@ -9913,7 +9593,7 @@
               <a:t>     element a0 and the elements of lst0 that are above </a:t>
             </a:r>
             <a:r>
-              <a:rPr lang="en-US" sz="1800" dirty="0" err="1" smtClean="0">
+              <a:rPr lang="en-US" sz="1800" dirty="0" err="1">
                 <a:solidFill>
                   <a:schemeClr val="accent3">
                     <a:lumMod val="75000"/>
@@ -9922,7 +9602,7 @@
               </a:rPr>
               <a:t>lst</a:t>
             </a:r>
-            <a:endParaRPr lang="en-US" sz="1800" dirty="0" smtClean="0">
+            <a:endParaRPr lang="en-US" sz="1800" dirty="0">
               <a:solidFill>
                 <a:schemeClr val="accent3">
                   <a:lumMod val="75000"/>
@@ -9932,18 +9612,14 @@
           </a:p>
           <a:p>
             <a:r>
-              <a:rPr lang="en-US" sz="1800" dirty="0" smtClean="0"/>
+              <a:rPr lang="en-US" sz="1800" dirty="0"/>
               <a:t>RETURNS: the result of applying f to the starting element a0</a:t>
             </a:r>
           </a:p>
           <a:p>
             <a:r>
               <a:rPr lang="en-US" sz="1800" dirty="0"/>
-              <a:t> </a:t>
-            </a:r>
-            <a:r>
-              <a:rPr lang="en-US" sz="1800" dirty="0" smtClean="0"/>
-              <a:t>        and all the elements of lst0.</a:t>
+              <a:t>         and all the elements of lst0.</a:t>
             </a:r>
           </a:p>
           <a:p>
@@ -9994,7 +9670,9 @@
               <a:lumOff val="60000"/>
             </a:schemeClr>
           </a:solidFill>
-          <a:ln/>
+          <a:ln>
+            <a:noFill/>
+          </a:ln>
         </p:spPr>
         <p:style>
           <a:lnRef idx="2">
@@ -10020,34 +9698,24 @@
           <a:lstStyle/>
           <a:p>
             <a:r>
-              <a:rPr lang="en-US" dirty="0" smtClean="0"/>
+              <a:rPr lang="en-US" dirty="0"/>
               <a:t>Here's an alternate purpose statement that describes the situation in</a:t>
             </a:r>
+          </a:p>
+          <a:p>
+            <a:r>
+              <a:rPr lang="en-US" dirty="0"/>
+              <a:t>the middle of the pipeline.</a:t>
+            </a:r>
+          </a:p>
+          <a:p>
             <a:endParaRPr lang="en-US" dirty="0"/>
           </a:p>
           <a:p>
             <a:r>
-              <a:rPr lang="en-US" dirty="0" smtClean="0"/>
-              <a:t>the </a:t>
-            </a:r>
-            <a:r>
               <a:rPr lang="en-US" dirty="0"/>
-              <a:t>middle of the </a:t>
-            </a:r>
-            <a:r>
-              <a:rPr lang="en-US" dirty="0" smtClean="0"/>
-              <a:t>pipeline.</a:t>
-            </a:r>
-          </a:p>
-          <a:p>
-            <a:endParaRPr lang="en-US" dirty="0"/>
-          </a:p>
-          <a:p>
-            <a:r>
-              <a:rPr lang="en-US" dirty="0" smtClean="0"/>
               <a:t>You don't have to use this purpose statement; you can use the one from the book if it is easier for you.</a:t>
             </a:r>
-            <a:endParaRPr lang="en-US" dirty="0"/>
           </a:p>
         </p:txBody>
       </p:sp>
@@ -10061,13 +9729,6 @@
   <p:clrMapOvr>
     <a:masterClrMapping/>
   </p:clrMapOvr>
-  <p:timing>
-    <p:tnLst>
-      <p:par>
-        <p:cTn id="1" dur="indefinite" restart="never" nodeType="tmRoot"/>
-      </p:par>
-    </p:tnLst>
-  </p:timing>
 </p:sld>
 </file>
 
@@ -10104,10 +9765,9 @@
           <a:lstStyle/>
           <a:p>
             <a:r>
-              <a:rPr lang="en-US" dirty="0" smtClean="0"/>
+              <a:rPr lang="en-US" dirty="0"/>
               <a:t>Let's apply this to subtraction</a:t>
             </a:r>
-            <a:endParaRPr lang="en-US" dirty="0"/>
           </a:p>
         </p:txBody>
       </p:sp>
@@ -10150,21 +9810,13 @@
           <a:p>
             <a:r>
               <a:rPr lang="en-US" sz="2000" dirty="0"/>
-              <a:t>;; RETURNS: the result of subtracting the numbers, </a:t>
-            </a:r>
-            <a:r>
-              <a:rPr lang="en-US" sz="2000" dirty="0" smtClean="0"/>
-              <a:t>from</a:t>
-            </a:r>
-          </a:p>
-          <a:p>
-            <a:r>
-              <a:rPr lang="en-US" sz="2000" dirty="0" smtClean="0"/>
-              <a:t>;;          </a:t>
-            </a:r>
+              <a:t>;; RETURNS: the result of subtracting the numbers, from</a:t>
+            </a:r>
+          </a:p>
+          <a:p>
             <a:r>
               <a:rPr lang="en-US" sz="2000" dirty="0"/>
-              <a:t>left to right.</a:t>
+              <a:t>;;          left to right.</a:t>
             </a:r>
           </a:p>
           <a:p>
@@ -10176,11 +9828,7 @@
           <a:p>
             <a:r>
               <a:rPr lang="en-US" sz="2000" dirty="0"/>
-              <a:t>;; (diff (list 10 5 3)) = </a:t>
-            </a:r>
-            <a:r>
-              <a:rPr lang="en-US" sz="2000" dirty="0" smtClean="0"/>
-              <a:t>2</a:t>
+              <a:t>;; (diff (list 10 5 3)) = 2</a:t>
             </a:r>
           </a:p>
           <a:p>
@@ -10188,24 +9836,23 @@
           </a:p>
           <a:p>
             <a:r>
-              <a:rPr lang="en-US" sz="2000" dirty="0" smtClean="0"/>
+              <a:rPr lang="en-US" sz="2000" dirty="0"/>
               <a:t>;; We'll use the data definition</a:t>
             </a:r>
           </a:p>
           <a:p>
             <a:r>
-              <a:rPr lang="en-US" sz="2000" dirty="0" smtClean="0"/>
+              <a:rPr lang="en-US" sz="2000" dirty="0"/>
               <a:t>;; NELON = (cons Number </a:t>
             </a:r>
             <a:r>
-              <a:rPr lang="en-US" sz="2000" dirty="0" err="1" smtClean="0"/>
+              <a:rPr lang="en-US" sz="2000" dirty="0" err="1"/>
               <a:t>ListOfNumber</a:t>
             </a:r>
             <a:r>
-              <a:rPr lang="en-US" sz="2000" dirty="0" smtClean="0"/>
+              <a:rPr lang="en-US" sz="2000" dirty="0"/>
               <a:t>)</a:t>
             </a:r>
-            <a:endParaRPr lang="en-US" sz="2000" dirty="0"/>
           </a:p>
           <a:p>
             <a:endParaRPr lang="en-US" sz="2000" dirty="0"/>
@@ -10255,7 +9902,9 @@
               <a:lumOff val="60000"/>
             </a:schemeClr>
           </a:solidFill>
-          <a:ln/>
+          <a:ln>
+            <a:noFill/>
+          </a:ln>
         </p:spPr>
         <p:style>
           <a:lnRef idx="2">
@@ -10282,7 +9931,7 @@
           <a:p>
             <a:pPr algn="ctr"/>
             <a:r>
-              <a:rPr lang="en-US" dirty="0" smtClean="0">
+              <a:rPr lang="en-US" dirty="0">
                 <a:solidFill>
                   <a:schemeClr val="tx1"/>
                 </a:solidFill>
@@ -10302,13 +9951,6 @@
   <p:clrMapOvr>
     <a:masterClrMapping/>
   </p:clrMapOvr>
-  <p:timing>
-    <p:tnLst>
-      <p:par>
-        <p:cTn id="1" dur="indefinite" restart="never" nodeType="tmRoot"/>
-      </p:par>
-    </p:tnLst>
-  </p:timing>
 </p:sld>
 </file>
 
@@ -10347,10 +9989,9 @@
           <a:lstStyle/>
           <a:p>
             <a:r>
-              <a:rPr lang="en-US" dirty="0" smtClean="0"/>
+              <a:rPr lang="en-US" dirty="0"/>
               <a:t>Code, with simple purpose statement</a:t>
             </a:r>
-            <a:endParaRPr lang="en-US" dirty="0"/>
           </a:p>
         </p:txBody>
       </p:sp>
@@ -10435,7 +10076,7 @@
               <a:t>;; diff-inner : Number </a:t>
             </a:r>
             <a:r>
-              <a:rPr lang="en-US" sz="1700" dirty="0" err="1" smtClean="0"/>
+              <a:rPr lang="en-US" sz="1700" dirty="0" err="1"/>
               <a:t>ListOfNumber</a:t>
             </a:r>
             <a:endParaRPr lang="en-US" sz="1700" dirty="0"/>
@@ -10451,10 +10092,10 @@
               <a:t>;; RETURNS: the result of subtracting each of the numbers in </a:t>
             </a:r>
             <a:r>
-              <a:rPr lang="en-US" sz="1700" dirty="0" err="1" smtClean="0"/>
+              <a:rPr lang="en-US" sz="1700" dirty="0" err="1"/>
               <a:t>lon</a:t>
             </a:r>
-            <a:endParaRPr lang="en-US" sz="1700" dirty="0" smtClean="0"/>
+            <a:endParaRPr lang="en-US" sz="1700" dirty="0"/>
           </a:p>
           <a:p>
             <a:pPr>
@@ -10463,18 +10104,14 @@
               </a:spcBef>
             </a:pPr>
             <a:r>
-              <a:rPr lang="en-US" sz="1700" dirty="0" smtClean="0"/>
-              <a:t>;; </a:t>
-            </a:r>
-            <a:r>
               <a:rPr lang="en-US" sz="1700" dirty="0"/>
-              <a:t>from </a:t>
-            </a:r>
-            <a:r>
-              <a:rPr lang="en-US" sz="1700" dirty="0" err="1" smtClean="0"/>
+              <a:t>;; from </a:t>
+            </a:r>
+            <a:r>
+              <a:rPr lang="en-US" sz="1700" dirty="0" err="1"/>
               <a:t>num</a:t>
             </a:r>
-            <a:endParaRPr lang="en-US" sz="1700" dirty="0" smtClean="0"/>
+            <a:endParaRPr lang="en-US" sz="1700" dirty="0"/>
           </a:p>
           <a:p>
             <a:pPr>
@@ -10483,12 +10120,8 @@
               </a:spcBef>
             </a:pPr>
             <a:r>
-              <a:rPr lang="en-US" sz="1700" dirty="0" smtClean="0"/>
-              <a:t>(</a:t>
-            </a:r>
-            <a:r>
               <a:rPr lang="en-US" sz="1700" dirty="0"/>
-              <a:t>define (diff-inner </a:t>
+              <a:t>(define (diff-inner </a:t>
             </a:r>
             <a:r>
               <a:rPr lang="en-US" sz="1700" dirty="0" err="1"/>
@@ -10584,15 +10217,15 @@
               <a:t>lon</a:t>
             </a:r>
             <a:r>
-              <a:rPr lang="en-US" sz="1700" dirty="0" smtClean="0"/>
+              <a:rPr lang="en-US" sz="1700" dirty="0"/>
               <a:t>))   ;; this is (f a (first </a:t>
             </a:r>
             <a:r>
-              <a:rPr lang="en-US" sz="1700" dirty="0" err="1" smtClean="0"/>
+              <a:rPr lang="en-US" sz="1700" dirty="0" err="1"/>
               <a:t>lon</a:t>
             </a:r>
             <a:r>
-              <a:rPr lang="en-US" sz="1700" dirty="0" smtClean="0"/>
+              <a:rPr lang="en-US" sz="1700" dirty="0"/>
               <a:t>))</a:t>
             </a:r>
           </a:p>
@@ -10604,11 +10237,7 @@
             </a:pPr>
             <a:r>
               <a:rPr lang="en-US" sz="1700" dirty="0"/>
-              <a:t> </a:t>
-            </a:r>
-            <a:r>
-              <a:rPr lang="en-US" sz="1700" dirty="0" smtClean="0"/>
-              <a:t>                                 ;; different order of arguments</a:t>
+              <a:t>                                  ;; different order of arguments</a:t>
             </a:r>
           </a:p>
           <a:p>
@@ -10619,14 +10248,10 @@
             </a:pPr>
             <a:r>
               <a:rPr lang="en-US" sz="1700" dirty="0"/>
-              <a:t> </a:t>
-            </a:r>
-            <a:r>
-              <a:rPr lang="en-US" sz="1700" dirty="0" smtClean="0"/>
-              <a:t>                                 ;; than </a:t>
-            </a:r>
-            <a:r>
-              <a:rPr lang="en-US" sz="1700" dirty="0" err="1" smtClean="0"/>
+              <a:t>                                  ;; than </a:t>
+            </a:r>
+            <a:r>
+              <a:rPr lang="en-US" sz="1700" dirty="0" err="1"/>
               <a:t>foldl</a:t>
             </a:r>
             <a:endParaRPr lang="en-US" sz="1700" dirty="0"/>
@@ -10685,13 +10310,6 @@
   <p:clrMapOvr>
     <a:masterClrMapping/>
   </p:clrMapOvr>
-  <p:timing>
-    <p:tnLst>
-      <p:par>
-        <p:cTn id="1" dur="indefinite" restart="never" nodeType="tmRoot"/>
-      </p:par>
-    </p:tnLst>
-  </p:timing>
 </p:sld>
 </file>
 
@@ -10728,10 +10346,9 @@
           <a:lstStyle/>
           <a:p>
             <a:r>
-              <a:rPr lang="en-US" dirty="0" smtClean="0"/>
+              <a:rPr lang="en-US" dirty="0"/>
               <a:t>Lesson Outline</a:t>
             </a:r>
-            <a:endParaRPr lang="en-US" dirty="0"/>
           </a:p>
         </p:txBody>
       </p:sp>
@@ -10751,57 +10368,56 @@
           <a:lstStyle/>
           <a:p>
             <a:r>
-              <a:rPr lang="en-US" dirty="0" smtClean="0"/>
+              <a:rPr lang="en-US" dirty="0"/>
               <a:t>Look more closely at </a:t>
             </a:r>
             <a:r>
-              <a:rPr lang="en-US" dirty="0" err="1" smtClean="0"/>
+              <a:rPr lang="en-US" dirty="0" err="1"/>
               <a:t>foldr</a:t>
             </a:r>
-            <a:endParaRPr lang="en-US" dirty="0" smtClean="0"/>
-          </a:p>
-          <a:p>
-            <a:r>
-              <a:rPr lang="en-US" dirty="0" smtClean="0"/>
+            <a:endParaRPr lang="en-US" dirty="0"/>
+          </a:p>
+          <a:p>
+            <a:r>
+              <a:rPr lang="en-US" dirty="0"/>
               <a:t>Introduce </a:t>
             </a:r>
             <a:r>
-              <a:rPr lang="en-US" dirty="0" err="1" smtClean="0"/>
+              <a:rPr lang="en-US" dirty="0" err="1"/>
               <a:t>foldl</a:t>
             </a:r>
             <a:r>
-              <a:rPr lang="en-US" dirty="0" smtClean="0"/>
+              <a:rPr lang="en-US" dirty="0"/>
               <a:t>: like </a:t>
             </a:r>
             <a:r>
-              <a:rPr lang="en-US" dirty="0" err="1" smtClean="0"/>
+              <a:rPr lang="en-US" dirty="0" err="1"/>
               <a:t>foldr</a:t>
             </a:r>
             <a:r>
-              <a:rPr lang="en-US" dirty="0" smtClean="0"/>
+              <a:rPr lang="en-US" dirty="0"/>
               <a:t> but "in the other direction"</a:t>
             </a:r>
           </a:p>
           <a:p>
             <a:r>
-              <a:rPr lang="en-US" dirty="0" smtClean="0"/>
+              <a:rPr lang="en-US" dirty="0"/>
               <a:t>Implement </a:t>
             </a:r>
             <a:r>
-              <a:rPr lang="en-US" dirty="0" err="1" smtClean="0"/>
+              <a:rPr lang="en-US" dirty="0" err="1"/>
               <a:t>foldl</a:t>
             </a:r>
             <a:r>
-              <a:rPr lang="en-US" dirty="0" smtClean="0"/>
+              <a:rPr lang="en-US" dirty="0"/>
               <a:t> using a context variable</a:t>
             </a:r>
           </a:p>
           <a:p>
             <a:r>
-              <a:rPr lang="en-US" dirty="0" smtClean="0"/>
+              <a:rPr lang="en-US" dirty="0"/>
               <a:t>Look at an application</a:t>
             </a:r>
-            <a:endParaRPr lang="en-US" dirty="0"/>
           </a:p>
         </p:txBody>
       </p:sp>
@@ -10834,13 +10450,6 @@
   <p:clrMapOvr>
     <a:masterClrMapping/>
   </p:clrMapOvr>
-  <p:timing>
-    <p:tnLst>
-      <p:par>
-        <p:cTn id="1" dur="indefinite" restart="never" nodeType="tmRoot"/>
-      </p:par>
-    </p:tnLst>
-  </p:timing>
 </p:sld>
 </file>
 
@@ -10879,10 +10488,9 @@
           <a:lstStyle/>
           <a:p>
             <a:r>
-              <a:rPr lang="en-US" dirty="0" smtClean="0"/>
+              <a:rPr lang="en-US" dirty="0"/>
               <a:t>Code, with fancier purpose statement</a:t>
             </a:r>
-            <a:endParaRPr lang="en-US" dirty="0"/>
           </a:p>
         </p:txBody>
       </p:sp>
@@ -10947,7 +10555,7 @@
               <a:t>;; diff-inner : Number </a:t>
             </a:r>
             <a:r>
-              <a:rPr lang="en-US" sz="1800" dirty="0" err="1" smtClean="0"/>
+              <a:rPr lang="en-US" sz="1800" dirty="0" err="1"/>
               <a:t>ListOfNumber</a:t>
             </a:r>
             <a:endParaRPr lang="en-US" sz="1800" dirty="0"/>
@@ -10958,7 +10566,7 @@
               <a:t>;; GIVEN: a number </a:t>
             </a:r>
             <a:r>
-              <a:rPr lang="en-US" sz="1800" dirty="0" err="1" smtClean="0">
+              <a:rPr lang="en-US" sz="1800" dirty="0" err="1">
                 <a:solidFill>
                   <a:schemeClr val="accent6">
                     <a:lumMod val="75000"/>
@@ -10968,12 +10576,8 @@
               <a:t>sofar</a:t>
             </a:r>
             <a:r>
-              <a:rPr lang="en-US" sz="1800" dirty="0" smtClean="0"/>
-              <a:t> </a:t>
-            </a:r>
-            <a:r>
               <a:rPr lang="en-US" sz="1800" dirty="0"/>
-              <a:t>and a </a:t>
+              <a:t> and a </a:t>
             </a:r>
             <a:r>
               <a:rPr lang="en-US" sz="1800" dirty="0" err="1"/>
@@ -10998,7 +10602,7 @@
               <a:t>;; WHERE: </a:t>
             </a:r>
             <a:r>
-              <a:rPr lang="en-US" sz="1800" dirty="0" err="1" smtClean="0">
+              <a:rPr lang="en-US" sz="1800" dirty="0" err="1">
                 <a:solidFill>
                   <a:schemeClr val="accent6">
                     <a:lumMod val="75000"/>
@@ -11008,7 +10612,7 @@
               <a:t>sofar</a:t>
             </a:r>
             <a:r>
-              <a:rPr lang="en-US" sz="1800" dirty="0" smtClean="0">
+              <a:rPr lang="en-US" sz="1800" dirty="0">
                 <a:solidFill>
                   <a:schemeClr val="accent6">
                     <a:lumMod val="75000"/>
@@ -11019,21 +10623,13 @@
             </a:r>
             <a:r>
               <a:rPr lang="en-US" sz="1800" dirty="0"/>
-              <a:t>is the result of subtracting all the numbers </a:t>
-            </a:r>
-            <a:r>
-              <a:rPr lang="en-US" sz="1800" dirty="0" smtClean="0"/>
-              <a:t>in</a:t>
-            </a:r>
-          </a:p>
-          <a:p>
-            <a:r>
-              <a:rPr lang="en-US" sz="1800" dirty="0" smtClean="0"/>
-              <a:t>;; lon0 that </a:t>
-            </a:r>
+              <a:t>is the result of subtracting all the numbers in</a:t>
+            </a:r>
+          </a:p>
+          <a:p>
             <a:r>
               <a:rPr lang="en-US" sz="1800" dirty="0"/>
-              <a:t>are above </a:t>
+              <a:t>;; lon0 that are above </a:t>
             </a:r>
             <a:r>
               <a:rPr lang="en-US" sz="1800" dirty="0" err="1"/>
@@ -11047,24 +10643,16 @@
           <a:p>
             <a:r>
               <a:rPr lang="en-US" sz="1800" dirty="0"/>
-              <a:t>;; RETURNS: the result of subtracting all the numbers in lon0</a:t>
-            </a:r>
-            <a:r>
-              <a:rPr lang="en-US" sz="1800" dirty="0" smtClean="0"/>
-              <a:t>.</a:t>
-            </a:r>
-          </a:p>
-          <a:p>
-            <a:r>
-              <a:rPr lang="en-US" sz="1800" dirty="0" smtClean="0"/>
-              <a:t>(</a:t>
-            </a:r>
+              <a:t>;; RETURNS: the result of subtracting all the numbers in lon0.</a:t>
+            </a:r>
+          </a:p>
+          <a:p>
             <a:r>
               <a:rPr lang="en-US" sz="1800" dirty="0"/>
-              <a:t>define (diff-inner </a:t>
-            </a:r>
-            <a:r>
-              <a:rPr lang="en-US" sz="1800" dirty="0" err="1" smtClean="0">
+              <a:t>(define (diff-inner </a:t>
+            </a:r>
+            <a:r>
+              <a:rPr lang="en-US" sz="1800" dirty="0" err="1">
                 <a:solidFill>
                   <a:schemeClr val="accent6">
                     <a:lumMod val="75000"/>
@@ -11074,7 +10662,7 @@
               <a:t>sofar</a:t>
             </a:r>
             <a:r>
-              <a:rPr lang="en-US" sz="1800" dirty="0" smtClean="0">
+              <a:rPr lang="en-US" sz="1800" dirty="0">
                 <a:solidFill>
                   <a:schemeClr val="accent6">
                     <a:lumMod val="75000"/>
@@ -11117,7 +10705,7 @@
               <a:t>) </a:t>
             </a:r>
             <a:r>
-              <a:rPr lang="en-US" sz="1800" dirty="0" err="1" smtClean="0">
+              <a:rPr lang="en-US" sz="1800" dirty="0" err="1">
                 <a:solidFill>
                   <a:schemeClr val="accent6">
                     <a:lumMod val="75000"/>
@@ -11127,10 +10715,9 @@
               <a:t>sofar</a:t>
             </a:r>
             <a:r>
-              <a:rPr lang="en-US" sz="1800" dirty="0" smtClean="0"/>
+              <a:rPr lang="en-US" sz="1800" dirty="0"/>
               <a:t>]</a:t>
             </a:r>
-            <a:endParaRPr lang="en-US" sz="1800" dirty="0"/>
           </a:p>
           <a:p>
             <a:r>
@@ -11144,7 +10731,7 @@
               <a:t>            (- </a:t>
             </a:r>
             <a:r>
-              <a:rPr lang="en-US" sz="1800" dirty="0" err="1" smtClean="0">
+              <a:rPr lang="en-US" sz="1800" dirty="0" err="1">
                 <a:solidFill>
                   <a:schemeClr val="accent6">
                     <a:lumMod val="75000"/>
@@ -11154,7 +10741,7 @@
               <a:t>sofar</a:t>
             </a:r>
             <a:r>
-              <a:rPr lang="en-US" sz="1800" dirty="0" smtClean="0">
+              <a:rPr lang="en-US" sz="1800" dirty="0">
                 <a:solidFill>
                   <a:schemeClr val="accent6">
                     <a:lumMod val="75000"/>
@@ -11172,39 +10759,31 @@
               <a:t>lon</a:t>
             </a:r>
             <a:r>
-              <a:rPr lang="en-US" sz="1800" dirty="0" smtClean="0"/>
-              <a:t>))   ;; this is (f a (first </a:t>
-            </a:r>
-            <a:r>
-              <a:rPr lang="en-US" sz="1800" dirty="0" err="1" smtClean="0"/>
+              <a:rPr lang="en-US" sz="1800" dirty="0"/>
+              <a:t>)) ;; this is (f a (first </a:t>
+            </a:r>
+            <a:r>
+              <a:rPr lang="en-US" sz="1800" dirty="0" err="1"/>
               <a:t>lon</a:t>
             </a:r>
             <a:r>
-              <a:rPr lang="en-US" sz="1800" dirty="0" smtClean="0"/>
+              <a:rPr lang="en-US" sz="1800" dirty="0"/>
               <a:t>))</a:t>
             </a:r>
           </a:p>
           <a:p>
             <a:r>
               <a:rPr lang="en-US" sz="1800" dirty="0"/>
-              <a:t> </a:t>
-            </a:r>
-            <a:r>
-              <a:rPr lang="en-US" sz="1800" dirty="0" smtClean="0"/>
-              <a:t>                                 ;; different order of arguments</a:t>
+              <a:t>                                  ;; different order of arguments</a:t>
             </a:r>
           </a:p>
           <a:p>
             <a:r>
               <a:rPr lang="en-US" sz="1800" dirty="0"/>
-              <a:t> </a:t>
-            </a:r>
-            <a:r>
-              <a:rPr lang="en-US" sz="1800" dirty="0" smtClean="0"/>
-              <a:t>                                 ;; than </a:t>
-            </a:r>
-            <a:r>
-              <a:rPr lang="en-US" sz="1800" dirty="0" err="1" smtClean="0"/>
+              <a:t>                                  ;; than </a:t>
+            </a:r>
+            <a:r>
+              <a:rPr lang="en-US" sz="1800" dirty="0" err="1"/>
               <a:t>foldl</a:t>
             </a:r>
             <a:endParaRPr lang="en-US" sz="1800" dirty="0"/>
@@ -11268,7 +10847,9 @@
               <a:lumOff val="60000"/>
             </a:schemeClr>
           </a:solidFill>
-          <a:ln/>
+          <a:ln>
+            <a:noFill/>
+          </a:ln>
         </p:spPr>
         <p:style>
           <a:lnRef idx="2">
@@ -11295,12 +10876,12 @@
           <a:p>
             <a:pPr algn="ctr"/>
             <a:r>
-              <a:rPr lang="en-US" dirty="0" smtClean="0">
+              <a:rPr lang="en-US" dirty="0">
                 <a:solidFill>
                   <a:schemeClr val="tx1"/>
                 </a:solidFill>
               </a:rPr>
-              <a:t>You could use either purpose statement.</a:t>
+              <a:t>You could use either this purpose statement or the one on the preceding slide.  Both are fine.</a:t>
             </a:r>
           </a:p>
         </p:txBody>
@@ -11325,7 +10906,9 @@
               <a:lumOff val="60000"/>
             </a:schemeClr>
           </a:solidFill>
-          <a:ln/>
+          <a:ln>
+            <a:noFill/>
+          </a:ln>
         </p:spPr>
         <p:style>
           <a:lnRef idx="2">
@@ -11352,7 +10935,7 @@
           <a:p>
             <a:pPr algn="ctr"/>
             <a:r>
-              <a:rPr lang="en-US" dirty="0" err="1" smtClean="0">
+              <a:rPr lang="en-US" dirty="0" err="1">
                 <a:solidFill>
                   <a:schemeClr val="tx1"/>
                 </a:solidFill>
@@ -11360,7 +10943,7 @@
               <a:t>sofar</a:t>
             </a:r>
             <a:r>
-              <a:rPr lang="en-US" dirty="0" smtClean="0">
+              <a:rPr lang="en-US" dirty="0">
                 <a:solidFill>
                   <a:schemeClr val="tx1"/>
                 </a:solidFill>
@@ -11418,13 +11001,6 @@
   <p:clrMapOvr>
     <a:masterClrMapping/>
   </p:clrMapOvr>
-  <p:timing>
-    <p:tnLst>
-      <p:par>
-        <p:cTn id="1" dur="indefinite" restart="never" nodeType="tmRoot"/>
-      </p:par>
-    </p:tnLst>
-  </p:timing>
 </p:sld>
 </file>
 
@@ -11461,11 +11037,11 @@
           <a:lstStyle/>
           <a:p>
             <a:r>
-              <a:rPr lang="en-US" dirty="0" smtClean="0"/>
+              <a:rPr lang="en-US" dirty="0"/>
               <a:t>Or using </a:t>
             </a:r>
             <a:r>
-              <a:rPr lang="en-US" dirty="0" err="1" smtClean="0"/>
+              <a:rPr lang="en-US" dirty="0" err="1"/>
               <a:t>foldl</a:t>
             </a:r>
             <a:endParaRPr lang="en-US" dirty="0"/>
@@ -11513,17 +11089,13 @@
             </a:pPr>
             <a:r>
               <a:rPr lang="en-US" sz="1800" dirty="0"/>
-              <a:t>  </a:t>
-            </a:r>
-            <a:r>
-              <a:rPr lang="en-US" sz="1800" dirty="0" smtClean="0"/>
-              <a:t>(</a:t>
-            </a:r>
-            <a:r>
-              <a:rPr lang="en-US" sz="1800" dirty="0" err="1" smtClean="0"/>
+              <a:t>  (</a:t>
+            </a:r>
+            <a:r>
+              <a:rPr lang="en-US" sz="1800" dirty="0" err="1"/>
               <a:t>foldl</a:t>
             </a:r>
-            <a:endParaRPr lang="en-US" sz="1800" dirty="0" smtClean="0"/>
+            <a:endParaRPr lang="en-US" sz="1800" dirty="0"/>
           </a:p>
           <a:p>
             <a:pPr>
@@ -11533,34 +11105,30 @@
             </a:pPr>
             <a:r>
               <a:rPr lang="en-US" sz="1800" dirty="0"/>
-              <a:t> </a:t>
-            </a:r>
-            <a:r>
-              <a:rPr lang="en-US" sz="1800" dirty="0" smtClean="0"/>
-              <a:t>   (lambda (x </a:t>
-            </a:r>
-            <a:r>
-              <a:rPr lang="en-US" sz="1800" dirty="0" err="1" smtClean="0"/>
+              <a:t>    (lambda (x </a:t>
+            </a:r>
+            <a:r>
+              <a:rPr lang="en-US" sz="1800" dirty="0" err="1"/>
               <a:t>sofar</a:t>
             </a:r>
             <a:r>
-              <a:rPr lang="en-US" sz="1800" dirty="0" smtClean="0"/>
+              <a:rPr lang="en-US" sz="1800" dirty="0"/>
               <a:t>) (- </a:t>
             </a:r>
             <a:r>
-              <a:rPr lang="en-US" sz="1800" dirty="0" err="1" smtClean="0"/>
+              <a:rPr lang="en-US" sz="1800" dirty="0" err="1"/>
               <a:t>sofar</a:t>
             </a:r>
             <a:r>
-              <a:rPr lang="en-US" sz="1800" dirty="0" smtClean="0"/>
+              <a:rPr lang="en-US" sz="1800" dirty="0"/>
               <a:t> x))  ;; </a:t>
             </a:r>
             <a:r>
-              <a:rPr lang="en-US" sz="1800" dirty="0" err="1" smtClean="0"/>
+              <a:rPr lang="en-US" sz="1800" dirty="0" err="1"/>
               <a:t>foldl</a:t>
             </a:r>
             <a:r>
-              <a:rPr lang="en-US" sz="1800" dirty="0" smtClean="0"/>
+              <a:rPr lang="en-US" sz="1800" dirty="0"/>
               <a:t> wants an X Y -&gt; Y</a:t>
             </a:r>
           </a:p>
@@ -11572,15 +11140,7 @@
             </a:pPr>
             <a:r>
               <a:rPr lang="en-US" sz="1800" dirty="0"/>
-              <a:t> </a:t>
-            </a:r>
-            <a:r>
-              <a:rPr lang="en-US" sz="1800" dirty="0" smtClean="0"/>
-              <a:t>   </a:t>
-            </a:r>
-            <a:r>
-              <a:rPr lang="en-US" sz="1800" dirty="0"/>
-              <a:t>(first </a:t>
+              <a:t>    (first </a:t>
             </a:r>
             <a:r>
               <a:rPr lang="en-US" sz="1800" dirty="0" err="1"/>
@@ -11590,7 +11150,6 @@
               <a:rPr lang="en-US" sz="1800" dirty="0"/>
               <a:t>) </a:t>
             </a:r>
-            <a:endParaRPr lang="en-US" sz="1800" dirty="0" smtClean="0"/>
           </a:p>
           <a:p>
             <a:pPr>
@@ -11600,15 +11159,7 @@
             </a:pPr>
             <a:r>
               <a:rPr lang="en-US" sz="1800" dirty="0"/>
-              <a:t> </a:t>
-            </a:r>
-            <a:r>
-              <a:rPr lang="en-US" sz="1800" dirty="0" smtClean="0"/>
-              <a:t>   (</a:t>
-            </a:r>
-            <a:r>
-              <a:rPr lang="en-US" sz="1800" dirty="0"/>
-              <a:t>rest </a:t>
+              <a:t>    (rest </a:t>
             </a:r>
             <a:r>
               <a:rPr lang="en-US" sz="1800" dirty="0" err="1"/>
@@ -11670,7 +11221,9 @@
               <a:lumOff val="60000"/>
             </a:schemeClr>
           </a:solidFill>
-          <a:ln/>
+          <a:ln>
+            <a:noFill/>
+          </a:ln>
         </p:spPr>
         <p:style>
           <a:lnRef idx="2">
@@ -11697,7 +11250,7 @@
           <a:p>
             <a:pPr algn="ctr"/>
             <a:r>
-              <a:rPr lang="en-US" dirty="0" err="1" smtClean="0">
+              <a:rPr lang="en-US" dirty="0" err="1">
                 <a:solidFill>
                   <a:schemeClr val="tx1"/>
                 </a:solidFill>
@@ -11705,7 +11258,7 @@
               <a:t>sofar</a:t>
             </a:r>
             <a:r>
-              <a:rPr lang="en-US" dirty="0" smtClean="0">
+              <a:rPr lang="en-US" dirty="0">
                 <a:solidFill>
                   <a:schemeClr val="tx1"/>
                 </a:solidFill>
@@ -11761,13 +11314,6 @@
   <p:clrMapOvr>
     <a:masterClrMapping/>
   </p:clrMapOvr>
-  <p:timing>
-    <p:tnLst>
-      <p:par>
-        <p:cTn id="1" dur="indefinite" restart="never" nodeType="tmRoot"/>
-      </p:par>
-    </p:tnLst>
-  </p:timing>
 </p:sld>
 </file>
 
@@ -11804,10 +11350,9 @@
           <a:lstStyle/>
           <a:p>
             <a:r>
-              <a:rPr lang="en-US" dirty="0" smtClean="0"/>
+              <a:rPr lang="en-US" dirty="0"/>
               <a:t>Another application: Simulation</a:t>
             </a:r>
-            <a:endParaRPr lang="en-US" dirty="0"/>
           </a:p>
         </p:txBody>
       </p:sp>
@@ -11835,7 +11380,7 @@
               <a:buNone/>
             </a:pPr>
             <a:r>
-              <a:rPr lang="en-US" sz="2800" b="1" dirty="0" smtClean="0">
+              <a:rPr lang="en-US" sz="2800" b="1" dirty="0">
                 <a:latin typeface="Consolas" pitchFamily="49" charset="0"/>
                 <a:cs typeface="Consolas" pitchFamily="49" charset="0"/>
               </a:rPr>
@@ -11849,7 +11394,7 @@
               </a:spcBef>
               <a:buNone/>
             </a:pPr>
-            <a:endParaRPr lang="en-US" sz="2800" b="1" dirty="0" smtClean="0">
+            <a:endParaRPr lang="en-US" sz="2800" b="1" dirty="0">
               <a:latin typeface="Consolas" pitchFamily="49" charset="0"/>
               <a:cs typeface="Consolas" pitchFamily="49" charset="0"/>
             </a:endParaRPr>
@@ -11862,21 +11407,21 @@
               <a:buNone/>
             </a:pPr>
             <a:r>
-              <a:rPr lang="en-US" sz="2800" b="1" dirty="0" smtClean="0">
+              <a:rPr lang="en-US" sz="2800" b="1" dirty="0">
                 <a:latin typeface="Consolas" pitchFamily="49" charset="0"/>
                 <a:cs typeface="Consolas" pitchFamily="49" charset="0"/>
               </a:rPr>
               <a:t>;; </a:t>
             </a:r>
             <a:r>
-              <a:rPr lang="en-US" sz="2800" b="1" dirty="0" err="1" smtClean="0">
+              <a:rPr lang="en-US" sz="2800" b="1" dirty="0" err="1">
                 <a:latin typeface="Consolas" pitchFamily="49" charset="0"/>
                 <a:cs typeface="Consolas" pitchFamily="49" charset="0"/>
               </a:rPr>
               <a:t>Wishlist</a:t>
             </a:r>
             <a:r>
-              <a:rPr lang="en-US" sz="2800" b="1" dirty="0" smtClean="0">
+              <a:rPr lang="en-US" sz="2800" b="1" dirty="0">
                 <a:latin typeface="Consolas" pitchFamily="49" charset="0"/>
                 <a:cs typeface="Consolas" pitchFamily="49" charset="0"/>
               </a:rPr>
@@ -11891,7 +11436,7 @@
               <a:buNone/>
             </a:pPr>
             <a:r>
-              <a:rPr lang="en-US" sz="2800" b="1" dirty="0" smtClean="0">
+              <a:rPr lang="en-US" sz="2800" b="1" dirty="0">
                 <a:latin typeface="Consolas" pitchFamily="49" charset="0"/>
                 <a:cs typeface="Consolas" pitchFamily="49" charset="0"/>
               </a:rPr>
@@ -11905,7 +11450,7 @@
               </a:spcBef>
               <a:buNone/>
             </a:pPr>
-            <a:endParaRPr lang="en-US" sz="2800" b="1" dirty="0" smtClean="0">
+            <a:endParaRPr lang="en-US" sz="2800" b="1" dirty="0">
               <a:latin typeface="Consolas" pitchFamily="49" charset="0"/>
               <a:cs typeface="Consolas" pitchFamily="49" charset="0"/>
             </a:endParaRPr>
@@ -11918,14 +11463,14 @@
               <a:buNone/>
             </a:pPr>
             <a:r>
-              <a:rPr lang="en-US" sz="2800" b="1" dirty="0" smtClean="0">
+              <a:rPr lang="en-US" sz="2800" b="1" dirty="0">
                 <a:latin typeface="Consolas" pitchFamily="49" charset="0"/>
                 <a:cs typeface="Consolas" pitchFamily="49" charset="0"/>
               </a:rPr>
               <a:t>;; simulate : State </a:t>
             </a:r>
             <a:r>
-              <a:rPr lang="en-US" sz="2800" b="1" dirty="0" err="1" smtClean="0">
+              <a:rPr lang="en-US" sz="2800" b="1" dirty="0" err="1">
                 <a:latin typeface="Consolas" pitchFamily="49" charset="0"/>
                 <a:cs typeface="Consolas" pitchFamily="49" charset="0"/>
               </a:rPr>
@@ -11936,14 +11481,7 @@
                 <a:latin typeface="Consolas" pitchFamily="49" charset="0"/>
                 <a:cs typeface="Consolas" pitchFamily="49" charset="0"/>
               </a:rPr>
-              <a:t> </a:t>
-            </a:r>
-            <a:r>
-              <a:rPr lang="en-US" sz="2800" b="1" dirty="0" smtClean="0">
-                <a:latin typeface="Consolas" pitchFamily="49" charset="0"/>
-                <a:cs typeface="Consolas" pitchFamily="49" charset="0"/>
-              </a:rPr>
-              <a:t>-&gt; State</a:t>
+              <a:t> -&gt; State</a:t>
             </a:r>
           </a:p>
           <a:p>
@@ -11954,7 +11492,7 @@
               <a:buNone/>
             </a:pPr>
             <a:r>
-              <a:rPr lang="en-US" sz="2800" b="1" dirty="0" smtClean="0">
+              <a:rPr lang="en-US" sz="2800" b="1" dirty="0">
                 <a:latin typeface="Consolas" pitchFamily="49" charset="0"/>
                 <a:cs typeface="Consolas" pitchFamily="49" charset="0"/>
               </a:rPr>
@@ -11969,7 +11507,7 @@
               <a:buNone/>
             </a:pPr>
             <a:r>
-              <a:rPr lang="en-US" sz="2800" b="1" dirty="0" smtClean="0">
+              <a:rPr lang="en-US" sz="2800" b="1" dirty="0">
                 <a:latin typeface="Consolas" pitchFamily="49" charset="0"/>
                 <a:cs typeface="Consolas" pitchFamily="49" charset="0"/>
               </a:rPr>
@@ -12033,13 +11571,6 @@
   <p:clrMapOvr>
     <a:masterClrMapping/>
   </p:clrMapOvr>
-  <p:timing>
-    <p:tnLst>
-      <p:par>
-        <p:cTn id="1" dur="indefinite" restart="never" nodeType="tmRoot"/>
-      </p:par>
-    </p:tnLst>
-  </p:timing>
 </p:sld>
 </file>
 
@@ -12076,10 +11607,9 @@
           <a:lstStyle/>
           <a:p>
             <a:r>
-              <a:rPr lang="en-US" dirty="0" smtClean="0"/>
+              <a:rPr lang="en-US" dirty="0"/>
               <a:t>An Application: Simulation</a:t>
             </a:r>
-            <a:endParaRPr lang="en-US" dirty="0"/>
           </a:p>
         </p:txBody>
       </p:sp>
@@ -12108,7 +11638,7 @@
             <a:pPr>
               <a:buNone/>
             </a:pPr>
-            <a:endParaRPr lang="en-US" sz="2400" b="1" dirty="0" smtClean="0">
+            <a:endParaRPr lang="en-US" sz="2400" b="1" dirty="0">
               <a:latin typeface="Consolas" pitchFamily="49" charset="0"/>
               <a:cs typeface="Consolas" pitchFamily="49" charset="0"/>
             </a:endParaRPr>
@@ -12118,7 +11648,7 @@
               <a:buNone/>
             </a:pPr>
             <a:r>
-              <a:rPr lang="en-US" sz="2400" b="1" dirty="0" smtClean="0">
+              <a:rPr lang="en-US" sz="2400" b="1" dirty="0">
                 <a:latin typeface="Consolas" pitchFamily="49" charset="0"/>
                 <a:cs typeface="Consolas" pitchFamily="49" charset="0"/>
               </a:rPr>
@@ -12130,21 +11660,21 @@
               <a:buNone/>
             </a:pPr>
             <a:r>
-              <a:rPr lang="en-US" sz="2400" b="1" dirty="0" smtClean="0">
+              <a:rPr lang="en-US" sz="2400" b="1" dirty="0">
                 <a:latin typeface="Consolas" pitchFamily="49" charset="0"/>
                 <a:cs typeface="Consolas" pitchFamily="49" charset="0"/>
               </a:rPr>
               <a:t>(define (simulate </a:t>
             </a:r>
             <a:r>
-              <a:rPr lang="en-US" sz="2400" b="1" dirty="0" err="1" smtClean="0">
+              <a:rPr lang="en-US" sz="2400" b="1" dirty="0" err="1">
                 <a:latin typeface="Consolas" pitchFamily="49" charset="0"/>
                 <a:cs typeface="Consolas" pitchFamily="49" charset="0"/>
               </a:rPr>
               <a:t>st</a:t>
             </a:r>
             <a:r>
-              <a:rPr lang="en-US" sz="2400" b="1" dirty="0" smtClean="0">
+              <a:rPr lang="en-US" sz="2400" b="1" dirty="0">
                 <a:latin typeface="Consolas" pitchFamily="49" charset="0"/>
                 <a:cs typeface="Consolas" pitchFamily="49" charset="0"/>
               </a:rPr>
@@ -12156,20 +11686,20 @@
               <a:buNone/>
             </a:pPr>
             <a:r>
-              <a:rPr lang="en-US" sz="2400" b="1" dirty="0" smtClean="0">
+              <a:rPr lang="en-US" sz="2400" b="1" dirty="0">
                 <a:latin typeface="Consolas" pitchFamily="49" charset="0"/>
                 <a:cs typeface="Consolas" pitchFamily="49" charset="0"/>
               </a:rPr>
               <a:t>  (</a:t>
             </a:r>
             <a:r>
-              <a:rPr lang="en-US" sz="2400" b="1" dirty="0" err="1" smtClean="0">
+              <a:rPr lang="en-US" sz="2400" b="1" dirty="0" err="1">
                 <a:latin typeface="Consolas" pitchFamily="49" charset="0"/>
                 <a:cs typeface="Consolas" pitchFamily="49" charset="0"/>
               </a:rPr>
               <a:t>cond</a:t>
             </a:r>
-            <a:endParaRPr lang="en-US" sz="2400" b="1" dirty="0" smtClean="0">
+            <a:endParaRPr lang="en-US" sz="2400" b="1" dirty="0">
               <a:latin typeface="Consolas" pitchFamily="49" charset="0"/>
               <a:cs typeface="Consolas" pitchFamily="49" charset="0"/>
             </a:endParaRPr>
@@ -12179,21 +11709,21 @@
               <a:buNone/>
             </a:pPr>
             <a:r>
-              <a:rPr lang="en-US" sz="2400" b="1" dirty="0" smtClean="0">
+              <a:rPr lang="en-US" sz="2400" b="1" dirty="0">
                 <a:latin typeface="Consolas" pitchFamily="49" charset="0"/>
                 <a:cs typeface="Consolas" pitchFamily="49" charset="0"/>
               </a:rPr>
               <a:t>    [(empty? moves) </a:t>
             </a:r>
             <a:r>
-              <a:rPr lang="en-US" sz="2400" b="1" dirty="0" err="1" smtClean="0">
+              <a:rPr lang="en-US" sz="2400" b="1" dirty="0" err="1">
                 <a:latin typeface="Consolas" pitchFamily="49" charset="0"/>
                 <a:cs typeface="Consolas" pitchFamily="49" charset="0"/>
               </a:rPr>
               <a:t>st</a:t>
             </a:r>
             <a:r>
-              <a:rPr lang="en-US" sz="2400" b="1" dirty="0" smtClean="0">
+              <a:rPr lang="en-US" sz="2400" b="1" dirty="0">
                 <a:latin typeface="Consolas" pitchFamily="49" charset="0"/>
                 <a:cs typeface="Consolas" pitchFamily="49" charset="0"/>
               </a:rPr>
@@ -12205,7 +11735,7 @@
               <a:buNone/>
             </a:pPr>
             <a:r>
-              <a:rPr lang="en-US" sz="2400" b="1" dirty="0" smtClean="0">
+              <a:rPr lang="en-US" sz="2400" b="1" dirty="0">
                 <a:latin typeface="Consolas" pitchFamily="49" charset="0"/>
                 <a:cs typeface="Consolas" pitchFamily="49" charset="0"/>
               </a:rPr>
@@ -12217,7 +11747,7 @@
               <a:buNone/>
             </a:pPr>
             <a:r>
-              <a:rPr lang="en-US" sz="2400" b="1" dirty="0" smtClean="0">
+              <a:rPr lang="en-US" sz="2400" b="1" dirty="0">
                 <a:latin typeface="Consolas" pitchFamily="49" charset="0"/>
                 <a:cs typeface="Consolas" pitchFamily="49" charset="0"/>
               </a:rPr>
@@ -12229,21 +11759,21 @@
               <a:buNone/>
             </a:pPr>
             <a:r>
-              <a:rPr lang="en-US" sz="2400" b="1" dirty="0" smtClean="0">
+              <a:rPr lang="en-US" sz="2400" b="1" dirty="0">
                 <a:latin typeface="Consolas" pitchFamily="49" charset="0"/>
                 <a:cs typeface="Consolas" pitchFamily="49" charset="0"/>
               </a:rPr>
               <a:t>        (next-state (first moves) </a:t>
             </a:r>
             <a:r>
-              <a:rPr lang="en-US" sz="2400" b="1" dirty="0" err="1" smtClean="0">
+              <a:rPr lang="en-US" sz="2400" b="1" dirty="0" err="1">
                 <a:latin typeface="Consolas" pitchFamily="49" charset="0"/>
                 <a:cs typeface="Consolas" pitchFamily="49" charset="0"/>
               </a:rPr>
               <a:t>st</a:t>
             </a:r>
             <a:r>
-              <a:rPr lang="en-US" sz="2400" b="1" dirty="0" smtClean="0">
+              <a:rPr lang="en-US" sz="2400" b="1" dirty="0">
                 <a:latin typeface="Consolas" pitchFamily="49" charset="0"/>
                 <a:cs typeface="Consolas" pitchFamily="49" charset="0"/>
               </a:rPr>
@@ -12255,7 +11785,7 @@
               <a:buNone/>
             </a:pPr>
             <a:r>
-              <a:rPr lang="en-US" sz="2400" b="1" dirty="0" smtClean="0">
+              <a:rPr lang="en-US" sz="2400" b="1" dirty="0">
                 <a:latin typeface="Consolas" pitchFamily="49" charset="0"/>
                 <a:cs typeface="Consolas" pitchFamily="49" charset="0"/>
               </a:rPr>
@@ -12310,13 +11840,6 @@
   <p:clrMapOvr>
     <a:masterClrMapping/>
   </p:clrMapOvr>
-  <p:timing>
-    <p:tnLst>
-      <p:par>
-        <p:cTn id="1" dur="indefinite" restart="never" nodeType="tmRoot"/>
-      </p:par>
-    </p:tnLst>
-  </p:timing>
 </p:sld>
 </file>
 
@@ -12353,18 +11876,17 @@
           <a:lstStyle/>
           <a:p>
             <a:r>
-              <a:rPr lang="en-US" dirty="0" smtClean="0"/>
+              <a:rPr lang="en-US" dirty="0"/>
               <a:t>Or using </a:t>
             </a:r>
             <a:r>
-              <a:rPr lang="en-US" dirty="0" err="1" smtClean="0"/>
+              <a:rPr lang="en-US" dirty="0" err="1"/>
               <a:t>foldl</a:t>
             </a:r>
             <a:r>
-              <a:rPr lang="en-US" dirty="0" smtClean="0"/>
+              <a:rPr lang="en-US" dirty="0"/>
               <a:t> </a:t>
             </a:r>
-            <a:endParaRPr lang="en-US" dirty="0"/>
           </a:p>
         </p:txBody>
       </p:sp>
@@ -12389,7 +11911,7 @@
               <a:buNone/>
             </a:pPr>
             <a:r>
-              <a:rPr lang="en-US" sz="2800" b="1" dirty="0" smtClean="0">
+              <a:rPr lang="en-US" sz="2800" b="1" dirty="0">
                 <a:latin typeface="Consolas" pitchFamily="49" charset="0"/>
                 <a:cs typeface="Consolas" pitchFamily="49" charset="0"/>
               </a:rPr>
@@ -12401,20 +11923,20 @@
               <a:buNone/>
             </a:pPr>
             <a:r>
-              <a:rPr lang="en-US" sz="2800" b="1" dirty="0" smtClean="0">
+              <a:rPr lang="en-US" sz="2800" b="1" dirty="0">
                 <a:latin typeface="Consolas" pitchFamily="49" charset="0"/>
                 <a:cs typeface="Consolas" pitchFamily="49" charset="0"/>
               </a:rPr>
               <a:t>  (</a:t>
             </a:r>
             <a:r>
-              <a:rPr lang="en-US" sz="2800" b="1" dirty="0" err="1" smtClean="0">
+              <a:rPr lang="en-US" sz="2800" b="1" dirty="0" err="1">
                 <a:latin typeface="Consolas" pitchFamily="49" charset="0"/>
                 <a:cs typeface="Consolas" pitchFamily="49" charset="0"/>
               </a:rPr>
               <a:t>foldl</a:t>
             </a:r>
-            <a:endParaRPr lang="en-US" sz="2800" b="1" dirty="0" smtClean="0">
+            <a:endParaRPr lang="en-US" sz="2800" b="1" dirty="0">
               <a:latin typeface="Consolas" pitchFamily="49" charset="0"/>
               <a:cs typeface="Consolas" pitchFamily="49" charset="0"/>
             </a:endParaRPr>
@@ -12428,14 +11950,7 @@
                 <a:latin typeface="Consolas" pitchFamily="49" charset="0"/>
                 <a:cs typeface="Consolas" pitchFamily="49" charset="0"/>
               </a:rPr>
-              <a:t> </a:t>
-            </a:r>
-            <a:r>
-              <a:rPr lang="en-US" sz="2800" b="1" dirty="0" smtClean="0">
-                <a:latin typeface="Consolas" pitchFamily="49" charset="0"/>
-                <a:cs typeface="Consolas" pitchFamily="49" charset="0"/>
-              </a:rPr>
-              <a:t>  next-state </a:t>
+              <a:t>   next-state </a:t>
             </a:r>
           </a:p>
           <a:p>
@@ -12443,7 +11958,7 @@
               <a:buNone/>
             </a:pPr>
             <a:r>
-              <a:rPr lang="en-US" sz="2800" b="1" dirty="0" smtClean="0">
+              <a:rPr lang="en-US" sz="2800" b="1" dirty="0">
                 <a:solidFill>
                   <a:srgbClr val="00B050"/>
                 </a:solidFill>
@@ -12453,7 +11968,7 @@
               <a:t>   </a:t>
             </a:r>
             <a:r>
-              <a:rPr lang="en-US" sz="2800" b="1" dirty="0" smtClean="0">
+              <a:rPr lang="en-US" sz="2800" b="1" dirty="0">
                 <a:latin typeface="Consolas" pitchFamily="49" charset="0"/>
                 <a:cs typeface="Consolas" pitchFamily="49" charset="0"/>
               </a:rPr>
@@ -12465,16 +11980,12 @@
               <a:buNone/>
             </a:pPr>
             <a:r>
-              <a:rPr lang="en-US" sz="2800" b="1" dirty="0" smtClean="0">
+              <a:rPr lang="en-US" sz="2800" b="1" dirty="0">
                 <a:latin typeface="Consolas" pitchFamily="49" charset="0"/>
                 <a:cs typeface="Consolas" pitchFamily="49" charset="0"/>
               </a:rPr>
               <a:t>   moves))</a:t>
             </a:r>
-            <a:endParaRPr lang="en-US" sz="2800" b="1" dirty="0">
-              <a:latin typeface="Consolas" pitchFamily="49" charset="0"/>
-              <a:cs typeface="Consolas" pitchFamily="49" charset="0"/>
-            </a:endParaRPr>
           </a:p>
         </p:txBody>
       </p:sp>
@@ -12534,7 +12045,9 @@
               <a:lumOff val="60000"/>
             </a:schemeClr>
           </a:solidFill>
-          <a:ln/>
+          <a:ln>
+            <a:noFill/>
+          </a:ln>
         </p:spPr>
         <p:style>
           <a:lnRef idx="2">
@@ -12560,7 +12073,7 @@
           <a:lstStyle/>
           <a:p>
             <a:r>
-              <a:rPr lang="en-US" dirty="0" smtClean="0">
+              <a:rPr lang="en-US" dirty="0">
                 <a:solidFill>
                   <a:schemeClr val="tx1"/>
                 </a:solidFill>
@@ -12616,13 +12129,6 @@
   <p:clrMapOvr>
     <a:masterClrMapping/>
   </p:clrMapOvr>
-  <p:timing>
-    <p:tnLst>
-      <p:par>
-        <p:cTn id="1" dur="indefinite" restart="never" nodeType="tmRoot"/>
-      </p:par>
-    </p:tnLst>
-  </p:timing>
 </p:sld>
 </file>
 
@@ -12659,10 +12165,9 @@
           <a:lstStyle/>
           <a:p>
             <a:r>
-              <a:rPr lang="en-US" dirty="0" smtClean="0"/>
+              <a:rPr lang="en-US" dirty="0"/>
               <a:t>Summary</a:t>
             </a:r>
-            <a:endParaRPr lang="en-US" dirty="0"/>
           </a:p>
         </p:txBody>
       </p:sp>
@@ -12682,20 +12187,8 @@
           <a:lstStyle/>
           <a:p>
             <a:r>
-              <a:rPr lang="en-US" dirty="0" smtClean="0"/>
-              <a:t>You </a:t>
-            </a:r>
-            <a:r>
               <a:rPr lang="en-US" dirty="0"/>
-              <a:t>should </a:t>
-            </a:r>
-            <a:r>
-              <a:rPr lang="en-US" dirty="0" smtClean="0"/>
-              <a:t>now be </a:t>
-            </a:r>
-            <a:r>
-              <a:rPr lang="en-US" dirty="0"/>
-              <a:t>able to:</a:t>
+              <a:t>You should now be able to:</a:t>
             </a:r>
           </a:p>
           <a:p>
@@ -12705,24 +12198,20 @@
               <a:t>explain what </a:t>
             </a:r>
             <a:r>
-              <a:rPr lang="en-US" b="1" dirty="0" err="1" smtClean="0"/>
+              <a:rPr lang="en-US" b="1" dirty="0" err="1"/>
               <a:t>foldr</a:t>
             </a:r>
             <a:r>
-              <a:rPr lang="en-US" dirty="0" smtClean="0"/>
+              <a:rPr lang="en-US" dirty="0"/>
               <a:t> and </a:t>
             </a:r>
             <a:r>
-              <a:rPr lang="en-US" b="1" dirty="0" err="1" smtClean="0"/>
+              <a:rPr lang="en-US" b="1" dirty="0" err="1"/>
               <a:t>foldl</a:t>
             </a:r>
             <a:r>
-              <a:rPr lang="en-US" dirty="0" smtClean="0"/>
-              <a:t> </a:t>
-            </a:r>
-            <a:r>
               <a:rPr lang="en-US" dirty="0"/>
-              <a:t>compute</a:t>
+              <a:t> compute</a:t>
             </a:r>
           </a:p>
           <a:p>
@@ -12822,13 +12311,6 @@
   <p:clrMapOvr>
     <a:masterClrMapping/>
   </p:clrMapOvr>
-  <p:timing>
-    <p:tnLst>
-      <p:par>
-        <p:cTn id="1" dur="indefinite" restart="never" nodeType="tmRoot"/>
-      </p:par>
-    </p:tnLst>
-  </p:timing>
 </p:sld>
 </file>
 
@@ -12865,10 +12347,9 @@
           <a:lstStyle/>
           <a:p>
             <a:r>
-              <a:rPr lang="en-US" dirty="0" smtClean="0"/>
+              <a:rPr lang="en-US" dirty="0"/>
               <a:t>Next Steps</a:t>
             </a:r>
-            <a:endParaRPr lang="en-US" dirty="0"/>
           </a:p>
         </p:txBody>
       </p:sp>
@@ -12888,19 +12369,17 @@
           <a:lstStyle/>
           <a:p>
             <a:r>
-              <a:rPr lang="en-US" dirty="0" smtClean="0"/>
+              <a:rPr lang="en-US" dirty="0"/>
               <a:t>If you have questions about this lesson, ask them on the Discussion Board</a:t>
             </a:r>
           </a:p>
           <a:p>
             <a:r>
-              <a:rPr lang="en-US" smtClean="0"/>
-              <a:t>Go </a:t>
-            </a:r>
-            <a:r>
-              <a:rPr lang="en-US" dirty="0" smtClean="0"/>
-              <a:t>on to the next lesson</a:t>
-            </a:r>
+              <a:rPr lang="en-US"/>
+              <a:t>Do Problem Set 07</a:t>
+            </a:r>
+          </a:p>
+          <a:p>
             <a:endParaRPr lang="en-US" dirty="0"/>
           </a:p>
         </p:txBody>
@@ -12951,13 +12430,6 @@
   <p:clrMapOvr>
     <a:masterClrMapping/>
   </p:clrMapOvr>
-  <p:timing>
-    <p:tnLst>
-      <p:par>
-        <p:cTn id="1" dur="indefinite" restart="never" nodeType="tmRoot"/>
-      </p:par>
-    </p:tnLst>
-  </p:timing>
 </p:sld>
 </file>
 
@@ -12994,10 +12466,9 @@
           <a:lstStyle/>
           <a:p>
             <a:r>
-              <a:rPr lang="en-US" dirty="0" smtClean="0"/>
+              <a:rPr lang="en-US" dirty="0"/>
               <a:t>Learning Objectives</a:t>
             </a:r>
-            <a:endParaRPr lang="en-US" dirty="0"/>
           </a:p>
         </p:txBody>
       </p:sp>
@@ -13017,78 +12488,78 @@
           <a:lstStyle/>
           <a:p>
             <a:r>
-              <a:rPr lang="en-US" dirty="0" smtClean="0"/>
+              <a:rPr lang="en-US" dirty="0"/>
               <a:t>At the end of this lesson you should be able to:</a:t>
             </a:r>
           </a:p>
           <a:p>
             <a:pPr lvl="1"/>
             <a:r>
-              <a:rPr lang="en-US" dirty="0" smtClean="0"/>
+              <a:rPr lang="en-US" dirty="0"/>
               <a:t>explain what </a:t>
             </a:r>
             <a:r>
-              <a:rPr lang="en-US" b="1" dirty="0" smtClean="0"/>
+              <a:rPr lang="en-US" b="1" dirty="0"/>
               <a:t>foldr</a:t>
             </a:r>
             <a:r>
-              <a:rPr lang="en-US" dirty="0" smtClean="0"/>
+              <a:rPr lang="en-US" dirty="0"/>
               <a:t> and </a:t>
             </a:r>
             <a:r>
-              <a:rPr lang="en-US" b="1" dirty="0" err="1" smtClean="0"/>
+              <a:rPr lang="en-US" b="1" dirty="0" err="1"/>
               <a:t>foldl</a:t>
             </a:r>
             <a:r>
-              <a:rPr lang="en-US" dirty="0" smtClean="0"/>
+              <a:rPr lang="en-US" dirty="0"/>
               <a:t> compute</a:t>
             </a:r>
           </a:p>
           <a:p>
             <a:pPr lvl="1"/>
             <a:r>
-              <a:rPr lang="en-US" dirty="0" smtClean="0"/>
+              <a:rPr lang="en-US" dirty="0"/>
               <a:t>explain the difference between </a:t>
             </a:r>
             <a:r>
-              <a:rPr lang="en-US" b="1" dirty="0" smtClean="0"/>
+              <a:rPr lang="en-US" b="1" dirty="0"/>
               <a:t>foldr</a:t>
             </a:r>
             <a:r>
-              <a:rPr lang="en-US" dirty="0" smtClean="0"/>
+              <a:rPr lang="en-US" dirty="0"/>
               <a:t> and </a:t>
             </a:r>
             <a:r>
-              <a:rPr lang="en-US" b="1" dirty="0" err="1" smtClean="0"/>
+              <a:rPr lang="en-US" b="1" dirty="0" err="1"/>
               <a:t>foldl</a:t>
             </a:r>
-            <a:endParaRPr lang="en-US" b="1" dirty="0" smtClean="0"/>
+            <a:endParaRPr lang="en-US" b="1" dirty="0"/>
           </a:p>
           <a:p>
             <a:pPr lvl="1"/>
             <a:r>
-              <a:rPr lang="en-US" dirty="0" smtClean="0"/>
+              <a:rPr lang="en-US" dirty="0"/>
               <a:t>explain why they are called "fold right" and "fold left"</a:t>
             </a:r>
           </a:p>
           <a:p>
             <a:pPr lvl="1"/>
             <a:r>
-              <a:rPr lang="en-US" dirty="0" smtClean="0"/>
+              <a:rPr lang="en-US" dirty="0"/>
               <a:t>use </a:t>
             </a:r>
             <a:r>
-              <a:rPr lang="en-US" b="1" dirty="0" err="1" smtClean="0"/>
+              <a:rPr lang="en-US" b="1" dirty="0" err="1"/>
               <a:t>foldl</a:t>
             </a:r>
             <a:r>
-              <a:rPr lang="en-US" dirty="0" smtClean="0"/>
+              <a:rPr lang="en-US" dirty="0"/>
               <a:t> in a function definition</a:t>
             </a:r>
           </a:p>
           <a:p>
             <a:pPr lvl="1"/>
-            <a:endParaRPr lang="en-US" dirty="0" smtClean="0"/>
+            <a:endParaRPr lang="en-US" dirty="0"/>
           </a:p>
         </p:txBody>
       </p:sp>
@@ -13126,13 +12597,6 @@
   <p:clrMapOvr>
     <a:masterClrMapping/>
   </p:clrMapOvr>
-  <p:timing>
-    <p:tnLst>
-      <p:par>
-        <p:cTn id="1" dur="indefinite" restart="never" nodeType="tmRoot"/>
-      </p:par>
-    </p:tnLst>
-  </p:timing>
 </p:sld>
 </file>
 
@@ -13171,10 +12635,9 @@
           <a:lstStyle/>
           <a:p>
             <a:r>
-              <a:rPr lang="en-US" dirty="0" smtClean="0"/>
+              <a:rPr lang="en-US" dirty="0"/>
               <a:t>Foldr: the general picture</a:t>
             </a:r>
-            <a:endParaRPr lang="en-US" dirty="0"/>
           </a:p>
         </p:txBody>
       </p:sp>
@@ -13243,16 +12706,12 @@
           <a:p>
             <a:pPr algn="ctr"/>
             <a:r>
-              <a:rPr lang="en-US" sz="3600" b="1" dirty="0" smtClean="0">
+              <a:rPr lang="en-US" sz="3600" b="1" dirty="0">
                 <a:latin typeface="Consolas" pitchFamily="49" charset="0"/>
                 <a:cs typeface="Consolas" pitchFamily="49" charset="0"/>
               </a:rPr>
               <a:t>(</a:t>
             </a:r>
-            <a:endParaRPr lang="en-US" sz="3600" b="1" dirty="0">
-              <a:latin typeface="Consolas" pitchFamily="49" charset="0"/>
-              <a:cs typeface="Consolas" pitchFamily="49" charset="0"/>
-            </a:endParaRPr>
           </a:p>
         </p:txBody>
       </p:sp>
@@ -13297,16 +12756,12 @@
           <a:p>
             <a:pPr algn="ctr"/>
             <a:r>
-              <a:rPr lang="en-US" sz="3600" b="1" dirty="0" smtClean="0">
+              <a:rPr lang="en-US" sz="3600" b="1" dirty="0">
                 <a:latin typeface="Consolas" pitchFamily="49" charset="0"/>
                 <a:cs typeface="Consolas" pitchFamily="49" charset="0"/>
               </a:rPr>
               <a:t>)</a:t>
             </a:r>
-            <a:endParaRPr lang="en-US" sz="3600" b="1" dirty="0">
-              <a:latin typeface="Consolas" pitchFamily="49" charset="0"/>
-              <a:cs typeface="Consolas" pitchFamily="49" charset="0"/>
-            </a:endParaRPr>
           </a:p>
         </p:txBody>
       </p:sp>
@@ -13372,16 +12827,12 @@
             <a:p>
               <a:pPr algn="ctr"/>
               <a:r>
-                <a:rPr lang="en-US" sz="3600" b="1" dirty="0" smtClean="0">
+                <a:rPr lang="en-US" sz="3600" b="1" dirty="0">
                   <a:latin typeface="Consolas" pitchFamily="49" charset="0"/>
                   <a:cs typeface="Consolas" pitchFamily="49" charset="0"/>
                 </a:rPr>
                 <a:t>x1</a:t>
               </a:r>
-              <a:endParaRPr lang="en-US" sz="3600" b="1" dirty="0">
-                <a:latin typeface="Consolas" pitchFamily="49" charset="0"/>
-                <a:cs typeface="Consolas" pitchFamily="49" charset="0"/>
-              </a:endParaRPr>
             </a:p>
           </p:txBody>
         </p:sp>
@@ -13549,16 +13000,12 @@
             <a:p>
               <a:pPr algn="ctr"/>
               <a:r>
-                <a:rPr lang="en-US" sz="3600" b="1" dirty="0" smtClean="0">
+                <a:rPr lang="en-US" sz="3600" b="1" dirty="0">
                   <a:latin typeface="Consolas" pitchFamily="49" charset="0"/>
                   <a:cs typeface="Consolas" pitchFamily="49" charset="0"/>
                 </a:rPr>
                 <a:t>x3</a:t>
               </a:r>
-              <a:endParaRPr lang="en-US" sz="3600" b="1" dirty="0">
-                <a:latin typeface="Consolas" pitchFamily="49" charset="0"/>
-                <a:cs typeface="Consolas" pitchFamily="49" charset="0"/>
-              </a:endParaRPr>
             </a:p>
           </p:txBody>
         </p:sp>
@@ -13722,16 +13169,12 @@
             <a:p>
               <a:pPr algn="ctr"/>
               <a:r>
-                <a:rPr lang="en-US" sz="3600" b="1" dirty="0" smtClean="0">
+                <a:rPr lang="en-US" sz="3600" b="1" dirty="0">
                   <a:latin typeface="Consolas" pitchFamily="49" charset="0"/>
                   <a:cs typeface="Consolas" pitchFamily="49" charset="0"/>
                 </a:rPr>
                 <a:t>x2</a:t>
               </a:r>
-              <a:endParaRPr lang="en-US" sz="3600" b="1" dirty="0">
-                <a:latin typeface="Consolas" pitchFamily="49" charset="0"/>
-                <a:cs typeface="Consolas" pitchFamily="49" charset="0"/>
-              </a:endParaRPr>
             </a:p>
           </p:txBody>
         </p:sp>
@@ -13889,16 +13332,12 @@
             <a:p>
               <a:pPr algn="ctr"/>
               <a:r>
-                <a:rPr lang="en-US" sz="3600" b="1" dirty="0" smtClean="0">
+                <a:rPr lang="en-US" sz="3600" b="1" dirty="0">
                   <a:latin typeface="Consolas" pitchFamily="49" charset="0"/>
                   <a:cs typeface="Consolas" pitchFamily="49" charset="0"/>
                 </a:rPr>
                 <a:t>x4</a:t>
               </a:r>
-              <a:endParaRPr lang="en-US" sz="3600" b="1" dirty="0">
-                <a:latin typeface="Consolas" pitchFamily="49" charset="0"/>
-                <a:cs typeface="Consolas" pitchFamily="49" charset="0"/>
-              </a:endParaRPr>
             </a:p>
           </p:txBody>
         </p:sp>
@@ -14062,16 +13501,12 @@
             <a:p>
               <a:pPr algn="ctr"/>
               <a:r>
-                <a:rPr lang="en-US" sz="3600" b="1" dirty="0" smtClean="0">
+                <a:rPr lang="en-US" sz="3600" b="1" dirty="0">
                   <a:latin typeface="Consolas" pitchFamily="49" charset="0"/>
                   <a:cs typeface="Consolas" pitchFamily="49" charset="0"/>
                 </a:rPr>
                 <a:t>x5</a:t>
               </a:r>
-              <a:endParaRPr lang="en-US" sz="3600" b="1" dirty="0">
-                <a:latin typeface="Consolas" pitchFamily="49" charset="0"/>
-                <a:cs typeface="Consolas" pitchFamily="49" charset="0"/>
-              </a:endParaRPr>
             </a:p>
           </p:txBody>
         </p:sp>
@@ -14214,16 +13649,12 @@
           <a:p>
             <a:pPr algn="ctr"/>
             <a:r>
-              <a:rPr lang="en-US" sz="3600" b="1" dirty="0" smtClean="0">
+              <a:rPr lang="en-US" sz="3600" b="1" dirty="0">
                 <a:latin typeface="Consolas" pitchFamily="49" charset="0"/>
                 <a:cs typeface="Consolas" pitchFamily="49" charset="0"/>
               </a:rPr>
               <a:t>a</a:t>
             </a:r>
-            <a:endParaRPr lang="en-US" sz="3600" b="1" dirty="0">
-              <a:latin typeface="Consolas" pitchFamily="49" charset="0"/>
-              <a:cs typeface="Consolas" pitchFamily="49" charset="0"/>
-            </a:endParaRPr>
           </a:p>
         </p:txBody>
       </p:sp>
@@ -14489,30 +13920,26 @@
           <a:lstStyle/>
           <a:p>
             <a:r>
-              <a:rPr lang="en-US" sz="3600" b="1" dirty="0" smtClean="0">
+              <a:rPr lang="en-US" sz="3600" b="1" dirty="0">
                 <a:latin typeface="Consolas" pitchFamily="49" charset="0"/>
                 <a:cs typeface="Consolas" pitchFamily="49" charset="0"/>
               </a:rPr>
               <a:t>(</a:t>
             </a:r>
             <a:r>
-              <a:rPr lang="en-US" sz="3600" b="1" dirty="0" err="1" smtClean="0">
+              <a:rPr lang="en-US" sz="3600" b="1" dirty="0" err="1">
                 <a:latin typeface="Consolas" pitchFamily="49" charset="0"/>
                 <a:cs typeface="Consolas" pitchFamily="49" charset="0"/>
               </a:rPr>
               <a:t>foldr</a:t>
             </a:r>
             <a:r>
-              <a:rPr lang="en-US" sz="3600" b="1" dirty="0" smtClean="0">
+              <a:rPr lang="en-US" sz="3600" b="1" dirty="0">
                 <a:latin typeface="Consolas" pitchFamily="49" charset="0"/>
                 <a:cs typeface="Consolas" pitchFamily="49" charset="0"/>
               </a:rPr>
               <a:t> f a (list x1 ... x5))</a:t>
             </a:r>
-            <a:endParaRPr lang="en-US" sz="3600" b="1" dirty="0">
-              <a:latin typeface="Consolas" pitchFamily="49" charset="0"/>
-              <a:cs typeface="Consolas" pitchFamily="49" charset="0"/>
-            </a:endParaRPr>
           </a:p>
         </p:txBody>
       </p:sp>
@@ -14526,13 +13953,6 @@
   <p:clrMapOvr>
     <a:masterClrMapping/>
   </p:clrMapOvr>
-  <p:timing>
-    <p:tnLst>
-      <p:par>
-        <p:cTn id="1" dur="indefinite" restart="never" nodeType="tmRoot"/>
-      </p:par>
-    </p:tnLst>
-  </p:timing>
 </p:sld>
 </file>
 
@@ -14569,11 +13989,11 @@
           <a:lstStyle/>
           <a:p>
             <a:r>
-              <a:rPr lang="en-US" dirty="0" smtClean="0"/>
+              <a:rPr lang="en-US" dirty="0"/>
               <a:t>Another picture of </a:t>
             </a:r>
             <a:r>
-              <a:rPr lang="en-US" dirty="0" err="1" smtClean="0"/>
+              <a:rPr lang="en-US" dirty="0" err="1"/>
               <a:t>foldr</a:t>
             </a:r>
             <a:endParaRPr lang="en-US" dirty="0"/>
@@ -14601,7 +14021,7 @@
               <a:buNone/>
             </a:pPr>
             <a:r>
-              <a:rPr lang="en-US" sz="3400" dirty="0" smtClean="0"/>
+              <a:rPr lang="en-US" sz="3400" dirty="0"/>
               <a:t>The textbook says:</a:t>
             </a:r>
           </a:p>
@@ -14609,42 +14029,42 @@
             <a:pPr>
               <a:buNone/>
             </a:pPr>
-            <a:endParaRPr lang="en-US" dirty="0" smtClean="0"/>
+            <a:endParaRPr lang="en-US" dirty="0"/>
           </a:p>
           <a:p>
             <a:pPr>
               <a:buNone/>
             </a:pPr>
             <a:r>
-              <a:rPr lang="en-US" sz="3400" b="1" dirty="0" smtClean="0">
+              <a:rPr lang="en-US" sz="3400" b="1" dirty="0">
                 <a:latin typeface="Consolas" pitchFamily="49" charset="0"/>
                 <a:cs typeface="Consolas" pitchFamily="49" charset="0"/>
               </a:rPr>
               <a:t>;; </a:t>
             </a:r>
             <a:r>
-              <a:rPr lang="en-US" sz="3400" b="1" dirty="0" err="1" smtClean="0">
+              <a:rPr lang="en-US" sz="3400" b="1" dirty="0" err="1">
                 <a:latin typeface="Consolas" pitchFamily="49" charset="0"/>
                 <a:cs typeface="Consolas" pitchFamily="49" charset="0"/>
               </a:rPr>
               <a:t>foldr</a:t>
             </a:r>
             <a:r>
-              <a:rPr lang="en-US" sz="3400" b="1" dirty="0" smtClean="0">
+              <a:rPr lang="en-US" sz="3400" b="1" dirty="0">
                 <a:latin typeface="Consolas" pitchFamily="49" charset="0"/>
                 <a:cs typeface="Consolas" pitchFamily="49" charset="0"/>
               </a:rPr>
               <a:t> : (X Y -&gt; Y) Y </a:t>
             </a:r>
             <a:r>
-              <a:rPr lang="en-US" sz="3400" b="1" dirty="0" err="1" smtClean="0">
+              <a:rPr lang="en-US" sz="3400" b="1" dirty="0" err="1">
                 <a:latin typeface="Consolas" pitchFamily="49" charset="0"/>
                 <a:cs typeface="Consolas" pitchFamily="49" charset="0"/>
               </a:rPr>
               <a:t>ListOfX</a:t>
             </a:r>
             <a:r>
-              <a:rPr lang="en-US" sz="3400" b="1" dirty="0" smtClean="0">
+              <a:rPr lang="en-US" sz="3400" b="1" dirty="0">
                 <a:latin typeface="Consolas" pitchFamily="49" charset="0"/>
                 <a:cs typeface="Consolas" pitchFamily="49" charset="0"/>
               </a:rPr>
@@ -14656,35 +14076,35 @@
               <a:buNone/>
             </a:pPr>
             <a:r>
-              <a:rPr lang="en-US" sz="3400" b="1" dirty="0" smtClean="0">
+              <a:rPr lang="en-US" sz="3400" b="1" dirty="0">
                 <a:latin typeface="Consolas" pitchFamily="49" charset="0"/>
                 <a:cs typeface="Consolas" pitchFamily="49" charset="0"/>
               </a:rPr>
               <a:t>;; (</a:t>
             </a:r>
             <a:r>
-              <a:rPr lang="en-US" sz="3400" b="1" dirty="0" err="1" smtClean="0">
+              <a:rPr lang="en-US" sz="3400" b="1" dirty="0" err="1">
                 <a:latin typeface="Consolas" pitchFamily="49" charset="0"/>
                 <a:cs typeface="Consolas" pitchFamily="49" charset="0"/>
               </a:rPr>
               <a:t>foldr</a:t>
             </a:r>
             <a:r>
-              <a:rPr lang="en-US" sz="3400" b="1" dirty="0" smtClean="0">
+              <a:rPr lang="en-US" sz="3400" b="1" dirty="0">
                 <a:latin typeface="Consolas" pitchFamily="49" charset="0"/>
                 <a:cs typeface="Consolas" pitchFamily="49" charset="0"/>
               </a:rPr>
               <a:t> f base (list x_1 ... </a:t>
             </a:r>
             <a:r>
-              <a:rPr lang="en-US" sz="3400" b="1" dirty="0" err="1" smtClean="0">
+              <a:rPr lang="en-US" sz="3400" b="1" dirty="0" err="1">
                 <a:latin typeface="Consolas" pitchFamily="49" charset="0"/>
                 <a:cs typeface="Consolas" pitchFamily="49" charset="0"/>
               </a:rPr>
               <a:t>x_n</a:t>
             </a:r>
             <a:r>
-              <a:rPr lang="en-US" sz="3400" b="1" dirty="0" smtClean="0">
+              <a:rPr lang="en-US" sz="3400" b="1" dirty="0">
                 <a:latin typeface="Consolas" pitchFamily="49" charset="0"/>
                 <a:cs typeface="Consolas" pitchFamily="49" charset="0"/>
               </a:rPr>
@@ -14696,21 +14116,21 @@
               <a:buNone/>
             </a:pPr>
             <a:r>
-              <a:rPr lang="en-US" sz="3400" b="1" dirty="0" smtClean="0">
+              <a:rPr lang="en-US" sz="3400" b="1" dirty="0">
                 <a:latin typeface="Consolas" pitchFamily="49" charset="0"/>
                 <a:cs typeface="Consolas" pitchFamily="49" charset="0"/>
               </a:rPr>
               <a:t>;;   = (f x_1 ... (f </a:t>
             </a:r>
             <a:r>
-              <a:rPr lang="en-US" sz="3400" b="1" dirty="0" err="1" smtClean="0">
+              <a:rPr lang="en-US" sz="3400" b="1" dirty="0" err="1">
                 <a:latin typeface="Consolas" pitchFamily="49" charset="0"/>
                 <a:cs typeface="Consolas" pitchFamily="49" charset="0"/>
               </a:rPr>
               <a:t>x_n</a:t>
             </a:r>
             <a:r>
-              <a:rPr lang="en-US" sz="3400" b="1" dirty="0" smtClean="0">
+              <a:rPr lang="en-US" sz="3400" b="1" dirty="0">
                 <a:latin typeface="Consolas" pitchFamily="49" charset="0"/>
                 <a:cs typeface="Consolas" pitchFamily="49" charset="0"/>
               </a:rPr>
@@ -14721,14 +14141,14 @@
             <a:pPr>
               <a:buNone/>
             </a:pPr>
-            <a:endParaRPr lang="en-US" dirty="0" smtClean="0"/>
+            <a:endParaRPr lang="en-US" dirty="0"/>
           </a:p>
           <a:p>
             <a:pPr>
               <a:buNone/>
             </a:pPr>
             <a:r>
-              <a:rPr lang="en-US" sz="3400" dirty="0" smtClean="0"/>
+              <a:rPr lang="en-US" sz="3400" dirty="0"/>
               <a:t>This may be clearer if we write the combiner in infix:</a:t>
             </a:r>
           </a:p>
@@ -14737,31 +14157,31 @@
               <a:buNone/>
             </a:pPr>
             <a:r>
-              <a:rPr lang="en-US" sz="3400" dirty="0" smtClean="0"/>
+              <a:rPr lang="en-US" sz="3400" dirty="0"/>
               <a:t>   </a:t>
             </a:r>
             <a:r>
-              <a:rPr lang="en-US" sz="3400" dirty="0" err="1" smtClean="0"/>
+              <a:rPr lang="en-US" sz="3400" dirty="0" err="1"/>
               <a:t>eg</a:t>
             </a:r>
             <a:r>
-              <a:rPr lang="en-US" sz="3400" dirty="0" smtClean="0"/>
+              <a:rPr lang="en-US" sz="3400" dirty="0"/>
               <a:t>  </a:t>
             </a:r>
             <a:r>
-              <a:rPr lang="en-US" sz="3400" b="1" dirty="0" smtClean="0"/>
+              <a:rPr lang="en-US" sz="3400" b="1" dirty="0"/>
               <a:t>(x - y) </a:t>
             </a:r>
             <a:r>
-              <a:rPr lang="en-US" sz="3400" dirty="0" smtClean="0"/>
+              <a:rPr lang="en-US" sz="3400" dirty="0"/>
               <a:t>instead of </a:t>
             </a:r>
             <a:r>
-              <a:rPr lang="en-US" sz="3400" b="1" dirty="0" smtClean="0"/>
+              <a:rPr lang="en-US" sz="3400" b="1" dirty="0"/>
               <a:t>(f x y) </a:t>
             </a:r>
             <a:r>
-              <a:rPr lang="en-US" sz="3400" dirty="0" smtClean="0"/>
+              <a:rPr lang="en-US" sz="3400" dirty="0"/>
               <a:t>:</a:t>
             </a:r>
           </a:p>
@@ -14769,42 +14189,42 @@
             <a:pPr>
               <a:buNone/>
             </a:pPr>
-            <a:endParaRPr lang="en-US" sz="3400" dirty="0" smtClean="0"/>
+            <a:endParaRPr lang="en-US" sz="3400" dirty="0"/>
           </a:p>
           <a:p>
             <a:pPr>
               <a:buNone/>
             </a:pPr>
             <a:r>
-              <a:rPr lang="en-US" sz="3400" b="1" dirty="0" smtClean="0">
+              <a:rPr lang="en-US" sz="3400" b="1" dirty="0">
                 <a:latin typeface="Consolas" pitchFamily="49" charset="0"/>
                 <a:cs typeface="Consolas" pitchFamily="49" charset="0"/>
               </a:rPr>
               <a:t>(</a:t>
             </a:r>
             <a:r>
-              <a:rPr lang="en-US" sz="3400" b="1" dirty="0" err="1" smtClean="0">
+              <a:rPr lang="en-US" sz="3400" b="1" dirty="0" err="1">
                 <a:latin typeface="Consolas" pitchFamily="49" charset="0"/>
                 <a:cs typeface="Consolas" pitchFamily="49" charset="0"/>
               </a:rPr>
               <a:t>foldr</a:t>
             </a:r>
             <a:r>
-              <a:rPr lang="en-US" sz="3400" b="1" dirty="0" smtClean="0">
+              <a:rPr lang="en-US" sz="3400" b="1" dirty="0">
                 <a:latin typeface="Consolas" pitchFamily="49" charset="0"/>
                 <a:cs typeface="Consolas" pitchFamily="49" charset="0"/>
               </a:rPr>
               <a:t> – a (list x1 ... </a:t>
             </a:r>
             <a:r>
-              <a:rPr lang="en-US" sz="3400" b="1" dirty="0" err="1" smtClean="0">
+              <a:rPr lang="en-US" sz="3400" b="1" dirty="0" err="1">
                 <a:latin typeface="Consolas" pitchFamily="49" charset="0"/>
                 <a:cs typeface="Consolas" pitchFamily="49" charset="0"/>
               </a:rPr>
               <a:t>xn</a:t>
             </a:r>
             <a:r>
-              <a:rPr lang="en-US" sz="3400" b="1" dirty="0" smtClean="0">
+              <a:rPr lang="en-US" sz="3400" b="1" dirty="0">
                 <a:latin typeface="Consolas" pitchFamily="49" charset="0"/>
                 <a:cs typeface="Consolas" pitchFamily="49" charset="0"/>
               </a:rPr>
@@ -14816,21 +14236,21 @@
               <a:buNone/>
             </a:pPr>
             <a:r>
-              <a:rPr lang="en-US" sz="3400" b="1" dirty="0" smtClean="0">
+              <a:rPr lang="en-US" sz="3400" b="1" dirty="0">
                 <a:latin typeface="Consolas" pitchFamily="49" charset="0"/>
                 <a:cs typeface="Consolas" pitchFamily="49" charset="0"/>
               </a:rPr>
               <a:t>  x1 – (x2 – (... – (</a:t>
             </a:r>
             <a:r>
-              <a:rPr lang="en-US" sz="3400" b="1" dirty="0" err="1" smtClean="0">
+              <a:rPr lang="en-US" sz="3400" b="1" dirty="0" err="1">
                 <a:latin typeface="Consolas" pitchFamily="49" charset="0"/>
                 <a:cs typeface="Consolas" pitchFamily="49" charset="0"/>
               </a:rPr>
               <a:t>xn</a:t>
             </a:r>
             <a:r>
-              <a:rPr lang="en-US" sz="3400" b="1" dirty="0" smtClean="0">
+              <a:rPr lang="en-US" sz="3400" b="1" dirty="0">
                 <a:latin typeface="Consolas" pitchFamily="49" charset="0"/>
                 <a:cs typeface="Consolas" pitchFamily="49" charset="0"/>
               </a:rPr>
@@ -14878,12 +14298,14 @@
             <a:avLst/>
           </a:prstGeom>
           <a:solidFill>
-            <a:schemeClr val="accent3">
-              <a:lumMod val="40000"/>
-              <a:lumOff val="60000"/>
+            <a:schemeClr val="accent1">
+              <a:lumMod val="20000"/>
+              <a:lumOff val="80000"/>
             </a:schemeClr>
           </a:solidFill>
-          <a:ln/>
+          <a:ln>
+            <a:noFill/>
+          </a:ln>
         </p:spPr>
         <p:style>
           <a:lnRef idx="2">
@@ -14908,83 +14330,24 @@
           </a:bodyPr>
           <a:lstStyle/>
           <a:p>
-            <a:pPr>
-              <a:defRPr/>
-            </a:pPr>
-            <a:r>
-              <a:rPr lang="en-US" dirty="0" smtClean="0">
+            <a:r>
+              <a:rPr lang="en-US" dirty="0">
                 <a:solidFill>
                   <a:schemeClr val="tx1"/>
                 </a:solidFill>
               </a:rPr>
-              <a:t>We use </a:t>
-            </a:r>
-            <a:r>
-              <a:rPr lang="en-US" b="1" dirty="0" smtClean="0">
-                <a:solidFill>
-                  <a:schemeClr val="tx1"/>
-                </a:solidFill>
-              </a:rPr>
-              <a:t>–</a:t>
-            </a:r>
-            <a:r>
-              <a:rPr lang="en-US" dirty="0" smtClean="0">
-                <a:solidFill>
-                  <a:schemeClr val="tx1"/>
-                </a:solidFill>
-              </a:rPr>
-              <a:t> instead of </a:t>
-            </a:r>
-            <a:r>
-              <a:rPr lang="en-US" b="1" dirty="0" smtClean="0">
-                <a:solidFill>
-                  <a:schemeClr val="tx1"/>
-                </a:solidFill>
-              </a:rPr>
-              <a:t>+</a:t>
-            </a:r>
-            <a:r>
-              <a:rPr lang="en-US" dirty="0" smtClean="0">
-                <a:solidFill>
-                  <a:schemeClr val="tx1"/>
-                </a:solidFill>
-              </a:rPr>
-              <a:t>, because </a:t>
-            </a:r>
-            <a:r>
-              <a:rPr lang="en-US" b="1" dirty="0" smtClean="0">
-                <a:solidFill>
-                  <a:schemeClr val="tx1"/>
-                </a:solidFill>
-              </a:rPr>
-              <a:t>–</a:t>
-            </a:r>
-            <a:r>
-              <a:rPr lang="en-US" dirty="0" smtClean="0">
-                <a:solidFill>
-                  <a:schemeClr val="tx1"/>
-                </a:solidFill>
-              </a:rPr>
-              <a:t> is not associative.  So it makes a difference which way you associate</a:t>
-            </a:r>
-          </a:p>
-          <a:p>
-            <a:pPr>
-              <a:defRPr/>
-            </a:pPr>
-            <a:r>
-              <a:rPr lang="en-US" b="1" dirty="0" smtClean="0">
+              <a:t>We use – instead of +, because – is not associative.  So it makes a difference which way you associate</a:t>
+            </a:r>
+          </a:p>
+          <a:p>
+            <a:r>
+              <a:rPr lang="en-US" dirty="0">
                 <a:solidFill>
                   <a:schemeClr val="tx1"/>
                 </a:solidFill>
               </a:rPr>
               <a:t>x1 – x2 – x3 – x4</a:t>
             </a:r>
-            <a:endParaRPr lang="en-US" b="1" dirty="0">
-              <a:solidFill>
-                <a:schemeClr val="tx1"/>
-              </a:solidFill>
-            </a:endParaRPr>
           </a:p>
         </p:txBody>
       </p:sp>
@@ -14993,13 +14356,6 @@
   <p:clrMapOvr>
     <a:masterClrMapping/>
   </p:clrMapOvr>
-  <p:timing>
-    <p:tnLst>
-      <p:par>
-        <p:cTn id="1" dur="indefinite" restart="never" nodeType="tmRoot"/>
-      </p:par>
-    </p:tnLst>
-  </p:timing>
 </p:sld>
 </file>
 
@@ -15038,10 +14394,9 @@
           <a:lstStyle/>
           <a:p>
             <a:r>
-              <a:rPr lang="en-US" dirty="0" smtClean="0"/>
+              <a:rPr lang="en-US" dirty="0"/>
               <a:t>What if we wanted to associate the other way?</a:t>
             </a:r>
-            <a:endParaRPr lang="en-US" dirty="0"/>
           </a:p>
         </p:txBody>
       </p:sp>
@@ -15066,7 +14421,7 @@
               <a:buNone/>
             </a:pPr>
             <a:r>
-              <a:rPr lang="en-US" dirty="0" smtClean="0"/>
+              <a:rPr lang="en-US" dirty="0"/>
               <a:t>Instead of </a:t>
             </a:r>
           </a:p>
@@ -15075,21 +14430,21 @@
               <a:buNone/>
             </a:pPr>
             <a:r>
-              <a:rPr lang="en-US" b="1" dirty="0" smtClean="0">
+              <a:rPr lang="en-US" b="1" dirty="0">
                 <a:latin typeface="Consolas" pitchFamily="49" charset="0"/>
                 <a:cs typeface="Consolas" pitchFamily="49" charset="0"/>
               </a:rPr>
               <a:t>x1 – (x2 – (... – (</a:t>
             </a:r>
             <a:r>
-              <a:rPr lang="en-US" b="1" dirty="0" err="1" smtClean="0">
+              <a:rPr lang="en-US" b="1" dirty="0" err="1">
                 <a:latin typeface="Consolas" pitchFamily="49" charset="0"/>
                 <a:cs typeface="Consolas" pitchFamily="49" charset="0"/>
               </a:rPr>
               <a:t>xn</a:t>
             </a:r>
             <a:r>
-              <a:rPr lang="en-US" b="1" dirty="0" smtClean="0">
+              <a:rPr lang="en-US" b="1" dirty="0">
                 <a:latin typeface="Consolas" pitchFamily="49" charset="0"/>
                 <a:cs typeface="Consolas" pitchFamily="49" charset="0"/>
               </a:rPr>
@@ -15101,7 +14456,7 @@
               <a:buNone/>
             </a:pPr>
             <a:r>
-              <a:rPr lang="en-US" dirty="0" smtClean="0">
+              <a:rPr lang="en-US" dirty="0">
                 <a:latin typeface="Consolas" pitchFamily="49" charset="0"/>
                 <a:cs typeface="Consolas" pitchFamily="49" charset="0"/>
               </a:rPr>
@@ -15113,30 +14468,26 @@
               <a:buNone/>
             </a:pPr>
             <a:r>
-              <a:rPr lang="en-US" b="1" dirty="0" smtClean="0">
+              <a:rPr lang="en-US" b="1" dirty="0">
                 <a:latin typeface="Consolas" pitchFamily="49" charset="0"/>
                 <a:cs typeface="Consolas" pitchFamily="49" charset="0"/>
               </a:rPr>
               <a:t>(((a – x1) – x2) ... – </a:t>
             </a:r>
             <a:r>
-              <a:rPr lang="en-US" b="1" dirty="0" err="1" smtClean="0">
+              <a:rPr lang="en-US" b="1" dirty="0" err="1">
                 <a:latin typeface="Consolas" pitchFamily="49" charset="0"/>
                 <a:cs typeface="Consolas" pitchFamily="49" charset="0"/>
               </a:rPr>
               <a:t>xn</a:t>
             </a:r>
             <a:r>
-              <a:rPr lang="en-US" b="1" dirty="0" smtClean="0">
+              <a:rPr lang="en-US" b="1" dirty="0">
                 <a:latin typeface="Consolas" pitchFamily="49" charset="0"/>
                 <a:cs typeface="Consolas" pitchFamily="49" charset="0"/>
               </a:rPr>
               <a:t>)</a:t>
             </a:r>
-            <a:endParaRPr lang="en-US" b="1" dirty="0">
-              <a:latin typeface="Consolas" pitchFamily="49" charset="0"/>
-              <a:cs typeface="Consolas" pitchFamily="49" charset="0"/>
-            </a:endParaRPr>
           </a:p>
         </p:txBody>
       </p:sp>
@@ -15179,12 +14530,14 @@
             <a:avLst/>
           </a:prstGeom>
           <a:solidFill>
-            <a:schemeClr val="accent3">
-              <a:lumMod val="40000"/>
-              <a:lumOff val="60000"/>
+            <a:schemeClr val="accent1">
+              <a:lumMod val="20000"/>
+              <a:lumOff val="80000"/>
             </a:schemeClr>
           </a:solidFill>
-          <a:ln/>
+          <a:ln>
+            <a:noFill/>
+          </a:ln>
         </p:spPr>
         <p:style>
           <a:lnRef idx="2">
@@ -15210,7 +14563,7 @@
           <a:lstStyle/>
           <a:p>
             <a:r>
-              <a:rPr lang="en-US" b="1" dirty="0" smtClean="0">
+              <a:rPr lang="en-US" b="1" dirty="0">
                 <a:solidFill>
                   <a:schemeClr val="tx1"/>
                 </a:solidFill>
@@ -15218,7 +14571,7 @@
               <a:t>foldr</a:t>
             </a:r>
             <a:r>
-              <a:rPr lang="en-US" dirty="0" smtClean="0">
+              <a:rPr lang="en-US" dirty="0">
                 <a:solidFill>
                   <a:schemeClr val="tx1"/>
                 </a:solidFill>
@@ -15243,12 +14596,14 @@
             <a:avLst/>
           </a:prstGeom>
           <a:solidFill>
-            <a:schemeClr val="accent3">
-              <a:lumMod val="40000"/>
-              <a:lumOff val="60000"/>
+            <a:schemeClr val="accent1">
+              <a:lumMod val="20000"/>
+              <a:lumOff val="80000"/>
             </a:schemeClr>
           </a:solidFill>
-          <a:ln/>
+          <a:ln>
+            <a:noFill/>
+          </a:ln>
         </p:spPr>
         <p:style>
           <a:lnRef idx="2">
@@ -15274,7 +14629,7 @@
           <a:lstStyle/>
           <a:p>
             <a:r>
-              <a:rPr lang="en-US" b="1" dirty="0" err="1" smtClean="0">
+              <a:rPr lang="en-US" b="1" dirty="0" err="1">
                 <a:solidFill>
                   <a:schemeClr val="tx1"/>
                 </a:solidFill>
@@ -15282,7 +14637,7 @@
               <a:t>foldl</a:t>
             </a:r>
             <a:r>
-              <a:rPr lang="en-US" dirty="0" smtClean="0">
+              <a:rPr lang="en-US" dirty="0">
                 <a:solidFill>
                   <a:schemeClr val="tx1"/>
                 </a:solidFill>
@@ -15297,13 +14652,6 @@
   <p:clrMapOvr>
     <a:masterClrMapping/>
   </p:clrMapOvr>
-  <p:timing>
-    <p:tnLst>
-      <p:par>
-        <p:cTn id="1" dur="indefinite" restart="never" nodeType="tmRoot"/>
-      </p:par>
-    </p:tnLst>
-  </p:timing>
 </p:sld>
 </file>
 
@@ -15342,10 +14690,9 @@
           <a:lstStyle/>
           <a:p>
             <a:r>
-              <a:rPr lang="en-US" dirty="0" smtClean="0"/>
+              <a:rPr lang="en-US" dirty="0"/>
               <a:t>For this computation, the pipeline goes the other way</a:t>
             </a:r>
-            <a:endParaRPr lang="en-US" dirty="0"/>
           </a:p>
         </p:txBody>
       </p:sp>
@@ -15396,28 +14743,28 @@
           <a:lstStyle/>
           <a:p>
             <a:r>
-              <a:rPr lang="en-US" sz="3600" b="1" dirty="0" smtClean="0">
+              <a:rPr lang="en-US" sz="3600" b="1" dirty="0">
                 <a:latin typeface="Consolas" pitchFamily="49" charset="0"/>
                 <a:cs typeface="Consolas" pitchFamily="49" charset="0"/>
               </a:rPr>
               <a:t>(</a:t>
             </a:r>
             <a:r>
-              <a:rPr lang="en-US" sz="3600" b="1" dirty="0" err="1" smtClean="0">
+              <a:rPr lang="en-US" sz="3600" b="1" dirty="0" err="1">
                 <a:latin typeface="Consolas" pitchFamily="49" charset="0"/>
                 <a:cs typeface="Consolas" pitchFamily="49" charset="0"/>
               </a:rPr>
               <a:t>foldl</a:t>
             </a:r>
             <a:r>
-              <a:rPr lang="en-US" sz="3600" b="1" dirty="0" smtClean="0">
+              <a:rPr lang="en-US" sz="3600" b="1" dirty="0">
                 <a:latin typeface="Consolas" pitchFamily="49" charset="0"/>
                 <a:cs typeface="Consolas" pitchFamily="49" charset="0"/>
               </a:rPr>
               <a:t> f a (list x1 ... </a:t>
             </a:r>
             <a:r>
-              <a:rPr lang="en-US" sz="3600" b="1" smtClean="0">
+              <a:rPr lang="en-US" sz="3600" b="1">
                 <a:latin typeface="Consolas" pitchFamily="49" charset="0"/>
                 <a:cs typeface="Consolas" pitchFamily="49" charset="0"/>
               </a:rPr>
@@ -15491,16 +14838,12 @@
             <a:p>
               <a:pPr algn="ctr"/>
               <a:r>
-                <a:rPr lang="en-US" sz="3600" b="1" dirty="0" smtClean="0">
+                <a:rPr lang="en-US" sz="3600" b="1" dirty="0">
                   <a:latin typeface="Consolas" pitchFamily="49" charset="0"/>
                   <a:cs typeface="Consolas" pitchFamily="49" charset="0"/>
                 </a:rPr>
                 <a:t>(</a:t>
               </a:r>
-              <a:endParaRPr lang="en-US" sz="3600" b="1" dirty="0">
-                <a:latin typeface="Consolas" pitchFamily="49" charset="0"/>
-                <a:cs typeface="Consolas" pitchFamily="49" charset="0"/>
-              </a:endParaRPr>
             </a:p>
           </p:txBody>
         </p:sp>
@@ -15544,16 +14887,12 @@
             <a:p>
               <a:pPr algn="ctr"/>
               <a:r>
-                <a:rPr lang="en-US" sz="3600" b="1" dirty="0" smtClean="0">
+                <a:rPr lang="en-US" sz="3600" b="1" dirty="0">
                   <a:latin typeface="Consolas" pitchFamily="49" charset="0"/>
                   <a:cs typeface="Consolas" pitchFamily="49" charset="0"/>
                 </a:rPr>
                 <a:t>)</a:t>
               </a:r>
-              <a:endParaRPr lang="en-US" sz="3600" b="1" dirty="0">
-                <a:latin typeface="Consolas" pitchFamily="49" charset="0"/>
-                <a:cs typeface="Consolas" pitchFamily="49" charset="0"/>
-              </a:endParaRPr>
             </a:p>
           </p:txBody>
         </p:sp>
@@ -15618,16 +14957,12 @@
               <a:p>
                 <a:pPr algn="ctr"/>
                 <a:r>
-                  <a:rPr lang="en-US" sz="3600" b="1" dirty="0" smtClean="0">
+                  <a:rPr lang="en-US" sz="3600" b="1" dirty="0">
                     <a:latin typeface="Consolas" pitchFamily="49" charset="0"/>
                     <a:cs typeface="Consolas" pitchFamily="49" charset="0"/>
                   </a:rPr>
                   <a:t>x1</a:t>
                 </a:r>
-                <a:endParaRPr lang="en-US" sz="3600" b="1" dirty="0">
-                  <a:latin typeface="Consolas" pitchFamily="49" charset="0"/>
-                  <a:cs typeface="Consolas" pitchFamily="49" charset="0"/>
-                </a:endParaRPr>
               </a:p>
             </p:txBody>
           </p:sp>
@@ -15784,16 +15119,12 @@
               <a:p>
                 <a:pPr algn="ctr"/>
                 <a:r>
-                  <a:rPr lang="en-US" sz="3600" b="1" dirty="0" smtClean="0">
+                  <a:rPr lang="en-US" sz="3600" b="1" dirty="0">
                     <a:latin typeface="Consolas" pitchFamily="49" charset="0"/>
                     <a:cs typeface="Consolas" pitchFamily="49" charset="0"/>
                   </a:rPr>
                   <a:t>x3</a:t>
                 </a:r>
-                <a:endParaRPr lang="en-US" sz="3600" b="1" dirty="0">
-                  <a:latin typeface="Consolas" pitchFamily="49" charset="0"/>
-                  <a:cs typeface="Consolas" pitchFamily="49" charset="0"/>
-                </a:endParaRPr>
               </a:p>
             </p:txBody>
           </p:sp>
@@ -15951,16 +15282,12 @@
               <a:p>
                 <a:pPr algn="ctr"/>
                 <a:r>
-                  <a:rPr lang="en-US" sz="3600" b="1" dirty="0" smtClean="0">
+                  <a:rPr lang="en-US" sz="3600" b="1" dirty="0">
                     <a:latin typeface="Consolas" pitchFamily="49" charset="0"/>
                     <a:cs typeface="Consolas" pitchFamily="49" charset="0"/>
                   </a:rPr>
                   <a:t>x2</a:t>
                 </a:r>
-                <a:endParaRPr lang="en-US" sz="3600" b="1" dirty="0">
-                  <a:latin typeface="Consolas" pitchFamily="49" charset="0"/>
-                  <a:cs typeface="Consolas" pitchFamily="49" charset="0"/>
-                </a:endParaRPr>
               </a:p>
             </p:txBody>
           </p:sp>
@@ -16117,16 +15444,12 @@
               <a:p>
                 <a:pPr algn="ctr"/>
                 <a:r>
-                  <a:rPr lang="en-US" sz="3600" b="1" dirty="0" smtClean="0">
+                  <a:rPr lang="en-US" sz="3600" b="1" dirty="0">
                     <a:latin typeface="Consolas" pitchFamily="49" charset="0"/>
                     <a:cs typeface="Consolas" pitchFamily="49" charset="0"/>
                   </a:rPr>
                   <a:t>x4</a:t>
                 </a:r>
-                <a:endParaRPr lang="en-US" sz="3600" b="1" dirty="0">
-                  <a:latin typeface="Consolas" pitchFamily="49" charset="0"/>
-                  <a:cs typeface="Consolas" pitchFamily="49" charset="0"/>
-                </a:endParaRPr>
               </a:p>
             </p:txBody>
           </p:sp>
@@ -16283,16 +15606,12 @@
               <a:p>
                 <a:pPr algn="ctr"/>
                 <a:r>
-                  <a:rPr lang="en-US" sz="3600" b="1" dirty="0" smtClean="0">
+                  <a:rPr lang="en-US" sz="3600" b="1" dirty="0">
                     <a:latin typeface="Consolas" pitchFamily="49" charset="0"/>
                     <a:cs typeface="Consolas" pitchFamily="49" charset="0"/>
                   </a:rPr>
                   <a:t>x5</a:t>
                 </a:r>
-                <a:endParaRPr lang="en-US" sz="3600" b="1" dirty="0">
-                  <a:latin typeface="Consolas" pitchFamily="49" charset="0"/>
-                  <a:cs typeface="Consolas" pitchFamily="49" charset="0"/>
-                </a:endParaRPr>
               </a:p>
             </p:txBody>
           </p:sp>
@@ -16433,16 +15752,12 @@
             <a:p>
               <a:pPr algn="ctr"/>
               <a:r>
-                <a:rPr lang="en-US" sz="3600" b="1" dirty="0" smtClean="0">
+                <a:rPr lang="en-US" sz="3600" b="1" dirty="0">
                   <a:latin typeface="Consolas" pitchFamily="49" charset="0"/>
                   <a:cs typeface="Consolas" pitchFamily="49" charset="0"/>
                 </a:rPr>
                 <a:t>a</a:t>
               </a:r>
-              <a:endParaRPr lang="en-US" sz="3600" b="1" dirty="0">
-                <a:latin typeface="Consolas" pitchFamily="49" charset="0"/>
-                <a:cs typeface="Consolas" pitchFamily="49" charset="0"/>
-              </a:endParaRPr>
             </a:p>
           </p:txBody>
         </p:sp>
@@ -16673,13 +15988,6 @@
   <p:clrMapOvr>
     <a:masterClrMapping/>
   </p:clrMapOvr>
-  <p:timing>
-    <p:tnLst>
-      <p:par>
-        <p:cTn id="1" dur="indefinite" restart="never" nodeType="tmRoot"/>
-      </p:par>
-    </p:tnLst>
-  </p:timing>
 </p:sld>
 </file>
 
@@ -16716,10 +16024,9 @@
           <a:lstStyle/>
           <a:p>
             <a:r>
-              <a:rPr lang="en-US" dirty="0" smtClean="0"/>
+              <a:rPr lang="en-US" dirty="0"/>
               <a:t>Let's write the code</a:t>
             </a:r>
-            <a:endParaRPr lang="en-US" dirty="0"/>
           </a:p>
         </p:txBody>
       </p:sp>
@@ -16746,7 +16053,7 @@
               </a:spcBef>
             </a:pPr>
             <a:r>
-              <a:rPr lang="en-US" sz="2800" dirty="0" smtClean="0"/>
+              <a:rPr lang="en-US" sz="2800" dirty="0"/>
               <a:t>;; We'll use the template:</a:t>
             </a:r>
           </a:p>
@@ -16757,23 +16064,23 @@
               </a:spcBef>
             </a:pPr>
             <a:r>
-              <a:rPr lang="en-US" sz="2800" dirty="0" smtClean="0"/>
+              <a:rPr lang="en-US" sz="2800" dirty="0"/>
               <a:t>(define (</a:t>
             </a:r>
             <a:r>
-              <a:rPr lang="en-US" sz="2800" dirty="0" err="1" smtClean="0"/>
+              <a:rPr lang="en-US" sz="2800" dirty="0" err="1"/>
               <a:t>foldl</a:t>
             </a:r>
             <a:r>
-              <a:rPr lang="en-US" sz="2800" dirty="0" smtClean="0"/>
+              <a:rPr lang="en-US" sz="2800" dirty="0"/>
               <a:t> f a </a:t>
             </a:r>
             <a:r>
-              <a:rPr lang="en-US" sz="2800" dirty="0" err="1" smtClean="0"/>
+              <a:rPr lang="en-US" sz="2800" dirty="0" err="1"/>
               <a:t>lst</a:t>
             </a:r>
             <a:r>
-              <a:rPr lang="en-US" sz="2800" dirty="0" smtClean="0"/>
+              <a:rPr lang="en-US" sz="2800" dirty="0"/>
               <a:t>)</a:t>
             </a:r>
           </a:p>
@@ -16785,17 +16092,13 @@
             </a:pPr>
             <a:r>
               <a:rPr lang="en-US" sz="2800" dirty="0"/>
-              <a:t> </a:t>
-            </a:r>
-            <a:r>
-              <a:rPr lang="en-US" sz="2800" dirty="0" smtClean="0"/>
-              <a:t> (</a:t>
-            </a:r>
-            <a:r>
-              <a:rPr lang="en-US" sz="2800" dirty="0" err="1" smtClean="0"/>
+              <a:t>  (</a:t>
+            </a:r>
+            <a:r>
+              <a:rPr lang="en-US" sz="2800" dirty="0" err="1"/>
               <a:t>cond</a:t>
             </a:r>
-            <a:endParaRPr lang="en-US" sz="2800" dirty="0" smtClean="0"/>
+            <a:endParaRPr lang="en-US" sz="2800" dirty="0"/>
           </a:p>
           <a:p>
             <a:pPr>
@@ -16805,18 +16108,14 @@
             </a:pPr>
             <a:r>
               <a:rPr lang="en-US" sz="2800" dirty="0"/>
-              <a:t> </a:t>
-            </a:r>
-            <a:r>
-              <a:rPr lang="en-US" sz="2800" dirty="0" smtClean="0"/>
-              <a:t>  [(empty? </a:t>
-            </a:r>
-            <a:r>
-              <a:rPr lang="en-US" sz="2800" dirty="0" err="1" smtClean="0"/>
+              <a:t>   [(empty? </a:t>
+            </a:r>
+            <a:r>
+              <a:rPr lang="en-US" sz="2800" dirty="0" err="1"/>
               <a:t>lst</a:t>
             </a:r>
             <a:r>
-              <a:rPr lang="en-US" sz="2800" dirty="0" smtClean="0"/>
+              <a:rPr lang="en-US" sz="2800" dirty="0"/>
               <a:t>) ...]</a:t>
             </a:r>
           </a:p>
@@ -16828,11 +16127,7 @@
             </a:pPr>
             <a:r>
               <a:rPr lang="en-US" sz="2800" dirty="0"/>
-              <a:t> </a:t>
-            </a:r>
-            <a:r>
-              <a:rPr lang="en-US" sz="2800" dirty="0" smtClean="0"/>
-              <a:t>  [else (...</a:t>
+              <a:t>   [else (...</a:t>
             </a:r>
           </a:p>
           <a:p>
@@ -16843,18 +16138,14 @@
             </a:pPr>
             <a:r>
               <a:rPr lang="en-US" sz="2800" dirty="0"/>
-              <a:t> </a:t>
-            </a:r>
-            <a:r>
-              <a:rPr lang="en-US" sz="2800" dirty="0" smtClean="0"/>
-              <a:t>          (first </a:t>
-            </a:r>
-            <a:r>
-              <a:rPr lang="en-US" sz="2800" dirty="0" err="1" smtClean="0"/>
+              <a:t>           (first </a:t>
+            </a:r>
+            <a:r>
+              <a:rPr lang="en-US" sz="2800" dirty="0" err="1"/>
               <a:t>lst</a:t>
             </a:r>
             <a:r>
-              <a:rPr lang="en-US" sz="2800" dirty="0" smtClean="0"/>
+              <a:rPr lang="en-US" sz="2800" dirty="0"/>
               <a:t>)  </a:t>
             </a:r>
           </a:p>
@@ -16866,29 +16157,24 @@
             </a:pPr>
             <a:r>
               <a:rPr lang="en-US" sz="2800" dirty="0"/>
-              <a:t> </a:t>
-            </a:r>
-            <a:r>
-              <a:rPr lang="en-US" sz="2800" dirty="0" smtClean="0"/>
-              <a:t>          (</a:t>
-            </a:r>
-            <a:r>
-              <a:rPr lang="en-US" sz="2800" dirty="0" err="1" smtClean="0"/>
+              <a:t>           (</a:t>
+            </a:r>
+            <a:r>
+              <a:rPr lang="en-US" sz="2800" dirty="0" err="1"/>
               <a:t>foldl</a:t>
             </a:r>
             <a:r>
-              <a:rPr lang="en-US" sz="2800" dirty="0" smtClean="0"/>
+              <a:rPr lang="en-US" sz="2800" dirty="0"/>
               <a:t> ... (rest </a:t>
             </a:r>
             <a:r>
-              <a:rPr lang="en-US" sz="2800" dirty="0" err="1" smtClean="0"/>
+              <a:rPr lang="en-US" sz="2800" dirty="0" err="1"/>
               <a:t>lst</a:t>
             </a:r>
             <a:r>
-              <a:rPr lang="en-US" sz="2800" dirty="0" smtClean="0"/>
+              <a:rPr lang="en-US" sz="2800" dirty="0"/>
               <a:t>)))])</a:t>
             </a:r>
-            <a:endParaRPr lang="en-US" sz="2800" dirty="0"/>
           </a:p>
         </p:txBody>
       </p:sp>
@@ -16935,7 +16221,9 @@
               <a:lumOff val="60000"/>
             </a:schemeClr>
           </a:solidFill>
-          <a:ln/>
+          <a:ln>
+            <a:noFill/>
+          </a:ln>
         </p:spPr>
         <p:style>
           <a:lnRef idx="2">
@@ -16962,7 +16250,7 @@
           <a:p>
             <a:pPr algn="ctr"/>
             <a:r>
-              <a:rPr lang="en-US" dirty="0" smtClean="0">
+              <a:rPr lang="en-US" dirty="0">
                 <a:solidFill>
                   <a:schemeClr val="tx1"/>
                 </a:solidFill>
@@ -17020,13 +16308,6 @@
   <p:clrMapOvr>
     <a:masterClrMapping/>
   </p:clrMapOvr>
-  <p:timing>
-    <p:tnLst>
-      <p:par>
-        <p:cTn id="1" dur="indefinite" restart="never" nodeType="tmRoot"/>
-      </p:par>
-    </p:tnLst>
-  </p:timing>
 </p:sld>
 </file>
 
@@ -17063,18 +16344,17 @@
           <a:lstStyle/>
           <a:p>
             <a:r>
-              <a:rPr lang="en-US" dirty="0" smtClean="0"/>
+              <a:rPr lang="en-US" dirty="0"/>
               <a:t>What if </a:t>
             </a:r>
             <a:r>
-              <a:rPr lang="en-US" dirty="0" err="1" smtClean="0"/>
+              <a:rPr lang="en-US" dirty="0" err="1"/>
               <a:t>lst</a:t>
             </a:r>
             <a:r>
-              <a:rPr lang="en-US" dirty="0" smtClean="0"/>
+              <a:rPr lang="en-US" dirty="0"/>
               <a:t> is empty?</a:t>
             </a:r>
-            <a:endParaRPr lang="en-US" dirty="0"/>
           </a:p>
         </p:txBody>
       </p:sp>
@@ -17093,17 +16373,17 @@
           <a:bodyPr/>
           <a:lstStyle/>
           <a:p>
-            <a:endParaRPr lang="en-US" dirty="0" smtClean="0"/>
-          </a:p>
-          <a:p>
             <a:endParaRPr lang="en-US" dirty="0"/>
           </a:p>
           <a:p>
-            <a:endParaRPr lang="en-US" dirty="0" smtClean="0"/>
-          </a:p>
-          <a:p>
-            <a:r>
-              <a:rPr lang="en-US" dirty="0" smtClean="0"/>
+            <a:endParaRPr lang="en-US" dirty="0"/>
+          </a:p>
+          <a:p>
+            <a:endParaRPr lang="en-US" dirty="0"/>
+          </a:p>
+          <a:p>
+            <a:r>
+              <a:rPr lang="en-US" dirty="0"/>
               <a:t>When the list is empty, there are no stages in the pipeline, so </a:t>
             </a:r>
           </a:p>
@@ -17112,30 +16392,26 @@
               <a:buNone/>
             </a:pPr>
             <a:r>
-              <a:rPr lang="en-US" b="1" dirty="0" smtClean="0">
+              <a:rPr lang="en-US" b="1" dirty="0">
                 <a:latin typeface="Consolas" panose="020B0609020204030204" pitchFamily="49" charset="0"/>
                 <a:cs typeface="Consolas" panose="020B0609020204030204" pitchFamily="49" charset="0"/>
               </a:rPr>
               <a:t>(</a:t>
             </a:r>
             <a:r>
-              <a:rPr lang="en-US" b="1" dirty="0" err="1" smtClean="0">
+              <a:rPr lang="en-US" b="1" dirty="0" err="1">
                 <a:latin typeface="Consolas" panose="020B0609020204030204" pitchFamily="49" charset="0"/>
                 <a:cs typeface="Consolas" panose="020B0609020204030204" pitchFamily="49" charset="0"/>
               </a:rPr>
               <a:t>foldl</a:t>
             </a:r>
             <a:r>
-              <a:rPr lang="en-US" b="1" dirty="0" smtClean="0">
+              <a:rPr lang="en-US" b="1" dirty="0">
                 <a:latin typeface="Consolas" panose="020B0609020204030204" pitchFamily="49" charset="0"/>
                 <a:cs typeface="Consolas" panose="020B0609020204030204" pitchFamily="49" charset="0"/>
               </a:rPr>
               <a:t> f a empty) = a</a:t>
             </a:r>
-            <a:endParaRPr lang="en-US" b="1" dirty="0">
-              <a:latin typeface="Consolas" panose="020B0609020204030204" pitchFamily="49" charset="0"/>
-              <a:cs typeface="Consolas" panose="020B0609020204030204" pitchFamily="49" charset="0"/>
-            </a:endParaRPr>
           </a:p>
         </p:txBody>
       </p:sp>
@@ -17229,16 +16505,12 @@
             <a:p>
               <a:pPr algn="ctr"/>
               <a:r>
-                <a:rPr lang="en-US" sz="3600" b="1" dirty="0" smtClean="0">
+                <a:rPr lang="en-US" sz="3600" b="1" dirty="0">
                   <a:latin typeface="Consolas" pitchFamily="49" charset="0"/>
                   <a:cs typeface="Consolas" pitchFamily="49" charset="0"/>
                 </a:rPr>
                 <a:t>(</a:t>
               </a:r>
-              <a:endParaRPr lang="en-US" sz="3600" b="1" dirty="0">
-                <a:latin typeface="Consolas" pitchFamily="49" charset="0"/>
-                <a:cs typeface="Consolas" pitchFamily="49" charset="0"/>
-              </a:endParaRPr>
             </a:p>
           </p:txBody>
         </p:sp>
@@ -17289,16 +16561,12 @@
             <a:p>
               <a:pPr algn="ctr"/>
               <a:r>
-                <a:rPr lang="en-US" sz="3600" b="1" dirty="0" smtClean="0">
+                <a:rPr lang="en-US" sz="3600" b="1" dirty="0">
                   <a:latin typeface="Consolas" pitchFamily="49" charset="0"/>
                   <a:cs typeface="Consolas" pitchFamily="49" charset="0"/>
                 </a:rPr>
                 <a:t>)</a:t>
               </a:r>
-              <a:endParaRPr lang="en-US" sz="3600" b="1" dirty="0">
-                <a:latin typeface="Consolas" pitchFamily="49" charset="0"/>
-                <a:cs typeface="Consolas" pitchFamily="49" charset="0"/>
-              </a:endParaRPr>
             </a:p>
           </p:txBody>
         </p:sp>
@@ -17363,16 +16631,12 @@
               <a:p>
                 <a:pPr algn="ctr"/>
                 <a:r>
-                  <a:rPr lang="en-US" sz="3600" b="1" dirty="0" smtClean="0">
+                  <a:rPr lang="en-US" sz="3600" b="1" dirty="0">
                     <a:latin typeface="Consolas" pitchFamily="49" charset="0"/>
                     <a:cs typeface="Consolas" pitchFamily="49" charset="0"/>
                   </a:rPr>
                   <a:t>x1</a:t>
                 </a:r>
-                <a:endParaRPr lang="en-US" sz="3600" b="1" dirty="0">
-                  <a:latin typeface="Consolas" pitchFamily="49" charset="0"/>
-                  <a:cs typeface="Consolas" pitchFamily="49" charset="0"/>
-                </a:endParaRPr>
               </a:p>
             </p:txBody>
           </p:sp>
@@ -17535,16 +16799,12 @@
               <a:p>
                 <a:pPr algn="ctr"/>
                 <a:r>
-                  <a:rPr lang="en-US" sz="3600" b="1" dirty="0" smtClean="0">
+                  <a:rPr lang="en-US" sz="3600" b="1" dirty="0">
                     <a:latin typeface="Consolas" pitchFamily="49" charset="0"/>
                     <a:cs typeface="Consolas" pitchFamily="49" charset="0"/>
                   </a:rPr>
                   <a:t>x3</a:t>
                 </a:r>
-                <a:endParaRPr lang="en-US" sz="3600" b="1" dirty="0">
-                  <a:latin typeface="Consolas" pitchFamily="49" charset="0"/>
-                  <a:cs typeface="Consolas" pitchFamily="49" charset="0"/>
-                </a:endParaRPr>
               </a:p>
             </p:txBody>
           </p:sp>
@@ -17707,16 +16967,12 @@
               <a:p>
                 <a:pPr algn="ctr"/>
                 <a:r>
-                  <a:rPr lang="en-US" sz="3600" b="1" dirty="0" smtClean="0">
+                  <a:rPr lang="en-US" sz="3600" b="1" dirty="0">
                     <a:latin typeface="Consolas" pitchFamily="49" charset="0"/>
                     <a:cs typeface="Consolas" pitchFamily="49" charset="0"/>
                   </a:rPr>
                   <a:t>x2</a:t>
                 </a:r>
-                <a:endParaRPr lang="en-US" sz="3600" b="1" dirty="0">
-                  <a:latin typeface="Consolas" pitchFamily="49" charset="0"/>
-                  <a:cs typeface="Consolas" pitchFamily="49" charset="0"/>
-                </a:endParaRPr>
               </a:p>
             </p:txBody>
           </p:sp>
@@ -17879,16 +17135,12 @@
               <a:p>
                 <a:pPr algn="ctr"/>
                 <a:r>
-                  <a:rPr lang="en-US" sz="3600" b="1" dirty="0" smtClean="0">
+                  <a:rPr lang="en-US" sz="3600" b="1" dirty="0">
                     <a:latin typeface="Consolas" pitchFamily="49" charset="0"/>
                     <a:cs typeface="Consolas" pitchFamily="49" charset="0"/>
                   </a:rPr>
                   <a:t>x4</a:t>
                 </a:r>
-                <a:endParaRPr lang="en-US" sz="3600" b="1" dirty="0">
-                  <a:latin typeface="Consolas" pitchFamily="49" charset="0"/>
-                  <a:cs typeface="Consolas" pitchFamily="49" charset="0"/>
-                </a:endParaRPr>
               </a:p>
             </p:txBody>
           </p:sp>
@@ -18051,16 +17303,12 @@
               <a:p>
                 <a:pPr algn="ctr"/>
                 <a:r>
-                  <a:rPr lang="en-US" sz="3600" b="1" dirty="0" smtClean="0">
+                  <a:rPr lang="en-US" sz="3600" b="1" dirty="0">
                     <a:latin typeface="Consolas" pitchFamily="49" charset="0"/>
                     <a:cs typeface="Consolas" pitchFamily="49" charset="0"/>
                   </a:rPr>
                   <a:t>x5</a:t>
                 </a:r>
-                <a:endParaRPr lang="en-US" sz="3600" b="1" dirty="0">
-                  <a:latin typeface="Consolas" pitchFamily="49" charset="0"/>
-                  <a:cs typeface="Consolas" pitchFamily="49" charset="0"/>
-                </a:endParaRPr>
               </a:p>
             </p:txBody>
           </p:sp>
@@ -18209,16 +17457,12 @@
             <a:p>
               <a:pPr algn="ctr"/>
               <a:r>
-                <a:rPr lang="en-US" sz="3600" b="1" dirty="0" smtClean="0">
+                <a:rPr lang="en-US" sz="3600" b="1" dirty="0">
                   <a:latin typeface="Consolas" pitchFamily="49" charset="0"/>
                   <a:cs typeface="Consolas" pitchFamily="49" charset="0"/>
                 </a:rPr>
                 <a:t>a</a:t>
               </a:r>
-              <a:endParaRPr lang="en-US" sz="3600" b="1" dirty="0">
-                <a:latin typeface="Consolas" pitchFamily="49" charset="0"/>
-                <a:cs typeface="Consolas" pitchFamily="49" charset="0"/>
-              </a:endParaRPr>
             </a:p>
           </p:txBody>
         </p:sp>
@@ -18449,13 +17693,6 @@
   <p:clrMapOvr>
     <a:masterClrMapping/>
   </p:clrMapOvr>
-  <p:timing>
-    <p:tnLst>
-      <p:par>
-        <p:cTn id="1" dur="indefinite" restart="never" nodeType="tmRoot"/>
-      </p:par>
-    </p:tnLst>
-  </p:timing>
 </p:sld>
 </file>
 
